--- a/CYFI445/lectures/03_linear_regressioin_autogradient/compute_autogradient.pptx
+++ b/CYFI445/lectures/03_linear_regressioin_autogradient/compute_autogradient.pptx
@@ -124,13 +124,37 @@
 <file path=ppt/revisionInfo.xml><?xml version="1.0" encoding="utf-8"?>
 <p1510:revInfo xmlns:a="http://schemas.openxmlformats.org/drawingml/2006/main" xmlns:r="http://schemas.openxmlformats.org/officeDocument/2006/relationships" xmlns:p1510="http://schemas.microsoft.com/office/powerpoint/2015/10/main">
   <p1510:revLst>
-    <p1510:client id="{8E5A6AEC-921D-4BE6-8002-CC8D4F2830D2}" v="22" dt="2025-04-28T15:19:09.519"/>
+    <p1510:client id="{8E5A6AEC-921D-4BE6-8002-CC8D4F2830D2}" v="23" dt="2025-09-14T19:13:13.786"/>
   </p1510:revLst>
 </p1510:revInfo>
 </file>
 
 <file path=ppt/changesInfos/changesInfo1.xml><?xml version="1.0" encoding="utf-8"?>
 <pc:chgInfo xmlns:a="http://schemas.openxmlformats.org/drawingml/2006/main" xmlns:r="http://schemas.openxmlformats.org/officeDocument/2006/relationships" xmlns:ac="http://schemas.microsoft.com/office/drawing/2013/main/command" xmlns:pc="http://schemas.microsoft.com/office/powerpoint/2013/main/command">
+  <pc:docChgLst>
+    <pc:chgData name="Weifeng Xu" userId="e7aed605-a3dd-4d5a-a692-a87037af107b" providerId="ADAL" clId="{F99F8FFF-BA20-43EA-924B-4DF5D2A785F3}"/>
+    <pc:docChg chg="modSld">
+      <pc:chgData name="Weifeng Xu" userId="e7aed605-a3dd-4d5a-a692-a87037af107b" providerId="ADAL" clId="{F99F8FFF-BA20-43EA-924B-4DF5D2A785F3}" dt="2025-09-14T19:13:13.786" v="0"/>
+      <pc:docMkLst>
+        <pc:docMk/>
+      </pc:docMkLst>
+      <pc:sldChg chg="addSp modSp">
+        <pc:chgData name="Weifeng Xu" userId="e7aed605-a3dd-4d5a-a692-a87037af107b" providerId="ADAL" clId="{F99F8FFF-BA20-43EA-924B-4DF5D2A785F3}" dt="2025-09-14T19:13:13.786" v="0"/>
+        <pc:sldMkLst>
+          <pc:docMk/>
+          <pc:sldMk cId="1325061211" sldId="256"/>
+        </pc:sldMkLst>
+        <pc:picChg chg="add mod">
+          <ac:chgData name="Weifeng Xu" userId="e7aed605-a3dd-4d5a-a692-a87037af107b" providerId="ADAL" clId="{F99F8FFF-BA20-43EA-924B-4DF5D2A785F3}" dt="2025-09-14T19:13:13.786" v="0"/>
+          <ac:picMkLst>
+            <pc:docMk/>
+            <pc:sldMk cId="1325061211" sldId="256"/>
+            <ac:picMk id="4" creationId="{33B223AA-E69E-4025-B2A4-B10E7F584464}"/>
+          </ac:picMkLst>
+        </pc:picChg>
+      </pc:sldChg>
+    </pc:docChg>
+  </pc:docChgLst>
   <pc:docChgLst>
     <pc:chgData name="Weifeng Xu" userId="e7aed605-a3dd-4d5a-a692-a87037af107b" providerId="ADAL" clId="{8E5A6AEC-921D-4BE6-8002-CC8D4F2830D2}"/>
     <pc:docChg chg="undo custSel addSld delSld modSld">
@@ -144,22 +168,6 @@
           <pc:docMk/>
           <pc:sldMk cId="1325061211" sldId="256"/>
         </pc:sldMkLst>
-        <pc:spChg chg="mod ord">
-          <ac:chgData name="Weifeng Xu" userId="e7aed605-a3dd-4d5a-a692-a87037af107b" providerId="ADAL" clId="{8E5A6AEC-921D-4BE6-8002-CC8D4F2830D2}" dt="2025-04-27T15:24:07.342" v="34" actId="700"/>
-          <ac:spMkLst>
-            <pc:docMk/>
-            <pc:sldMk cId="1325061211" sldId="256"/>
-            <ac:spMk id="2" creationId="{00000000-0000-0000-0000-000000000000}"/>
-          </ac:spMkLst>
-        </pc:spChg>
-        <pc:spChg chg="mod ord">
-          <ac:chgData name="Weifeng Xu" userId="e7aed605-a3dd-4d5a-a692-a87037af107b" providerId="ADAL" clId="{8E5A6AEC-921D-4BE6-8002-CC8D4F2830D2}" dt="2025-04-27T15:24:07.342" v="34" actId="700"/>
-          <ac:spMkLst>
-            <pc:docMk/>
-            <pc:sldMk cId="1325061211" sldId="256"/>
-            <ac:spMk id="3" creationId="{00000000-0000-0000-0000-000000000000}"/>
-          </ac:spMkLst>
-        </pc:spChg>
       </pc:sldChg>
       <pc:sldChg chg="del">
         <pc:chgData name="Weifeng Xu" userId="e7aed605-a3dd-4d5a-a692-a87037af107b" providerId="ADAL" clId="{8E5A6AEC-921D-4BE6-8002-CC8D4F2830D2}" dt="2025-04-27T15:25:06.899" v="35" actId="47"/>
@@ -174,62 +182,6 @@
           <pc:docMk/>
           <pc:sldMk cId="2572427240" sldId="257"/>
         </pc:sldMkLst>
-        <pc:spChg chg="mod">
-          <ac:chgData name="Weifeng Xu" userId="e7aed605-a3dd-4d5a-a692-a87037af107b" providerId="ADAL" clId="{8E5A6AEC-921D-4BE6-8002-CC8D4F2830D2}" dt="2025-04-27T15:25:46.838" v="68" actId="20577"/>
-          <ac:spMkLst>
-            <pc:docMk/>
-            <pc:sldMk cId="2572427240" sldId="257"/>
-            <ac:spMk id="2" creationId="{4094E69C-A14B-390C-CFED-6DD48CFFED60}"/>
-          </ac:spMkLst>
-        </pc:spChg>
-        <pc:spChg chg="mod">
-          <ac:chgData name="Weifeng Xu" userId="e7aed605-a3dd-4d5a-a692-a87037af107b" providerId="ADAL" clId="{8E5A6AEC-921D-4BE6-8002-CC8D4F2830D2}" dt="2025-04-27T15:43:41.786" v="154"/>
-          <ac:spMkLst>
-            <pc:docMk/>
-            <pc:sldMk cId="2572427240" sldId="257"/>
-            <ac:spMk id="3" creationId="{01010AF9-005A-4F01-6AC2-01450C7014AD}"/>
-          </ac:spMkLst>
-        </pc:spChg>
-        <pc:spChg chg="add mod">
-          <ac:chgData name="Weifeng Xu" userId="e7aed605-a3dd-4d5a-a692-a87037af107b" providerId="ADAL" clId="{8E5A6AEC-921D-4BE6-8002-CC8D4F2830D2}" dt="2025-04-27T15:28:22.082" v="101" actId="1076"/>
-          <ac:spMkLst>
-            <pc:docMk/>
-            <pc:sldMk cId="2572427240" sldId="257"/>
-            <ac:spMk id="8" creationId="{B9AC789F-00C5-E1DA-E746-15F32EF78D13}"/>
-          </ac:spMkLst>
-        </pc:spChg>
-        <pc:picChg chg="add mod">
-          <ac:chgData name="Weifeng Xu" userId="e7aed605-a3dd-4d5a-a692-a87037af107b" providerId="ADAL" clId="{8E5A6AEC-921D-4BE6-8002-CC8D4F2830D2}" dt="2025-04-27T15:27:45.696" v="96" actId="14100"/>
-          <ac:picMkLst>
-            <pc:docMk/>
-            <pc:sldMk cId="2572427240" sldId="257"/>
-            <ac:picMk id="4" creationId="{391E7499-2CBB-01E5-E268-0B1D61B12632}"/>
-          </ac:picMkLst>
-        </pc:picChg>
-        <pc:picChg chg="add mod">
-          <ac:chgData name="Weifeng Xu" userId="e7aed605-a3dd-4d5a-a692-a87037af107b" providerId="ADAL" clId="{8E5A6AEC-921D-4BE6-8002-CC8D4F2830D2}" dt="2025-04-27T15:27:59.583" v="97" actId="1076"/>
-          <ac:picMkLst>
-            <pc:docMk/>
-            <pc:sldMk cId="2572427240" sldId="257"/>
-            <ac:picMk id="5" creationId="{3F817293-CD9F-7A21-E85A-C53904CBC3B0}"/>
-          </ac:picMkLst>
-        </pc:picChg>
-        <pc:picChg chg="add mod">
-          <ac:chgData name="Weifeng Xu" userId="e7aed605-a3dd-4d5a-a692-a87037af107b" providerId="ADAL" clId="{8E5A6AEC-921D-4BE6-8002-CC8D4F2830D2}" dt="2025-04-27T15:43:48.595" v="157" actId="1076"/>
-          <ac:picMkLst>
-            <pc:docMk/>
-            <pc:sldMk cId="2572427240" sldId="257"/>
-            <ac:picMk id="10" creationId="{AC654E47-82AA-937A-36F5-76112314A26D}"/>
-          </ac:picMkLst>
-        </pc:picChg>
-        <pc:cxnChg chg="add mod">
-          <ac:chgData name="Weifeng Xu" userId="e7aed605-a3dd-4d5a-a692-a87037af107b" providerId="ADAL" clId="{8E5A6AEC-921D-4BE6-8002-CC8D4F2830D2}" dt="2025-04-27T15:27:59.583" v="97" actId="1076"/>
-          <ac:cxnSpMkLst>
-            <pc:docMk/>
-            <pc:sldMk cId="2572427240" sldId="257"/>
-            <ac:cxnSpMk id="6" creationId="{4D724E09-3324-9D4C-BD2A-44A3FF460800}"/>
-          </ac:cxnSpMkLst>
-        </pc:cxnChg>
       </pc:sldChg>
       <pc:sldChg chg="del">
         <pc:chgData name="Weifeng Xu" userId="e7aed605-a3dd-4d5a-a692-a87037af107b" providerId="ADAL" clId="{8E5A6AEC-921D-4BE6-8002-CC8D4F2830D2}" dt="2025-04-27T15:25:07.244" v="36" actId="47"/>
@@ -244,54 +196,6 @@
           <pc:docMk/>
           <pc:sldMk cId="3100494254" sldId="258"/>
         </pc:sldMkLst>
-        <pc:spChg chg="del mod ord">
-          <ac:chgData name="Weifeng Xu" userId="e7aed605-a3dd-4d5a-a692-a87037af107b" providerId="ADAL" clId="{8E5A6AEC-921D-4BE6-8002-CC8D4F2830D2}" dt="2025-04-27T15:44:46.201" v="159" actId="700"/>
-          <ac:spMkLst>
-            <pc:docMk/>
-            <pc:sldMk cId="3100494254" sldId="258"/>
-            <ac:spMk id="2" creationId="{69196597-7A9A-A17B-2296-C057643838A5}"/>
-          </ac:spMkLst>
-        </pc:spChg>
-        <pc:spChg chg="del">
-          <ac:chgData name="Weifeng Xu" userId="e7aed605-a3dd-4d5a-a692-a87037af107b" providerId="ADAL" clId="{8E5A6AEC-921D-4BE6-8002-CC8D4F2830D2}" dt="2025-04-27T15:44:46.201" v="159" actId="700"/>
-          <ac:spMkLst>
-            <pc:docMk/>
-            <pc:sldMk cId="3100494254" sldId="258"/>
-            <ac:spMk id="3" creationId="{47F81A08-1937-0650-32A8-C58B33006FC5}"/>
-          </ac:spMkLst>
-        </pc:spChg>
-        <pc:spChg chg="add mod ord">
-          <ac:chgData name="Weifeng Xu" userId="e7aed605-a3dd-4d5a-a692-a87037af107b" providerId="ADAL" clId="{8E5A6AEC-921D-4BE6-8002-CC8D4F2830D2}" dt="2025-04-27T15:53:21.497" v="408" actId="20577"/>
-          <ac:spMkLst>
-            <pc:docMk/>
-            <pc:sldMk cId="3100494254" sldId="258"/>
-            <ac:spMk id="4" creationId="{D850AA26-22B9-BAB3-CD50-A0EB9C6A7503}"/>
-          </ac:spMkLst>
-        </pc:spChg>
-        <pc:spChg chg="add mod ord">
-          <ac:chgData name="Weifeng Xu" userId="e7aed605-a3dd-4d5a-a692-a87037af107b" providerId="ADAL" clId="{8E5A6AEC-921D-4BE6-8002-CC8D4F2830D2}" dt="2025-04-27T16:01:11.569" v="507" actId="207"/>
-          <ac:spMkLst>
-            <pc:docMk/>
-            <pc:sldMk cId="3100494254" sldId="258"/>
-            <ac:spMk id="7" creationId="{FDD093C3-4E97-F861-E491-F1ABCBAC3893}"/>
-          </ac:spMkLst>
-        </pc:spChg>
-        <pc:spChg chg="add">
-          <ac:chgData name="Weifeng Xu" userId="e7aed605-a3dd-4d5a-a692-a87037af107b" providerId="ADAL" clId="{8E5A6AEC-921D-4BE6-8002-CC8D4F2830D2}" dt="2025-04-27T15:57:21.100" v="476"/>
-          <ac:spMkLst>
-            <pc:docMk/>
-            <pc:sldMk cId="3100494254" sldId="258"/>
-            <ac:spMk id="8" creationId="{81E2F0FD-A903-EED3-0DDD-0CD5C3787D1F}"/>
-          </ac:spMkLst>
-        </pc:spChg>
-        <pc:picChg chg="add mod modCrop">
-          <ac:chgData name="Weifeng Xu" userId="e7aed605-a3dd-4d5a-a692-a87037af107b" providerId="ADAL" clId="{8E5A6AEC-921D-4BE6-8002-CC8D4F2830D2}" dt="2025-04-27T15:58:31.290" v="497" actId="1076"/>
-          <ac:picMkLst>
-            <pc:docMk/>
-            <pc:sldMk cId="3100494254" sldId="258"/>
-            <ac:picMk id="6" creationId="{F4C86BF2-6753-1FF6-685A-9877C80A5DCC}"/>
-          </ac:picMkLst>
-        </pc:picChg>
       </pc:sldChg>
       <pc:sldChg chg="modSp new mod">
         <pc:chgData name="Weifeng Xu" userId="e7aed605-a3dd-4d5a-a692-a87037af107b" providerId="ADAL" clId="{8E5A6AEC-921D-4BE6-8002-CC8D4F2830D2}" dt="2025-04-27T16:03:14.809" v="520" actId="207"/>
@@ -299,22 +203,6 @@
           <pc:docMk/>
           <pc:sldMk cId="1655253961" sldId="259"/>
         </pc:sldMkLst>
-        <pc:spChg chg="mod">
-          <ac:chgData name="Weifeng Xu" userId="e7aed605-a3dd-4d5a-a692-a87037af107b" providerId="ADAL" clId="{8E5A6AEC-921D-4BE6-8002-CC8D4F2830D2}" dt="2025-04-27T16:01:49.545" v="510" actId="20577"/>
-          <ac:spMkLst>
-            <pc:docMk/>
-            <pc:sldMk cId="1655253961" sldId="259"/>
-            <ac:spMk id="2" creationId="{21EA945C-7F49-37BC-FEE2-E004DF17AAB7}"/>
-          </ac:spMkLst>
-        </pc:spChg>
-        <pc:spChg chg="mod">
-          <ac:chgData name="Weifeng Xu" userId="e7aed605-a3dd-4d5a-a692-a87037af107b" providerId="ADAL" clId="{8E5A6AEC-921D-4BE6-8002-CC8D4F2830D2}" dt="2025-04-27T16:03:14.809" v="520" actId="207"/>
-          <ac:spMkLst>
-            <pc:docMk/>
-            <pc:sldMk cId="1655253961" sldId="259"/>
-            <ac:spMk id="3" creationId="{142D855F-0BA8-F668-558E-2DC24B2E6718}"/>
-          </ac:spMkLst>
-        </pc:spChg>
       </pc:sldChg>
       <pc:sldChg chg="del">
         <pc:chgData name="Weifeng Xu" userId="e7aed605-a3dd-4d5a-a692-a87037af107b" providerId="ADAL" clId="{8E5A6AEC-921D-4BE6-8002-CC8D4F2830D2}" dt="2025-04-27T15:25:07.654" v="37" actId="47"/>
@@ -336,22 +224,6 @@
           <pc:docMk/>
           <pc:sldMk cId="3375603492" sldId="260"/>
         </pc:sldMkLst>
-        <pc:spChg chg="mod">
-          <ac:chgData name="Weifeng Xu" userId="e7aed605-a3dd-4d5a-a692-a87037af107b" providerId="ADAL" clId="{8E5A6AEC-921D-4BE6-8002-CC8D4F2830D2}" dt="2025-04-27T16:03:37.405" v="531" actId="20577"/>
-          <ac:spMkLst>
-            <pc:docMk/>
-            <pc:sldMk cId="3375603492" sldId="260"/>
-            <ac:spMk id="2" creationId="{D39F5A33-F02E-4707-A115-A500DE2671BE}"/>
-          </ac:spMkLst>
-        </pc:spChg>
-        <pc:spChg chg="mod">
-          <ac:chgData name="Weifeng Xu" userId="e7aed605-a3dd-4d5a-a692-a87037af107b" providerId="ADAL" clId="{8E5A6AEC-921D-4BE6-8002-CC8D4F2830D2}" dt="2025-04-27T16:04:14.976" v="601" actId="313"/>
-          <ac:spMkLst>
-            <pc:docMk/>
-            <pc:sldMk cId="3375603492" sldId="260"/>
-            <ac:spMk id="3" creationId="{05B68788-0EDA-2356-BC1F-D7983C72A09D}"/>
-          </ac:spMkLst>
-        </pc:spChg>
       </pc:sldChg>
       <pc:sldChg chg="modSp new mod">
         <pc:chgData name="Weifeng Xu" userId="e7aed605-a3dd-4d5a-a692-a87037af107b" providerId="ADAL" clId="{8E5A6AEC-921D-4BE6-8002-CC8D4F2830D2}" dt="2025-04-27T16:05:14.474" v="618"/>
@@ -359,22 +231,6 @@
           <pc:docMk/>
           <pc:sldMk cId="909895920" sldId="261"/>
         </pc:sldMkLst>
-        <pc:spChg chg="mod">
-          <ac:chgData name="Weifeng Xu" userId="e7aed605-a3dd-4d5a-a692-a87037af107b" providerId="ADAL" clId="{8E5A6AEC-921D-4BE6-8002-CC8D4F2830D2}" dt="2025-04-27T16:05:14.474" v="618"/>
-          <ac:spMkLst>
-            <pc:docMk/>
-            <pc:sldMk cId="909895920" sldId="261"/>
-            <ac:spMk id="2" creationId="{9E4BDEA5-7527-8867-0FB2-301052A3E4FB}"/>
-          </ac:spMkLst>
-        </pc:spChg>
-        <pc:spChg chg="mod">
-          <ac:chgData name="Weifeng Xu" userId="e7aed605-a3dd-4d5a-a692-a87037af107b" providerId="ADAL" clId="{8E5A6AEC-921D-4BE6-8002-CC8D4F2830D2}" dt="2025-04-27T16:04:48.877" v="605" actId="20577"/>
-          <ac:spMkLst>
-            <pc:docMk/>
-            <pc:sldMk cId="909895920" sldId="261"/>
-            <ac:spMk id="3" creationId="{1650DC9D-4865-25C4-6403-52681E04FD9B}"/>
-          </ac:spMkLst>
-        </pc:spChg>
       </pc:sldChg>
       <pc:sldChg chg="del">
         <pc:chgData name="Weifeng Xu" userId="e7aed605-a3dd-4d5a-a692-a87037af107b" providerId="ADAL" clId="{8E5A6AEC-921D-4BE6-8002-CC8D4F2830D2}" dt="2025-04-27T15:25:07.871" v="38" actId="47"/>
@@ -389,30 +245,6 @@
           <pc:docMk/>
           <pc:sldMk cId="1010189504" sldId="262"/>
         </pc:sldMkLst>
-        <pc:spChg chg="mod">
-          <ac:chgData name="Weifeng Xu" userId="e7aed605-a3dd-4d5a-a692-a87037af107b" providerId="ADAL" clId="{8E5A6AEC-921D-4BE6-8002-CC8D4F2830D2}" dt="2025-04-28T15:22:58.759" v="735" actId="207"/>
-          <ac:spMkLst>
-            <pc:docMk/>
-            <pc:sldMk cId="1010189504" sldId="262"/>
-            <ac:spMk id="2" creationId="{C42F7C1E-7F3F-FD62-F92D-9320B2F1D10D}"/>
-          </ac:spMkLst>
-        </pc:spChg>
-        <pc:spChg chg="add del mod">
-          <ac:chgData name="Weifeng Xu" userId="e7aed605-a3dd-4d5a-a692-a87037af107b" providerId="ADAL" clId="{8E5A6AEC-921D-4BE6-8002-CC8D4F2830D2}" dt="2025-04-28T15:23:27.017" v="746" actId="6549"/>
-          <ac:spMkLst>
-            <pc:docMk/>
-            <pc:sldMk cId="1010189504" sldId="262"/>
-            <ac:spMk id="3" creationId="{D8178449-0DEC-1DF6-C094-4E1D9A556DB1}"/>
-          </ac:spMkLst>
-        </pc:spChg>
-        <pc:spChg chg="add mod">
-          <ac:chgData name="Weifeng Xu" userId="e7aed605-a3dd-4d5a-a692-a87037af107b" providerId="ADAL" clId="{8E5A6AEC-921D-4BE6-8002-CC8D4F2830D2}" dt="2025-04-28T15:19:07.610" v="640"/>
-          <ac:spMkLst>
-            <pc:docMk/>
-            <pc:sldMk cId="1010189504" sldId="262"/>
-            <ac:spMk id="4" creationId="{E5DE8120-7DB1-BE26-3BC7-40C65EC25990}"/>
-          </ac:spMkLst>
-        </pc:spChg>
       </pc:sldChg>
       <pc:sldChg chg="del">
         <pc:chgData name="Weifeng Xu" userId="e7aed605-a3dd-4d5a-a692-a87037af107b" providerId="ADAL" clId="{8E5A6AEC-921D-4BE6-8002-CC8D4F2830D2}" dt="2025-04-27T15:25:08.095" v="39" actId="47"/>
@@ -515,14 +347,6 @@
           <pc:docMk/>
           <pc:sldMk cId="1325061211" sldId="256"/>
         </pc:sldMkLst>
-        <pc:spChg chg="mod">
-          <ac:chgData name="Weifeng Xu" userId="e7aed605-a3dd-4d5a-a692-a87037af107b" providerId="ADAL" clId="{9C06CBEB-0343-4287-8B81-0C702673DE5E}" dt="2025-04-23T01:31:59.756" v="4545" actId="20577"/>
-          <ac:spMkLst>
-            <pc:docMk/>
-            <pc:sldMk cId="1325061211" sldId="256"/>
-            <ac:spMk id="2" creationId="{00000000-0000-0000-0000-000000000000}"/>
-          </ac:spMkLst>
-        </pc:spChg>
       </pc:sldChg>
       <pc:sldChg chg="addSp delSp modSp mod modClrScheme chgLayout">
         <pc:chgData name="Weifeng Xu" userId="e7aed605-a3dd-4d5a-a692-a87037af107b" providerId="ADAL" clId="{9C06CBEB-0343-4287-8B81-0C702673DE5E}" dt="2025-04-20T02:53:00.098" v="242" actId="20577"/>
@@ -665,15 +489,6 @@
             <pc:sldMasterMk cId="813574162" sldId="2147483648"/>
             <pc:sldLayoutMk cId="821171414" sldId="2147483649"/>
           </pc:sldLayoutMkLst>
-          <pc:spChg chg="add del mod">
-            <ac:chgData name="Weifeng Xu" userId="e7aed605-a3dd-4d5a-a692-a87037af107b" providerId="ADAL" clId="{E34D94EB-D766-41A9-93D0-B8D12317CF67}" dt="2025-04-19T02:11:54.327" v="3" actId="1076"/>
-            <ac:spMkLst>
-              <pc:docMk/>
-              <pc:sldMasterMk cId="813574162" sldId="2147483648"/>
-              <pc:sldLayoutMk cId="821171414" sldId="2147483649"/>
-              <ac:spMk id="4" creationId="{00000000-0000-0000-0000-000000000000}"/>
-            </ac:spMkLst>
-          </pc:spChg>
         </pc:sldLayoutChg>
         <pc:sldLayoutChg chg="setBg">
           <pc:chgData name="Weifeng Xu" userId="e7aed605-a3dd-4d5a-a692-a87037af107b" providerId="ADAL" clId="{E34D94EB-D766-41A9-93D0-B8D12317CF67}" dt="2025-04-19T02:39:28.427" v="133"/>
@@ -938,7 +753,7 @@
           <a:p>
             <a:fld id="{2A59A54D-A59E-4D85-AEC9-D5AFF867AB55}" type="datetimeFigureOut">
               <a:rPr lang="en-US" smtClean="0"/>
-              <a:t>4/27/2025</a:t>
+              <a:t>9/14/2025</a:t>
             </a:fld>
             <a:endParaRPr lang="en-US"/>
           </a:p>
@@ -1334,7 +1149,7 @@
           <a:p>
             <a:fld id="{4263717A-E3C1-4BED-ABE0-B7069385E023}" type="datetimeFigureOut">
               <a:rPr lang="en-US" smtClean="0"/>
-              <a:t>4/27/2025</a:t>
+              <a:t>9/14/2025</a:t>
             </a:fld>
             <a:endParaRPr lang="en-US"/>
           </a:p>
@@ -1507,7 +1322,7 @@
           <a:p>
             <a:fld id="{4263717A-E3C1-4BED-ABE0-B7069385E023}" type="datetimeFigureOut">
               <a:rPr lang="en-US" smtClean="0"/>
-              <a:t>4/27/2025</a:t>
+              <a:t>9/14/2025</a:t>
             </a:fld>
             <a:endParaRPr lang="en-US"/>
           </a:p>
@@ -1685,7 +1500,7 @@
           <a:p>
             <a:fld id="{4263717A-E3C1-4BED-ABE0-B7069385E023}" type="datetimeFigureOut">
               <a:rPr lang="en-US" smtClean="0"/>
-              <a:t>4/27/2025</a:t>
+              <a:t>9/14/2025</a:t>
             </a:fld>
             <a:endParaRPr lang="en-US"/>
           </a:p>
@@ -1853,7 +1668,7 @@
           <a:p>
             <a:fld id="{4263717A-E3C1-4BED-ABE0-B7069385E023}" type="datetimeFigureOut">
               <a:rPr lang="en-US" smtClean="0"/>
-              <a:t>4/27/2025</a:t>
+              <a:t>9/14/2025</a:t>
             </a:fld>
             <a:endParaRPr lang="en-US"/>
           </a:p>
@@ -2098,7 +1913,7 @@
           <a:p>
             <a:fld id="{4263717A-E3C1-4BED-ABE0-B7069385E023}" type="datetimeFigureOut">
               <a:rPr lang="en-US" smtClean="0"/>
-              <a:t>4/27/2025</a:t>
+              <a:t>9/14/2025</a:t>
             </a:fld>
             <a:endParaRPr lang="en-US"/>
           </a:p>
@@ -2327,7 +2142,7 @@
           <a:p>
             <a:fld id="{4263717A-E3C1-4BED-ABE0-B7069385E023}" type="datetimeFigureOut">
               <a:rPr lang="en-US" smtClean="0"/>
-              <a:t>4/27/2025</a:t>
+              <a:t>9/14/2025</a:t>
             </a:fld>
             <a:endParaRPr lang="en-US"/>
           </a:p>
@@ -2691,7 +2506,7 @@
           <a:p>
             <a:fld id="{4263717A-E3C1-4BED-ABE0-B7069385E023}" type="datetimeFigureOut">
               <a:rPr lang="en-US" smtClean="0"/>
-              <a:t>4/27/2025</a:t>
+              <a:t>9/14/2025</a:t>
             </a:fld>
             <a:endParaRPr lang="en-US"/>
           </a:p>
@@ -2808,7 +2623,7 @@
           <a:p>
             <a:fld id="{4263717A-E3C1-4BED-ABE0-B7069385E023}" type="datetimeFigureOut">
               <a:rPr lang="en-US" smtClean="0"/>
-              <a:t>4/27/2025</a:t>
+              <a:t>9/14/2025</a:t>
             </a:fld>
             <a:endParaRPr lang="en-US"/>
           </a:p>
@@ -2903,7 +2718,7 @@
           <a:p>
             <a:fld id="{4263717A-E3C1-4BED-ABE0-B7069385E023}" type="datetimeFigureOut">
               <a:rPr lang="en-US" smtClean="0"/>
-              <a:t>4/27/2025</a:t>
+              <a:t>9/14/2025</a:t>
             </a:fld>
             <a:endParaRPr lang="en-US"/>
           </a:p>
@@ -3178,7 +2993,7 @@
           <a:p>
             <a:fld id="{4263717A-E3C1-4BED-ABE0-B7069385E023}" type="datetimeFigureOut">
               <a:rPr lang="en-US" smtClean="0"/>
-              <a:t>4/27/2025</a:t>
+              <a:t>9/14/2025</a:t>
             </a:fld>
             <a:endParaRPr lang="en-US"/>
           </a:p>
@@ -3430,7 +3245,7 @@
           <a:p>
             <a:fld id="{4263717A-E3C1-4BED-ABE0-B7069385E023}" type="datetimeFigureOut">
               <a:rPr lang="en-US" smtClean="0"/>
-              <a:t>4/27/2025</a:t>
+              <a:t>9/14/2025</a:t>
             </a:fld>
             <a:endParaRPr lang="en-US"/>
           </a:p>
@@ -3649,7 +3464,7 @@
           <a:p>
             <a:fld id="{4263717A-E3C1-4BED-ABE0-B7069385E023}" type="datetimeFigureOut">
               <a:rPr lang="en-US" smtClean="0"/>
-              <a:t>4/27/2025</a:t>
+              <a:t>9/14/2025</a:t>
             </a:fld>
             <a:endParaRPr lang="en-US"/>
           </a:p>
@@ -4143,6 +3958,53 @@
           </a:p>
         </p:txBody>
       </p:sp>
+      <p:pic>
+        <p:nvPicPr>
+          <p:cNvPr id="4" name="Picture 2">
+            <a:extLst>
+              <a:ext uri="{FF2B5EF4-FFF2-40B4-BE49-F238E27FC236}">
+                <a16:creationId xmlns:a16="http://schemas.microsoft.com/office/drawing/2014/main" id="{33B223AA-E69E-4025-B2A4-B10E7F584464}"/>
+              </a:ext>
+            </a:extLst>
+          </p:cNvPr>
+          <p:cNvPicPr>
+            <a:picLocks noChangeAspect="1" noChangeArrowheads="1"/>
+          </p:cNvPicPr>
+          <p:nvPr/>
+        </p:nvPicPr>
+        <p:blipFill>
+          <a:blip r:embed="rId2">
+            <a:extLst>
+              <a:ext uri="{28A0092B-C50C-407E-A947-70E740481C1C}">
+                <a14:useLocalDpi xmlns:a14="http://schemas.microsoft.com/office/drawing/2010/main" val="0"/>
+              </a:ext>
+            </a:extLst>
+          </a:blip>
+          <a:srcRect/>
+          <a:stretch>
+            <a:fillRect/>
+          </a:stretch>
+        </p:blipFill>
+        <p:spPr bwMode="auto">
+          <a:xfrm>
+            <a:off x="7135950" y="1"/>
+            <a:ext cx="4963788" cy="2688955"/>
+          </a:xfrm>
+          <a:prstGeom prst="rect">
+            <a:avLst/>
+          </a:prstGeom>
+          <a:noFill/>
+          <a:extLst>
+            <a:ext uri="{909E8E84-426E-40DD-AFC4-6F175D3DCCD1}">
+              <a14:hiddenFill xmlns:a14="http://schemas.microsoft.com/office/drawing/2010/main">
+                <a:solidFill>
+                  <a:srgbClr val="FFFFFF"/>
+                </a:solidFill>
+              </a14:hiddenFill>
+            </a:ext>
+          </a:extLst>
+        </p:spPr>
+      </p:pic>
     </p:spTree>
     <p:extLst>
       <p:ext uri="{BB962C8B-B14F-4D97-AF65-F5344CB8AC3E}">
@@ -4201,8 +4063,8 @@
           </a:p>
         </p:txBody>
       </p:sp>
-      <mc:AlternateContent xmlns:mc="http://schemas.openxmlformats.org/markup-compatibility/2006">
-        <mc:Choice xmlns:a14="http://schemas.microsoft.com/office/drawing/2010/main" Requires="a14">
+      <mc:AlternateContent xmlns:mc="http://schemas.openxmlformats.org/markup-compatibility/2006" xmlns:a14="http://schemas.microsoft.com/office/drawing/2010/main">
+        <mc:Choice Requires="a14">
           <p:sp>
             <p:nvSpPr>
               <p:cNvPr id="3" name="Content Placeholder 2">
@@ -4326,7 +4188,7 @@
             </p:txBody>
           </p:sp>
         </mc:Choice>
-        <mc:Fallback>
+        <mc:Fallback xmlns="">
           <p:sp>
             <p:nvSpPr>
               <p:cNvPr id="3" name="Content Placeholder 2">

--- a/CYFI445/lectures/03_linear_regressioin_autogradient/compute_autogradient.pptx
+++ b/CYFI445/lectures/03_linear_regressioin_autogradient/compute_autogradient.pptx
@@ -133,8 +133,8 @@
 <pc:chgInfo xmlns:a="http://schemas.openxmlformats.org/drawingml/2006/main" xmlns:r="http://schemas.openxmlformats.org/officeDocument/2006/relationships" xmlns:ac="http://schemas.microsoft.com/office/drawing/2013/main/command" xmlns:pc="http://schemas.microsoft.com/office/powerpoint/2013/main/command">
   <pc:docChgLst>
     <pc:chgData name="Weifeng Xu" userId="e7aed605-a3dd-4d5a-a692-a87037af107b" providerId="ADAL" clId="{F99F8FFF-BA20-43EA-924B-4DF5D2A785F3}"/>
-    <pc:docChg chg="modSld">
-      <pc:chgData name="Weifeng Xu" userId="e7aed605-a3dd-4d5a-a692-a87037af107b" providerId="ADAL" clId="{F99F8FFF-BA20-43EA-924B-4DF5D2A785F3}" dt="2025-09-14T19:13:13.786" v="0"/>
+    <pc:docChg chg="undo custSel modSld">
+      <pc:chgData name="Weifeng Xu" userId="e7aed605-a3dd-4d5a-a692-a87037af107b" providerId="ADAL" clId="{F99F8FFF-BA20-43EA-924B-4DF5D2A785F3}" dt="2025-09-16T01:40:34.539" v="29" actId="20577"/>
       <pc:docMkLst>
         <pc:docMk/>
       </pc:docMkLst>
@@ -152,6 +152,36 @@
             <ac:picMk id="4" creationId="{33B223AA-E69E-4025-B2A4-B10E7F584464}"/>
           </ac:picMkLst>
         </pc:picChg>
+      </pc:sldChg>
+      <pc:sldChg chg="modSp mod">
+        <pc:chgData name="Weifeng Xu" userId="e7aed605-a3dd-4d5a-a692-a87037af107b" providerId="ADAL" clId="{F99F8FFF-BA20-43EA-924B-4DF5D2A785F3}" dt="2025-09-16T01:33:15.444" v="1" actId="1076"/>
+        <pc:sldMkLst>
+          <pc:docMk/>
+          <pc:sldMk cId="3375603492" sldId="260"/>
+        </pc:sldMkLst>
+        <pc:spChg chg="mod">
+          <ac:chgData name="Weifeng Xu" userId="e7aed605-a3dd-4d5a-a692-a87037af107b" providerId="ADAL" clId="{F99F8FFF-BA20-43EA-924B-4DF5D2A785F3}" dt="2025-09-16T01:33:15.444" v="1" actId="1076"/>
+          <ac:spMkLst>
+            <pc:docMk/>
+            <pc:sldMk cId="3375603492" sldId="260"/>
+            <ac:spMk id="3" creationId="{05B68788-0EDA-2356-BC1F-D7983C72A09D}"/>
+          </ac:spMkLst>
+        </pc:spChg>
+      </pc:sldChg>
+      <pc:sldChg chg="modSp mod">
+        <pc:chgData name="Weifeng Xu" userId="e7aed605-a3dd-4d5a-a692-a87037af107b" providerId="ADAL" clId="{F99F8FFF-BA20-43EA-924B-4DF5D2A785F3}" dt="2025-09-16T01:40:34.539" v="29" actId="20577"/>
+        <pc:sldMkLst>
+          <pc:docMk/>
+          <pc:sldMk cId="1010189504" sldId="262"/>
+        </pc:sldMkLst>
+        <pc:spChg chg="mod">
+          <ac:chgData name="Weifeng Xu" userId="e7aed605-a3dd-4d5a-a692-a87037af107b" providerId="ADAL" clId="{F99F8FFF-BA20-43EA-924B-4DF5D2A785F3}" dt="2025-09-16T01:40:34.539" v="29" actId="20577"/>
+          <ac:spMkLst>
+            <pc:docMk/>
+            <pc:sldMk cId="1010189504" sldId="262"/>
+            <ac:spMk id="3" creationId="{D8178449-0DEC-1DF6-C094-4E1D9A556DB1}"/>
+          </ac:spMkLst>
+        </pc:spChg>
       </pc:sldChg>
     </pc:docChg>
   </pc:docChgLst>
@@ -753,7 +783,7 @@
           <a:p>
             <a:fld id="{2A59A54D-A59E-4D85-AEC9-D5AFF867AB55}" type="datetimeFigureOut">
               <a:rPr lang="en-US" smtClean="0"/>
-              <a:t>9/14/2025</a:t>
+              <a:t>9/15/2025</a:t>
             </a:fld>
             <a:endParaRPr lang="en-US"/>
           </a:p>
@@ -1149,7 +1179,7 @@
           <a:p>
             <a:fld id="{4263717A-E3C1-4BED-ABE0-B7069385E023}" type="datetimeFigureOut">
               <a:rPr lang="en-US" smtClean="0"/>
-              <a:t>9/14/2025</a:t>
+              <a:t>9/15/2025</a:t>
             </a:fld>
             <a:endParaRPr lang="en-US"/>
           </a:p>
@@ -1322,7 +1352,7 @@
           <a:p>
             <a:fld id="{4263717A-E3C1-4BED-ABE0-B7069385E023}" type="datetimeFigureOut">
               <a:rPr lang="en-US" smtClean="0"/>
-              <a:t>9/14/2025</a:t>
+              <a:t>9/15/2025</a:t>
             </a:fld>
             <a:endParaRPr lang="en-US"/>
           </a:p>
@@ -1500,7 +1530,7 @@
           <a:p>
             <a:fld id="{4263717A-E3C1-4BED-ABE0-B7069385E023}" type="datetimeFigureOut">
               <a:rPr lang="en-US" smtClean="0"/>
-              <a:t>9/14/2025</a:t>
+              <a:t>9/15/2025</a:t>
             </a:fld>
             <a:endParaRPr lang="en-US"/>
           </a:p>
@@ -1668,7 +1698,7 @@
           <a:p>
             <a:fld id="{4263717A-E3C1-4BED-ABE0-B7069385E023}" type="datetimeFigureOut">
               <a:rPr lang="en-US" smtClean="0"/>
-              <a:t>9/14/2025</a:t>
+              <a:t>9/15/2025</a:t>
             </a:fld>
             <a:endParaRPr lang="en-US"/>
           </a:p>
@@ -1913,7 +1943,7 @@
           <a:p>
             <a:fld id="{4263717A-E3C1-4BED-ABE0-B7069385E023}" type="datetimeFigureOut">
               <a:rPr lang="en-US" smtClean="0"/>
-              <a:t>9/14/2025</a:t>
+              <a:t>9/15/2025</a:t>
             </a:fld>
             <a:endParaRPr lang="en-US"/>
           </a:p>
@@ -2142,7 +2172,7 @@
           <a:p>
             <a:fld id="{4263717A-E3C1-4BED-ABE0-B7069385E023}" type="datetimeFigureOut">
               <a:rPr lang="en-US" smtClean="0"/>
-              <a:t>9/14/2025</a:t>
+              <a:t>9/15/2025</a:t>
             </a:fld>
             <a:endParaRPr lang="en-US"/>
           </a:p>
@@ -2506,7 +2536,7 @@
           <a:p>
             <a:fld id="{4263717A-E3C1-4BED-ABE0-B7069385E023}" type="datetimeFigureOut">
               <a:rPr lang="en-US" smtClean="0"/>
-              <a:t>9/14/2025</a:t>
+              <a:t>9/15/2025</a:t>
             </a:fld>
             <a:endParaRPr lang="en-US"/>
           </a:p>
@@ -2623,7 +2653,7 @@
           <a:p>
             <a:fld id="{4263717A-E3C1-4BED-ABE0-B7069385E023}" type="datetimeFigureOut">
               <a:rPr lang="en-US" smtClean="0"/>
-              <a:t>9/14/2025</a:t>
+              <a:t>9/15/2025</a:t>
             </a:fld>
             <a:endParaRPr lang="en-US"/>
           </a:p>
@@ -2718,7 +2748,7 @@
           <a:p>
             <a:fld id="{4263717A-E3C1-4BED-ABE0-B7069385E023}" type="datetimeFigureOut">
               <a:rPr lang="en-US" smtClean="0"/>
-              <a:t>9/14/2025</a:t>
+              <a:t>9/15/2025</a:t>
             </a:fld>
             <a:endParaRPr lang="en-US"/>
           </a:p>
@@ -2993,7 +3023,7 @@
           <a:p>
             <a:fld id="{4263717A-E3C1-4BED-ABE0-B7069385E023}" type="datetimeFigureOut">
               <a:rPr lang="en-US" smtClean="0"/>
-              <a:t>9/14/2025</a:t>
+              <a:t>9/15/2025</a:t>
             </a:fld>
             <a:endParaRPr lang="en-US"/>
           </a:p>
@@ -3245,7 +3275,7 @@
           <a:p>
             <a:fld id="{4263717A-E3C1-4BED-ABE0-B7069385E023}" type="datetimeFigureOut">
               <a:rPr lang="en-US" smtClean="0"/>
-              <a:t>9/14/2025</a:t>
+              <a:t>9/15/2025</a:t>
             </a:fld>
             <a:endParaRPr lang="en-US"/>
           </a:p>
@@ -3464,7 +3494,7 @@
           <a:p>
             <a:fld id="{4263717A-E3C1-4BED-ABE0-B7069385E023}" type="datetimeFigureOut">
               <a:rPr lang="en-US" smtClean="0"/>
-              <a:t>9/14/2025</a:t>
+              <a:t>9/15/2025</a:t>
             </a:fld>
             <a:endParaRPr lang="en-US"/>
           </a:p>
@@ -5003,7 +5033,7 @@
             </a:r>
             <a:r>
               <a:rPr lang="en-GB" dirty="0"/>
-              <a:t>Start with initial values for the parameters (e.g., random values for x and y).</a:t>
+              <a:t>Start with initial values for the parameters (e.g., random values for w0 and w1).</a:t>
             </a:r>
           </a:p>
           <a:p>
@@ -5047,7 +5077,15 @@
                   <a:schemeClr val="accent5"/>
                 </a:solidFill>
               </a:rPr>
-              <a:t>∂loss/∂x </a:t>
+              <a:t>∂loss/</a:t>
+            </a:r>
+            <a:r>
+              <a:rPr lang="en-GB">
+                <a:solidFill>
+                  <a:schemeClr val="accent5"/>
+                </a:solidFill>
+              </a:rPr>
+              <a:t>∂w0 </a:t>
             </a:r>
             <a:r>
               <a:rPr lang="en-GB" dirty="0"/>
@@ -5059,19 +5097,23 @@
                   <a:schemeClr val="accent5"/>
                 </a:solidFill>
               </a:rPr>
-              <a:t>∂loss/∂y</a:t>
-            </a:r>
-            <a:r>
-              <a:rPr lang="en-GB" dirty="0"/>
-              <a:t>, stored in </a:t>
-            </a:r>
-            <a:r>
-              <a:rPr lang="en-GB" dirty="0" err="1">
+              <a:t>∂loss</a:t>
+            </a:r>
+            <a:r>
+              <a:rPr lang="en-GB">
                 <a:solidFill>
-                  <a:schemeClr val="accent2"/>
+                  <a:schemeClr val="accent5"/>
                 </a:solidFill>
               </a:rPr>
-              <a:t>x.grad</a:t>
+              <a:t>/∂w1</a:t>
+            </a:r>
+            <a:r>
+              <a:rPr lang="en-GB"/>
+              <a:t>, </a:t>
+            </a:r>
+            <a:r>
+              <a:rPr lang="en-GB" dirty="0"/>
+              <a:t>stored in </a:t>
             </a:r>
             <a:r>
               <a:rPr lang="en-GB" dirty="0">
@@ -5079,19 +5121,11 @@
                   <a:schemeClr val="accent2"/>
                 </a:solidFill>
               </a:rPr>
-              <a:t> </a:t>
+              <a:t>w0.grad </a:t>
             </a:r>
             <a:r>
               <a:rPr lang="en-GB" dirty="0"/>
               <a:t>and </a:t>
-            </a:r>
-            <a:r>
-              <a:rPr lang="en-GB" dirty="0" err="1">
-                <a:solidFill>
-                  <a:schemeClr val="accent2"/>
-                </a:solidFill>
-              </a:rPr>
-              <a:t>y.grad</a:t>
             </a:r>
             <a:r>
               <a:rPr lang="en-GB" dirty="0">
@@ -5099,7 +5133,7 @@
                   <a:schemeClr val="accent2"/>
                 </a:solidFill>
               </a:rPr>
-              <a:t> </a:t>
+              <a:t>w1.grad </a:t>
             </a:r>
             <a:r>
               <a:rPr lang="en-GB" dirty="0"/>
@@ -5243,7 +5277,12 @@
             <p:ph idx="1"/>
           </p:nvPr>
         </p:nvSpPr>
-        <p:spPr/>
+        <p:spPr>
+          <a:xfrm>
+            <a:off x="838200" y="1803140"/>
+            <a:ext cx="10515600" cy="4351338"/>
+          </a:xfrm>
+        </p:spPr>
         <p:txBody>
           <a:bodyPr/>
           <a:lstStyle/>

--- a/CYFI445/lectures/03_linear_regressioin_autogradient/compute_autogradient.pptx
+++ b/CYFI445/lectures/03_linear_regressioin_autogradient/compute_autogradient.pptx
@@ -5,16 +5,22 @@
     <p:sldMasterId id="2147483648" r:id="rId1"/>
   </p:sldMasterIdLst>
   <p:notesMasterIdLst>
-    <p:notesMasterId r:id="rId9"/>
+    <p:notesMasterId r:id="rId15"/>
   </p:notesMasterIdLst>
   <p:sldIdLst>
     <p:sldId id="256" r:id="rId2"/>
-    <p:sldId id="257" r:id="rId3"/>
-    <p:sldId id="258" r:id="rId4"/>
-    <p:sldId id="259" r:id="rId5"/>
-    <p:sldId id="261" r:id="rId6"/>
-    <p:sldId id="262" r:id="rId7"/>
-    <p:sldId id="260" r:id="rId8"/>
+    <p:sldId id="263" r:id="rId3"/>
+    <p:sldId id="264" r:id="rId4"/>
+    <p:sldId id="265" r:id="rId5"/>
+    <p:sldId id="266" r:id="rId6"/>
+    <p:sldId id="267" r:id="rId7"/>
+    <p:sldId id="268" r:id="rId8"/>
+    <p:sldId id="257" r:id="rId9"/>
+    <p:sldId id="258" r:id="rId10"/>
+    <p:sldId id="259" r:id="rId11"/>
+    <p:sldId id="261" r:id="rId12"/>
+    <p:sldId id="262" r:id="rId13"/>
+    <p:sldId id="260" r:id="rId14"/>
   </p:sldIdLst>
   <p:sldSz cx="12192000" cy="6858000"/>
   <p:notesSz cx="6858000" cy="9144000"/>
@@ -124,7 +130,7 @@
 <file path=ppt/revisionInfo.xml><?xml version="1.0" encoding="utf-8"?>
 <p1510:revInfo xmlns:a="http://schemas.openxmlformats.org/drawingml/2006/main" xmlns:r="http://schemas.openxmlformats.org/officeDocument/2006/relationships" xmlns:p1510="http://schemas.microsoft.com/office/powerpoint/2015/10/main">
   <p1510:revLst>
-    <p1510:client id="{8E5A6AEC-921D-4BE6-8002-CC8D4F2830D2}" v="23" dt="2025-09-14T19:13:13.786"/>
+    <p1510:client id="{8E5A6AEC-921D-4BE6-8002-CC8D4F2830D2}" v="51" dt="2025-09-21T20:25:13.571"/>
   </p1510:revLst>
 </p1510:revInfo>
 </file>
@@ -133,8 +139,8 @@
 <pc:chgInfo xmlns:a="http://schemas.openxmlformats.org/drawingml/2006/main" xmlns:r="http://schemas.openxmlformats.org/officeDocument/2006/relationships" xmlns:ac="http://schemas.microsoft.com/office/drawing/2013/main/command" xmlns:pc="http://schemas.microsoft.com/office/powerpoint/2013/main/command">
   <pc:docChgLst>
     <pc:chgData name="Weifeng Xu" userId="e7aed605-a3dd-4d5a-a692-a87037af107b" providerId="ADAL" clId="{F99F8FFF-BA20-43EA-924B-4DF5D2A785F3}"/>
-    <pc:docChg chg="undo custSel modSld">
-      <pc:chgData name="Weifeng Xu" userId="e7aed605-a3dd-4d5a-a692-a87037af107b" providerId="ADAL" clId="{F99F8FFF-BA20-43EA-924B-4DF5D2A785F3}" dt="2025-09-16T01:40:34.539" v="29" actId="20577"/>
+    <pc:docChg chg="undo custSel addSld modSld sldOrd">
+      <pc:chgData name="Weifeng Xu" userId="e7aed605-a3dd-4d5a-a692-a87037af107b" providerId="ADAL" clId="{F99F8FFF-BA20-43EA-924B-4DF5D2A785F3}" dt="2025-09-21T20:26:18.155" v="1245" actId="20577"/>
       <pc:docMkLst>
         <pc:docMk/>
       </pc:docMkLst>
@@ -182,6 +188,392 @@
             <ac:spMk id="3" creationId="{D8178449-0DEC-1DF6-C094-4E1D9A556DB1}"/>
           </ac:spMkLst>
         </pc:spChg>
+      </pc:sldChg>
+      <pc:sldChg chg="addSp delSp modSp new mod ord modClrScheme chgLayout">
+        <pc:chgData name="Weifeng Xu" userId="e7aed605-a3dd-4d5a-a692-a87037af107b" providerId="ADAL" clId="{F99F8FFF-BA20-43EA-924B-4DF5D2A785F3}" dt="2025-09-21T19:33:24.938" v="323" actId="20577"/>
+        <pc:sldMkLst>
+          <pc:docMk/>
+          <pc:sldMk cId="4216162331" sldId="263"/>
+        </pc:sldMkLst>
+        <pc:spChg chg="del mod ord">
+          <ac:chgData name="Weifeng Xu" userId="e7aed605-a3dd-4d5a-a692-a87037af107b" providerId="ADAL" clId="{F99F8FFF-BA20-43EA-924B-4DF5D2A785F3}" dt="2025-09-21T19:14:12.383" v="33" actId="700"/>
+          <ac:spMkLst>
+            <pc:docMk/>
+            <pc:sldMk cId="4216162331" sldId="263"/>
+            <ac:spMk id="2" creationId="{EB777E01-538A-650C-E359-75F770392F73}"/>
+          </ac:spMkLst>
+        </pc:spChg>
+        <pc:spChg chg="del">
+          <ac:chgData name="Weifeng Xu" userId="e7aed605-a3dd-4d5a-a692-a87037af107b" providerId="ADAL" clId="{F99F8FFF-BA20-43EA-924B-4DF5D2A785F3}" dt="2025-09-21T19:14:12.383" v="33" actId="700"/>
+          <ac:spMkLst>
+            <pc:docMk/>
+            <pc:sldMk cId="4216162331" sldId="263"/>
+            <ac:spMk id="3" creationId="{80DA6674-A830-9D77-6A78-BD683695E6DC}"/>
+          </ac:spMkLst>
+        </pc:spChg>
+        <pc:spChg chg="add mod ord">
+          <ac:chgData name="Weifeng Xu" userId="e7aed605-a3dd-4d5a-a692-a87037af107b" providerId="ADAL" clId="{F99F8FFF-BA20-43EA-924B-4DF5D2A785F3}" dt="2025-09-21T19:33:24.938" v="323" actId="20577"/>
+          <ac:spMkLst>
+            <pc:docMk/>
+            <pc:sldMk cId="4216162331" sldId="263"/>
+            <ac:spMk id="4" creationId="{CBEC9C1F-C842-4608-D699-0A09C6E024B2}"/>
+          </ac:spMkLst>
+        </pc:spChg>
+        <pc:spChg chg="add mod">
+          <ac:chgData name="Weifeng Xu" userId="e7aed605-a3dd-4d5a-a692-a87037af107b" providerId="ADAL" clId="{F99F8FFF-BA20-43EA-924B-4DF5D2A785F3}" dt="2025-09-21T19:26:40.511" v="203" actId="1076"/>
+          <ac:spMkLst>
+            <pc:docMk/>
+            <pc:sldMk cId="4216162331" sldId="263"/>
+            <ac:spMk id="5" creationId="{97F3CA32-6E2D-23E5-C6BF-A03A3A58D94D}"/>
+          </ac:spMkLst>
+        </pc:spChg>
+        <pc:spChg chg="add mod">
+          <ac:chgData name="Weifeng Xu" userId="e7aed605-a3dd-4d5a-a692-a87037af107b" providerId="ADAL" clId="{F99F8FFF-BA20-43EA-924B-4DF5D2A785F3}" dt="2025-09-21T19:26:40.511" v="203" actId="1076"/>
+          <ac:spMkLst>
+            <pc:docMk/>
+            <pc:sldMk cId="4216162331" sldId="263"/>
+            <ac:spMk id="11" creationId="{C2460D17-57FB-4044-1DFB-F28DA32C9057}"/>
+          </ac:spMkLst>
+        </pc:spChg>
+        <pc:spChg chg="add mod">
+          <ac:chgData name="Weifeng Xu" userId="e7aed605-a3dd-4d5a-a692-a87037af107b" providerId="ADAL" clId="{F99F8FFF-BA20-43EA-924B-4DF5D2A785F3}" dt="2025-09-21T19:26:40.511" v="203" actId="1076"/>
+          <ac:spMkLst>
+            <pc:docMk/>
+            <pc:sldMk cId="4216162331" sldId="263"/>
+            <ac:spMk id="13" creationId="{14189C48-FB80-B08F-4371-45277C540040}"/>
+          </ac:spMkLst>
+        </pc:spChg>
+        <pc:spChg chg="add del mod ord">
+          <ac:chgData name="Weifeng Xu" userId="e7aed605-a3dd-4d5a-a692-a87037af107b" providerId="ADAL" clId="{F99F8FFF-BA20-43EA-924B-4DF5D2A785F3}" dt="2025-09-21T19:26:32.541" v="202" actId="700"/>
+          <ac:spMkLst>
+            <pc:docMk/>
+            <pc:sldMk cId="4216162331" sldId="263"/>
+            <ac:spMk id="14" creationId="{C349DABB-90FE-781D-DF6A-DD139FD163DD}"/>
+          </ac:spMkLst>
+        </pc:spChg>
+        <pc:graphicFrameChg chg="add mod modGraphic">
+          <ac:chgData name="Weifeng Xu" userId="e7aed605-a3dd-4d5a-a692-a87037af107b" providerId="ADAL" clId="{F99F8FFF-BA20-43EA-924B-4DF5D2A785F3}" dt="2025-09-21T19:26:40.511" v="203" actId="1076"/>
+          <ac:graphicFrameMkLst>
+            <pc:docMk/>
+            <pc:sldMk cId="4216162331" sldId="263"/>
+            <ac:graphicFrameMk id="9" creationId="{A942EFDC-0F13-CFA5-6551-0C93E8391E99}"/>
+          </ac:graphicFrameMkLst>
+        </pc:graphicFrameChg>
+        <pc:cxnChg chg="add mod">
+          <ac:chgData name="Weifeng Xu" userId="e7aed605-a3dd-4d5a-a692-a87037af107b" providerId="ADAL" clId="{F99F8FFF-BA20-43EA-924B-4DF5D2A785F3}" dt="2025-09-21T19:26:40.511" v="203" actId="1076"/>
+          <ac:cxnSpMkLst>
+            <pc:docMk/>
+            <pc:sldMk cId="4216162331" sldId="263"/>
+            <ac:cxnSpMk id="7" creationId="{56C58B2B-6C15-C9D4-6154-7AE5224BBA21}"/>
+          </ac:cxnSpMkLst>
+        </pc:cxnChg>
+        <pc:cxnChg chg="add mod">
+          <ac:chgData name="Weifeng Xu" userId="e7aed605-a3dd-4d5a-a692-a87037af107b" providerId="ADAL" clId="{F99F8FFF-BA20-43EA-924B-4DF5D2A785F3}" dt="2025-09-21T19:26:40.511" v="203" actId="1076"/>
+          <ac:cxnSpMkLst>
+            <pc:docMk/>
+            <pc:sldMk cId="4216162331" sldId="263"/>
+            <ac:cxnSpMk id="8" creationId="{D54271A7-C383-63FE-D7D0-1D58BB7C766C}"/>
+          </ac:cxnSpMkLst>
+        </pc:cxnChg>
+      </pc:sldChg>
+      <pc:sldChg chg="addSp modSp add mod modClrScheme chgLayout">
+        <pc:chgData name="Weifeng Xu" userId="e7aed605-a3dd-4d5a-a692-a87037af107b" providerId="ADAL" clId="{F99F8FFF-BA20-43EA-924B-4DF5D2A785F3}" dt="2025-09-21T19:34:07.735" v="375" actId="207"/>
+        <pc:sldMkLst>
+          <pc:docMk/>
+          <pc:sldMk cId="3688860533" sldId="264"/>
+        </pc:sldMkLst>
+        <pc:spChg chg="add mod ord">
+          <ac:chgData name="Weifeng Xu" userId="e7aed605-a3dd-4d5a-a692-a87037af107b" providerId="ADAL" clId="{F99F8FFF-BA20-43EA-924B-4DF5D2A785F3}" dt="2025-09-21T19:34:07.735" v="375" actId="207"/>
+          <ac:spMkLst>
+            <pc:docMk/>
+            <pc:sldMk cId="3688860533" sldId="264"/>
+            <ac:spMk id="2" creationId="{23042EB2-B047-2077-FB59-A2F4EC2A0C9B}"/>
+          </ac:spMkLst>
+        </pc:spChg>
+        <pc:spChg chg="mod ord">
+          <ac:chgData name="Weifeng Xu" userId="e7aed605-a3dd-4d5a-a692-a87037af107b" providerId="ADAL" clId="{F99F8FFF-BA20-43EA-924B-4DF5D2A785F3}" dt="2025-09-21T19:33:37.496" v="337" actId="20577"/>
+          <ac:spMkLst>
+            <pc:docMk/>
+            <pc:sldMk cId="3688860533" sldId="264"/>
+            <ac:spMk id="4" creationId="{95275FE1-F572-09F4-AA14-899BFCB79A16}"/>
+          </ac:spMkLst>
+        </pc:spChg>
+      </pc:sldChg>
+      <pc:sldChg chg="addSp delSp modSp add mod">
+        <pc:chgData name="Weifeng Xu" userId="e7aed605-a3dd-4d5a-a692-a87037af107b" providerId="ADAL" clId="{F99F8FFF-BA20-43EA-924B-4DF5D2A785F3}" dt="2025-09-21T20:25:49.923" v="1219" actId="20577"/>
+        <pc:sldMkLst>
+          <pc:docMk/>
+          <pc:sldMk cId="690970081" sldId="265"/>
+        </pc:sldMkLst>
+        <pc:spChg chg="mod">
+          <ac:chgData name="Weifeng Xu" userId="e7aed605-a3dd-4d5a-a692-a87037af107b" providerId="ADAL" clId="{F99F8FFF-BA20-43EA-924B-4DF5D2A785F3}" dt="2025-09-21T20:25:49.923" v="1219" actId="20577"/>
+          <ac:spMkLst>
+            <pc:docMk/>
+            <pc:sldMk cId="690970081" sldId="265"/>
+            <ac:spMk id="2" creationId="{58581CC8-A0D2-5B72-EF05-CCD15B6AE94E}"/>
+          </ac:spMkLst>
+        </pc:spChg>
+        <pc:spChg chg="add mod">
+          <ac:chgData name="Weifeng Xu" userId="e7aed605-a3dd-4d5a-a692-a87037af107b" providerId="ADAL" clId="{F99F8FFF-BA20-43EA-924B-4DF5D2A785F3}" dt="2025-09-21T19:38:06.420" v="416" actId="1076"/>
+          <ac:spMkLst>
+            <pc:docMk/>
+            <pc:sldMk cId="690970081" sldId="265"/>
+            <ac:spMk id="3" creationId="{F06451B2-7720-4CCD-0B3C-237FACD2219C}"/>
+          </ac:spMkLst>
+        </pc:spChg>
+        <pc:spChg chg="mod">
+          <ac:chgData name="Weifeng Xu" userId="e7aed605-a3dd-4d5a-a692-a87037af107b" providerId="ADAL" clId="{F99F8FFF-BA20-43EA-924B-4DF5D2A785F3}" dt="2025-09-21T19:36:08.249" v="391" actId="6549"/>
+          <ac:spMkLst>
+            <pc:docMk/>
+            <pc:sldMk cId="690970081" sldId="265"/>
+            <ac:spMk id="4" creationId="{B21138C5-EC30-3023-1EFC-68785E6E66ED}"/>
+          </ac:spMkLst>
+        </pc:spChg>
+        <pc:spChg chg="mod">
+          <ac:chgData name="Weifeng Xu" userId="e7aed605-a3dd-4d5a-a692-a87037af107b" providerId="ADAL" clId="{F99F8FFF-BA20-43EA-924B-4DF5D2A785F3}" dt="2025-09-21T19:36:52.374" v="393" actId="1076"/>
+          <ac:spMkLst>
+            <pc:docMk/>
+            <pc:sldMk cId="690970081" sldId="265"/>
+            <ac:spMk id="5" creationId="{3FA358C0-3F31-01AD-A087-B76884A4D788}"/>
+          </ac:spMkLst>
+        </pc:spChg>
+        <pc:spChg chg="add del mod">
+          <ac:chgData name="Weifeng Xu" userId="e7aed605-a3dd-4d5a-a692-a87037af107b" providerId="ADAL" clId="{F99F8FFF-BA20-43EA-924B-4DF5D2A785F3}" dt="2025-09-21T19:52:53.174" v="802" actId="478"/>
+          <ac:spMkLst>
+            <pc:docMk/>
+            <pc:sldMk cId="690970081" sldId="265"/>
+            <ac:spMk id="6" creationId="{8B53661A-225F-4813-7EAD-514C70C0BF33}"/>
+          </ac:spMkLst>
+        </pc:spChg>
+        <pc:spChg chg="add mod">
+          <ac:chgData name="Weifeng Xu" userId="e7aed605-a3dd-4d5a-a692-a87037af107b" providerId="ADAL" clId="{F99F8FFF-BA20-43EA-924B-4DF5D2A785F3}" dt="2025-09-21T19:52:50.946" v="801" actId="1076"/>
+          <ac:spMkLst>
+            <pc:docMk/>
+            <pc:sldMk cId="690970081" sldId="265"/>
+            <ac:spMk id="10" creationId="{94F2F6BD-AF25-092B-ED0A-0DE6BABDFF63}"/>
+          </ac:spMkLst>
+        </pc:spChg>
+        <pc:spChg chg="mod">
+          <ac:chgData name="Weifeng Xu" userId="e7aed605-a3dd-4d5a-a692-a87037af107b" providerId="ADAL" clId="{F99F8FFF-BA20-43EA-924B-4DF5D2A785F3}" dt="2025-09-21T19:39:55.438" v="463" actId="20577"/>
+          <ac:spMkLst>
+            <pc:docMk/>
+            <pc:sldMk cId="690970081" sldId="265"/>
+            <ac:spMk id="11" creationId="{FCC9E77A-AA72-783E-F4D3-A062AD4663F8}"/>
+          </ac:spMkLst>
+        </pc:spChg>
+        <pc:spChg chg="mod">
+          <ac:chgData name="Weifeng Xu" userId="e7aed605-a3dd-4d5a-a692-a87037af107b" providerId="ADAL" clId="{F99F8FFF-BA20-43EA-924B-4DF5D2A785F3}" dt="2025-09-21T19:40:00.179" v="465" actId="20577"/>
+          <ac:spMkLst>
+            <pc:docMk/>
+            <pc:sldMk cId="690970081" sldId="265"/>
+            <ac:spMk id="13" creationId="{24D0593C-BAE0-259B-082B-B11A10F525F0}"/>
+          </ac:spMkLst>
+        </pc:spChg>
+        <pc:graphicFrameChg chg="del">
+          <ac:chgData name="Weifeng Xu" userId="e7aed605-a3dd-4d5a-a692-a87037af107b" providerId="ADAL" clId="{F99F8FFF-BA20-43EA-924B-4DF5D2A785F3}" dt="2025-09-21T19:36:41.512" v="392" actId="478"/>
+          <ac:graphicFrameMkLst>
+            <pc:docMk/>
+            <pc:sldMk cId="690970081" sldId="265"/>
+            <ac:graphicFrameMk id="9" creationId="{A05FFF10-8F6B-6C87-0453-BE87F10DADE1}"/>
+          </ac:graphicFrameMkLst>
+        </pc:graphicFrameChg>
+        <pc:picChg chg="add mod">
+          <ac:chgData name="Weifeng Xu" userId="e7aed605-a3dd-4d5a-a692-a87037af107b" providerId="ADAL" clId="{F99F8FFF-BA20-43EA-924B-4DF5D2A785F3}" dt="2025-09-21T19:57:17.533" v="877" actId="14100"/>
+          <ac:picMkLst>
+            <pc:docMk/>
+            <pc:sldMk cId="690970081" sldId="265"/>
+            <ac:picMk id="12" creationId="{C70514C1-0126-152A-9340-815EB564E223}"/>
+          </ac:picMkLst>
+        </pc:picChg>
+        <pc:cxnChg chg="mod">
+          <ac:chgData name="Weifeng Xu" userId="e7aed605-a3dd-4d5a-a692-a87037af107b" providerId="ADAL" clId="{F99F8FFF-BA20-43EA-924B-4DF5D2A785F3}" dt="2025-09-21T19:36:52.374" v="393" actId="1076"/>
+          <ac:cxnSpMkLst>
+            <pc:docMk/>
+            <pc:sldMk cId="690970081" sldId="265"/>
+            <ac:cxnSpMk id="7" creationId="{F0464FBE-93F7-0034-2FBC-E6ABFA2B83B8}"/>
+          </ac:cxnSpMkLst>
+        </pc:cxnChg>
+        <pc:cxnChg chg="mod">
+          <ac:chgData name="Weifeng Xu" userId="e7aed605-a3dd-4d5a-a692-a87037af107b" providerId="ADAL" clId="{F99F8FFF-BA20-43EA-924B-4DF5D2A785F3}" dt="2025-09-21T19:36:52.374" v="393" actId="1076"/>
+          <ac:cxnSpMkLst>
+            <pc:docMk/>
+            <pc:sldMk cId="690970081" sldId="265"/>
+            <ac:cxnSpMk id="8" creationId="{1A749FF8-321C-0D81-D44B-D80B023A7D1B}"/>
+          </ac:cxnSpMkLst>
+        </pc:cxnChg>
+        <pc:cxnChg chg="add mod">
+          <ac:chgData name="Weifeng Xu" userId="e7aed605-a3dd-4d5a-a692-a87037af107b" providerId="ADAL" clId="{F99F8FFF-BA20-43EA-924B-4DF5D2A785F3}" dt="2025-09-21T19:58:34.374" v="882" actId="14100"/>
+          <ac:cxnSpMkLst>
+            <pc:docMk/>
+            <pc:sldMk cId="690970081" sldId="265"/>
+            <ac:cxnSpMk id="15" creationId="{3A6151DA-2473-ABC5-BE87-DE8991830A14}"/>
+          </ac:cxnSpMkLst>
+        </pc:cxnChg>
+      </pc:sldChg>
+      <pc:sldChg chg="modSp add mod">
+        <pc:chgData name="Weifeng Xu" userId="e7aed605-a3dd-4d5a-a692-a87037af107b" providerId="ADAL" clId="{F99F8FFF-BA20-43EA-924B-4DF5D2A785F3}" dt="2025-09-21T20:26:18.155" v="1245" actId="20577"/>
+        <pc:sldMkLst>
+          <pc:docMk/>
+          <pc:sldMk cId="4066710227" sldId="266"/>
+        </pc:sldMkLst>
+        <pc:spChg chg="mod">
+          <ac:chgData name="Weifeng Xu" userId="e7aed605-a3dd-4d5a-a692-a87037af107b" providerId="ADAL" clId="{F99F8FFF-BA20-43EA-924B-4DF5D2A785F3}" dt="2025-09-21T20:26:18.155" v="1245" actId="20577"/>
+          <ac:spMkLst>
+            <pc:docMk/>
+            <pc:sldMk cId="4066710227" sldId="266"/>
+            <ac:spMk id="2" creationId="{805D6BD6-0EF2-112C-747A-CB505F7B1AE9}"/>
+          </ac:spMkLst>
+        </pc:spChg>
+        <pc:spChg chg="mod">
+          <ac:chgData name="Weifeng Xu" userId="e7aed605-a3dd-4d5a-a692-a87037af107b" providerId="ADAL" clId="{F99F8FFF-BA20-43EA-924B-4DF5D2A785F3}" dt="2025-09-21T20:00:40.709" v="884" actId="20577"/>
+          <ac:spMkLst>
+            <pc:docMk/>
+            <pc:sldMk cId="4066710227" sldId="266"/>
+            <ac:spMk id="4" creationId="{D230779C-C8FA-19B1-C6E7-1AEA5134284E}"/>
+          </ac:spMkLst>
+        </pc:spChg>
+      </pc:sldChg>
+      <pc:sldChg chg="addSp delSp modSp new mod modClrScheme chgLayout">
+        <pc:chgData name="Weifeng Xu" userId="e7aed605-a3dd-4d5a-a692-a87037af107b" providerId="ADAL" clId="{F99F8FFF-BA20-43EA-924B-4DF5D2A785F3}" dt="2025-09-21T20:05:20.352" v="903" actId="14100"/>
+        <pc:sldMkLst>
+          <pc:docMk/>
+          <pc:sldMk cId="2841036666" sldId="267"/>
+        </pc:sldMkLst>
+        <pc:spChg chg="del">
+          <ac:chgData name="Weifeng Xu" userId="e7aed605-a3dd-4d5a-a692-a87037af107b" providerId="ADAL" clId="{F99F8FFF-BA20-43EA-924B-4DF5D2A785F3}" dt="2025-09-21T20:05:05.376" v="900" actId="700"/>
+          <ac:spMkLst>
+            <pc:docMk/>
+            <pc:sldMk cId="2841036666" sldId="267"/>
+            <ac:spMk id="2" creationId="{FBFDA33B-95E7-1076-34FF-0621636C1625}"/>
+          </ac:spMkLst>
+        </pc:spChg>
+        <pc:spChg chg="del">
+          <ac:chgData name="Weifeng Xu" userId="e7aed605-a3dd-4d5a-a692-a87037af107b" providerId="ADAL" clId="{F99F8FFF-BA20-43EA-924B-4DF5D2A785F3}" dt="2025-09-21T20:05:05.376" v="900" actId="700"/>
+          <ac:spMkLst>
+            <pc:docMk/>
+            <pc:sldMk cId="2841036666" sldId="267"/>
+            <ac:spMk id="3" creationId="{7F1CDD1A-DCBE-E55B-DB35-25707C953679}"/>
+          </ac:spMkLst>
+        </pc:spChg>
+        <pc:picChg chg="add mod">
+          <ac:chgData name="Weifeng Xu" userId="e7aed605-a3dd-4d5a-a692-a87037af107b" providerId="ADAL" clId="{F99F8FFF-BA20-43EA-924B-4DF5D2A785F3}" dt="2025-09-21T20:05:20.352" v="903" actId="14100"/>
+          <ac:picMkLst>
+            <pc:docMk/>
+            <pc:sldMk cId="2841036666" sldId="267"/>
+            <ac:picMk id="4" creationId="{6D0F4DB3-BB8C-374B-FF0D-4D12FF0E81A3}"/>
+          </ac:picMkLst>
+        </pc:picChg>
+      </pc:sldChg>
+      <pc:sldChg chg="addSp delSp modSp new mod modClrScheme chgLayout">
+        <pc:chgData name="Weifeng Xu" userId="e7aed605-a3dd-4d5a-a692-a87037af107b" providerId="ADAL" clId="{F99F8FFF-BA20-43EA-924B-4DF5D2A785F3}" dt="2025-09-21T20:21:52.134" v="1186" actId="20577"/>
+        <pc:sldMkLst>
+          <pc:docMk/>
+          <pc:sldMk cId="3085520332" sldId="268"/>
+        </pc:sldMkLst>
+        <pc:spChg chg="add mod">
+          <ac:chgData name="Weifeng Xu" userId="e7aed605-a3dd-4d5a-a692-a87037af107b" providerId="ADAL" clId="{F99F8FFF-BA20-43EA-924B-4DF5D2A785F3}" dt="2025-09-21T20:09:22.214" v="985" actId="20577"/>
+          <ac:spMkLst>
+            <pc:docMk/>
+            <pc:sldMk cId="3085520332" sldId="268"/>
+            <ac:spMk id="2" creationId="{91B5FA40-16D7-4BAB-FAF9-21490AD6D450}"/>
+          </ac:spMkLst>
+        </pc:spChg>
+        <pc:spChg chg="add mod">
+          <ac:chgData name="Weifeng Xu" userId="e7aed605-a3dd-4d5a-a692-a87037af107b" providerId="ADAL" clId="{F99F8FFF-BA20-43EA-924B-4DF5D2A785F3}" dt="2025-09-21T20:18:32.144" v="1154" actId="1076"/>
+          <ac:spMkLst>
+            <pc:docMk/>
+            <pc:sldMk cId="3085520332" sldId="268"/>
+            <ac:spMk id="3" creationId="{411C4FEC-5744-4C2D-A5E9-98F4E977F625}"/>
+          </ac:spMkLst>
+        </pc:spChg>
+        <pc:spChg chg="add mod">
+          <ac:chgData name="Weifeng Xu" userId="e7aed605-a3dd-4d5a-a692-a87037af107b" providerId="ADAL" clId="{F99F8FFF-BA20-43EA-924B-4DF5D2A785F3}" dt="2025-09-21T20:18:32.144" v="1154" actId="1076"/>
+          <ac:spMkLst>
+            <pc:docMk/>
+            <pc:sldMk cId="3085520332" sldId="268"/>
+            <ac:spMk id="7" creationId="{D1DD2DC7-A255-399D-8819-A64FF5AA5396}"/>
+          </ac:spMkLst>
+        </pc:spChg>
+        <pc:spChg chg="add mod">
+          <ac:chgData name="Weifeng Xu" userId="e7aed605-a3dd-4d5a-a692-a87037af107b" providerId="ADAL" clId="{F99F8FFF-BA20-43EA-924B-4DF5D2A785F3}" dt="2025-09-21T20:18:32.144" v="1154" actId="1076"/>
+          <ac:spMkLst>
+            <pc:docMk/>
+            <pc:sldMk cId="3085520332" sldId="268"/>
+            <ac:spMk id="8" creationId="{37485775-ED5E-30FB-515A-8EF82C19C14C}"/>
+          </ac:spMkLst>
+        </pc:spChg>
+        <pc:spChg chg="add mod">
+          <ac:chgData name="Weifeng Xu" userId="e7aed605-a3dd-4d5a-a692-a87037af107b" providerId="ADAL" clId="{F99F8FFF-BA20-43EA-924B-4DF5D2A785F3}" dt="2025-09-21T20:18:32.144" v="1154" actId="1076"/>
+          <ac:spMkLst>
+            <pc:docMk/>
+            <pc:sldMk cId="3085520332" sldId="268"/>
+            <ac:spMk id="10" creationId="{1704557E-EA88-E854-DBB3-2CB5F5222409}"/>
+          </ac:spMkLst>
+        </pc:spChg>
+        <pc:spChg chg="add mod">
+          <ac:chgData name="Weifeng Xu" userId="e7aed605-a3dd-4d5a-a692-a87037af107b" providerId="ADAL" clId="{F99F8FFF-BA20-43EA-924B-4DF5D2A785F3}" dt="2025-09-21T20:14:08.871" v="1075"/>
+          <ac:spMkLst>
+            <pc:docMk/>
+            <pc:sldMk cId="3085520332" sldId="268"/>
+            <ac:spMk id="11" creationId="{FFAFB2E7-AABC-C9EF-C769-DA0EC5C24809}"/>
+          </ac:spMkLst>
+        </pc:spChg>
+        <pc:spChg chg="add mod">
+          <ac:chgData name="Weifeng Xu" userId="e7aed605-a3dd-4d5a-a692-a87037af107b" providerId="ADAL" clId="{F99F8FFF-BA20-43EA-924B-4DF5D2A785F3}" dt="2025-09-21T20:21:52.134" v="1186" actId="20577"/>
+          <ac:spMkLst>
+            <pc:docMk/>
+            <pc:sldMk cId="3085520332" sldId="268"/>
+            <ac:spMk id="12" creationId="{CBCE4A05-7DCA-35DF-CB8B-B95CE02FCDFA}"/>
+          </ac:spMkLst>
+        </pc:spChg>
+        <pc:graphicFrameChg chg="add mod modGraphic">
+          <ac:chgData name="Weifeng Xu" userId="e7aed605-a3dd-4d5a-a692-a87037af107b" providerId="ADAL" clId="{F99F8FFF-BA20-43EA-924B-4DF5D2A785F3}" dt="2025-09-21T20:19:50.437" v="1176" actId="20577"/>
+          <ac:graphicFrameMkLst>
+            <pc:docMk/>
+            <pc:sldMk cId="3085520332" sldId="268"/>
+            <ac:graphicFrameMk id="6" creationId="{48FE0B6F-6DAF-2978-3D5E-93A8215388C9}"/>
+          </ac:graphicFrameMkLst>
+        </pc:graphicFrameChg>
+        <pc:picChg chg="add del mod">
+          <ac:chgData name="Weifeng Xu" userId="e7aed605-a3dd-4d5a-a692-a87037af107b" providerId="ADAL" clId="{F99F8FFF-BA20-43EA-924B-4DF5D2A785F3}" dt="2025-09-21T20:18:40.291" v="1156" actId="478"/>
+          <ac:picMkLst>
+            <pc:docMk/>
+            <pc:sldMk cId="3085520332" sldId="268"/>
+            <ac:picMk id="13" creationId="{F6228C9D-6238-D86E-E6C0-3F27AD5522AF}"/>
+          </ac:picMkLst>
+        </pc:picChg>
+        <pc:picChg chg="add mod">
+          <ac:chgData name="Weifeng Xu" userId="e7aed605-a3dd-4d5a-a692-a87037af107b" providerId="ADAL" clId="{F99F8FFF-BA20-43EA-924B-4DF5D2A785F3}" dt="2025-09-21T20:19:06.944" v="1159" actId="1076"/>
+          <ac:picMkLst>
+            <pc:docMk/>
+            <pc:sldMk cId="3085520332" sldId="268"/>
+            <ac:picMk id="15" creationId="{852E2A09-4F04-30C7-942E-2E52F597E8FA}"/>
+          </ac:picMkLst>
+        </pc:picChg>
+        <pc:cxnChg chg="add mod">
+          <ac:chgData name="Weifeng Xu" userId="e7aed605-a3dd-4d5a-a692-a87037af107b" providerId="ADAL" clId="{F99F8FFF-BA20-43EA-924B-4DF5D2A785F3}" dt="2025-09-21T20:18:32.144" v="1154" actId="1076"/>
+          <ac:cxnSpMkLst>
+            <pc:docMk/>
+            <pc:sldMk cId="3085520332" sldId="268"/>
+            <ac:cxnSpMk id="4" creationId="{8C34FAD0-BF78-D9EE-E840-ADE5B6DD5CA4}"/>
+          </ac:cxnSpMkLst>
+        </pc:cxnChg>
+        <pc:cxnChg chg="add mod">
+          <ac:chgData name="Weifeng Xu" userId="e7aed605-a3dd-4d5a-a692-a87037af107b" providerId="ADAL" clId="{F99F8FFF-BA20-43EA-924B-4DF5D2A785F3}" dt="2025-09-21T20:18:32.144" v="1154" actId="1076"/>
+          <ac:cxnSpMkLst>
+            <pc:docMk/>
+            <pc:sldMk cId="3085520332" sldId="268"/>
+            <ac:cxnSpMk id="5" creationId="{0149CFFE-DD3A-74EA-CEC1-CA7C54AF0ACC}"/>
+          </ac:cxnSpMkLst>
+        </pc:cxnChg>
+        <pc:cxnChg chg="add mod">
+          <ac:chgData name="Weifeng Xu" userId="e7aed605-a3dd-4d5a-a692-a87037af107b" providerId="ADAL" clId="{F99F8FFF-BA20-43EA-924B-4DF5D2A785F3}" dt="2025-09-21T20:18:32.144" v="1154" actId="1076"/>
+          <ac:cxnSpMkLst>
+            <pc:docMk/>
+            <pc:sldMk cId="3085520332" sldId="268"/>
+            <ac:cxnSpMk id="9" creationId="{BBB1FA5D-3C59-EA6B-E543-BBD2C6AD6EEA}"/>
+          </ac:cxnSpMkLst>
+        </pc:cxnChg>
       </pc:sldChg>
     </pc:docChg>
   </pc:docChgLst>
@@ -783,7 +1175,7 @@
           <a:p>
             <a:fld id="{2A59A54D-A59E-4D85-AEC9-D5AFF867AB55}" type="datetimeFigureOut">
               <a:rPr lang="en-US" smtClean="0"/>
-              <a:t>9/15/2025</a:t>
+              <a:t>9/21/2025</a:t>
             </a:fld>
             <a:endParaRPr lang="en-US"/>
           </a:p>
@@ -1179,7 +1571,7 @@
           <a:p>
             <a:fld id="{4263717A-E3C1-4BED-ABE0-B7069385E023}" type="datetimeFigureOut">
               <a:rPr lang="en-US" smtClean="0"/>
-              <a:t>9/15/2025</a:t>
+              <a:t>9/21/2025</a:t>
             </a:fld>
             <a:endParaRPr lang="en-US"/>
           </a:p>
@@ -1352,7 +1744,7 @@
           <a:p>
             <a:fld id="{4263717A-E3C1-4BED-ABE0-B7069385E023}" type="datetimeFigureOut">
               <a:rPr lang="en-US" smtClean="0"/>
-              <a:t>9/15/2025</a:t>
+              <a:t>9/21/2025</a:t>
             </a:fld>
             <a:endParaRPr lang="en-US"/>
           </a:p>
@@ -1530,7 +1922,7 @@
           <a:p>
             <a:fld id="{4263717A-E3C1-4BED-ABE0-B7069385E023}" type="datetimeFigureOut">
               <a:rPr lang="en-US" smtClean="0"/>
-              <a:t>9/15/2025</a:t>
+              <a:t>9/21/2025</a:t>
             </a:fld>
             <a:endParaRPr lang="en-US"/>
           </a:p>
@@ -1698,7 +2090,7 @@
           <a:p>
             <a:fld id="{4263717A-E3C1-4BED-ABE0-B7069385E023}" type="datetimeFigureOut">
               <a:rPr lang="en-US" smtClean="0"/>
-              <a:t>9/15/2025</a:t>
+              <a:t>9/21/2025</a:t>
             </a:fld>
             <a:endParaRPr lang="en-US"/>
           </a:p>
@@ -1943,7 +2335,7 @@
           <a:p>
             <a:fld id="{4263717A-E3C1-4BED-ABE0-B7069385E023}" type="datetimeFigureOut">
               <a:rPr lang="en-US" smtClean="0"/>
-              <a:t>9/15/2025</a:t>
+              <a:t>9/21/2025</a:t>
             </a:fld>
             <a:endParaRPr lang="en-US"/>
           </a:p>
@@ -2172,7 +2564,7 @@
           <a:p>
             <a:fld id="{4263717A-E3C1-4BED-ABE0-B7069385E023}" type="datetimeFigureOut">
               <a:rPr lang="en-US" smtClean="0"/>
-              <a:t>9/15/2025</a:t>
+              <a:t>9/21/2025</a:t>
             </a:fld>
             <a:endParaRPr lang="en-US"/>
           </a:p>
@@ -2536,7 +2928,7 @@
           <a:p>
             <a:fld id="{4263717A-E3C1-4BED-ABE0-B7069385E023}" type="datetimeFigureOut">
               <a:rPr lang="en-US" smtClean="0"/>
-              <a:t>9/15/2025</a:t>
+              <a:t>9/21/2025</a:t>
             </a:fld>
             <a:endParaRPr lang="en-US"/>
           </a:p>
@@ -2653,7 +3045,7 @@
           <a:p>
             <a:fld id="{4263717A-E3C1-4BED-ABE0-B7069385E023}" type="datetimeFigureOut">
               <a:rPr lang="en-US" smtClean="0"/>
-              <a:t>9/15/2025</a:t>
+              <a:t>9/21/2025</a:t>
             </a:fld>
             <a:endParaRPr lang="en-US"/>
           </a:p>
@@ -2748,7 +3140,7 @@
           <a:p>
             <a:fld id="{4263717A-E3C1-4BED-ABE0-B7069385E023}" type="datetimeFigureOut">
               <a:rPr lang="en-US" smtClean="0"/>
-              <a:t>9/15/2025</a:t>
+              <a:t>9/21/2025</a:t>
             </a:fld>
             <a:endParaRPr lang="en-US"/>
           </a:p>
@@ -3023,7 +3415,7 @@
           <a:p>
             <a:fld id="{4263717A-E3C1-4BED-ABE0-B7069385E023}" type="datetimeFigureOut">
               <a:rPr lang="en-US" smtClean="0"/>
-              <a:t>9/15/2025</a:t>
+              <a:t>9/21/2025</a:t>
             </a:fld>
             <a:endParaRPr lang="en-US"/>
           </a:p>
@@ -3275,7 +3667,7 @@
           <a:p>
             <a:fld id="{4263717A-E3C1-4BED-ABE0-B7069385E023}" type="datetimeFigureOut">
               <a:rPr lang="en-US" smtClean="0"/>
-              <a:t>9/15/2025</a:t>
+              <a:t>9/21/2025</a:t>
             </a:fld>
             <a:endParaRPr lang="en-US"/>
           </a:p>
@@ -3494,7 +3886,7 @@
           <a:p>
             <a:fld id="{4263717A-E3C1-4BED-ABE0-B7069385E023}" type="datetimeFigureOut">
               <a:rPr lang="en-US" smtClean="0"/>
-              <a:t>9/15/2025</a:t>
+              <a:t>9/21/2025</a:t>
             </a:fld>
             <a:endParaRPr lang="en-US"/>
           </a:p>
@@ -4048,7 +4440,4035 @@
 </p:sld>
 </file>
 
+<file path=ppt/slides/slide10.xml><?xml version="1.0" encoding="utf-8"?>
+<p:sld xmlns:a="http://schemas.openxmlformats.org/drawingml/2006/main" xmlns:r="http://schemas.openxmlformats.org/officeDocument/2006/relationships" xmlns:p="http://schemas.openxmlformats.org/presentationml/2006/main">
+  <p:cSld>
+    <p:spTree>
+      <p:nvGrpSpPr>
+        <p:cNvPr id="1" name=""/>
+        <p:cNvGrpSpPr/>
+        <p:nvPr/>
+      </p:nvGrpSpPr>
+      <p:grpSpPr>
+        <a:xfrm>
+          <a:off x="0" y="0"/>
+          <a:ext cx="0" cy="0"/>
+          <a:chOff x="0" y="0"/>
+          <a:chExt cx="0" cy="0"/>
+        </a:xfrm>
+      </p:grpSpPr>
+      <p:sp>
+        <p:nvSpPr>
+          <p:cNvPr id="2" name="Title 1">
+            <a:extLst>
+              <a:ext uri="{FF2B5EF4-FFF2-40B4-BE49-F238E27FC236}">
+                <a16:creationId xmlns:a16="http://schemas.microsoft.com/office/drawing/2014/main" id="{21EA945C-7F49-37BC-FEE2-E004DF17AAB7}"/>
+              </a:ext>
+            </a:extLst>
+          </p:cNvPr>
+          <p:cNvSpPr>
+            <a:spLocks noGrp="1"/>
+          </p:cNvSpPr>
+          <p:nvPr>
+            <p:ph type="title"/>
+          </p:nvPr>
+        </p:nvSpPr>
+        <p:spPr/>
+        <p:txBody>
+          <a:bodyPr/>
+          <a:lstStyle/>
+          <a:p>
+            <a:r>
+              <a:rPr lang="en-US" dirty="0" err="1"/>
+              <a:t>Autogradient</a:t>
+            </a:r>
+            <a:endParaRPr lang="en-US" dirty="0"/>
+          </a:p>
+        </p:txBody>
+      </p:sp>
+      <p:sp>
+        <p:nvSpPr>
+          <p:cNvPr id="3" name="Content Placeholder 2">
+            <a:extLst>
+              <a:ext uri="{FF2B5EF4-FFF2-40B4-BE49-F238E27FC236}">
+                <a16:creationId xmlns:a16="http://schemas.microsoft.com/office/drawing/2014/main" id="{142D855F-0BA8-F668-558E-2DC24B2E6718}"/>
+              </a:ext>
+            </a:extLst>
+          </p:cNvPr>
+          <p:cNvSpPr>
+            <a:spLocks noGrp="1"/>
+          </p:cNvSpPr>
+          <p:nvPr>
+            <p:ph idx="1"/>
+          </p:nvPr>
+        </p:nvSpPr>
+        <p:spPr/>
+        <p:txBody>
+          <a:bodyPr/>
+          <a:lstStyle/>
+          <a:p>
+            <a:r>
+              <a:rPr lang="en-GB" b="1" dirty="0"/>
+              <a:t>Definition</a:t>
+            </a:r>
+            <a:r>
+              <a:rPr lang="en-GB" dirty="0"/>
+              <a:t>: </a:t>
+            </a:r>
+            <a:r>
+              <a:rPr lang="en-GB" dirty="0" err="1"/>
+              <a:t>Autogradient</a:t>
+            </a:r>
+            <a:r>
+              <a:rPr lang="en-GB" dirty="0"/>
+              <a:t>, often called </a:t>
+            </a:r>
+            <a:r>
+              <a:rPr lang="en-GB" b="1" dirty="0" err="1"/>
+              <a:t>autograd</a:t>
+            </a:r>
+            <a:r>
+              <a:rPr lang="en-GB" dirty="0"/>
+              <a:t>, is a computational technique used by ML frameworks (e.g., </a:t>
+            </a:r>
+            <a:r>
+              <a:rPr lang="en-GB" dirty="0" err="1"/>
+              <a:t>PyTorch</a:t>
+            </a:r>
+            <a:r>
+              <a:rPr lang="en-GB" dirty="0"/>
+              <a:t>, TensorFlow, JAX) to automatically compute gradients of functions. </a:t>
+            </a:r>
+          </a:p>
+          <a:p>
+            <a:pPr lvl="1"/>
+            <a:r>
+              <a:rPr lang="en-GB" dirty="0"/>
+              <a:t>It applies the chain rule to differentiate complex operations in a model's computational graph.</a:t>
+            </a:r>
+          </a:p>
+          <a:p>
+            <a:r>
+              <a:rPr lang="en-GB" b="1" dirty="0"/>
+              <a:t>Purpose</a:t>
+            </a:r>
+            <a:r>
+              <a:rPr lang="en-GB" dirty="0"/>
+              <a:t>: It eliminates the need to manually derive and code gradients, making it easier to implement complex models.</a:t>
+            </a:r>
+          </a:p>
+          <a:p>
+            <a:r>
+              <a:rPr lang="en-GB" b="1" dirty="0"/>
+              <a:t>Example</a:t>
+            </a:r>
+            <a:r>
+              <a:rPr lang="en-GB" dirty="0"/>
+              <a:t>: In </a:t>
+            </a:r>
+            <a:r>
+              <a:rPr lang="en-GB" dirty="0" err="1"/>
+              <a:t>PyTorch</a:t>
+            </a:r>
+            <a:r>
+              <a:rPr lang="en-GB" dirty="0"/>
+              <a:t>, if you define a loss function and call </a:t>
+            </a:r>
+            <a:r>
+              <a:rPr lang="en-GB" dirty="0" err="1">
+                <a:solidFill>
+                  <a:schemeClr val="accent2"/>
+                </a:solidFill>
+              </a:rPr>
+              <a:t>loss.backward</a:t>
+            </a:r>
+            <a:r>
+              <a:rPr lang="en-GB" dirty="0">
+                <a:solidFill>
+                  <a:schemeClr val="accent2"/>
+                </a:solidFill>
+              </a:rPr>
+              <a:t>(), </a:t>
+            </a:r>
+            <a:r>
+              <a:rPr lang="en-GB" dirty="0" err="1"/>
+              <a:t>autograd</a:t>
+            </a:r>
+            <a:r>
+              <a:rPr lang="en-GB" dirty="0"/>
+              <a:t> computes the gradients of the loss with respect to all parameters marked as </a:t>
+            </a:r>
+            <a:r>
+              <a:rPr lang="en-GB" dirty="0" err="1">
+                <a:solidFill>
+                  <a:schemeClr val="accent2"/>
+                </a:solidFill>
+              </a:rPr>
+              <a:t>requires_grad</a:t>
+            </a:r>
+            <a:r>
+              <a:rPr lang="en-GB" dirty="0">
+                <a:solidFill>
+                  <a:schemeClr val="accent2"/>
+                </a:solidFill>
+              </a:rPr>
+              <a:t>=True</a:t>
+            </a:r>
+            <a:r>
+              <a:rPr lang="en-GB" dirty="0"/>
+              <a:t>.</a:t>
+            </a:r>
+          </a:p>
+          <a:p>
+            <a:endParaRPr lang="en-GB" dirty="0"/>
+          </a:p>
+          <a:p>
+            <a:endParaRPr lang="en-GB" dirty="0"/>
+          </a:p>
+          <a:p>
+            <a:endParaRPr lang="en-US" dirty="0"/>
+          </a:p>
+        </p:txBody>
+      </p:sp>
+    </p:spTree>
+    <p:extLst>
+      <p:ext uri="{BB962C8B-B14F-4D97-AF65-F5344CB8AC3E}">
+        <p14:creationId xmlns:p14="http://schemas.microsoft.com/office/powerpoint/2010/main" val="1655253961"/>
+      </p:ext>
+    </p:extLst>
+  </p:cSld>
+  <p:clrMapOvr>
+    <a:masterClrMapping/>
+  </p:clrMapOvr>
+</p:sld>
+</file>
+
+<file path=ppt/slides/slide11.xml><?xml version="1.0" encoding="utf-8"?>
+<p:sld xmlns:a="http://schemas.openxmlformats.org/drawingml/2006/main" xmlns:r="http://schemas.openxmlformats.org/officeDocument/2006/relationships" xmlns:p="http://schemas.openxmlformats.org/presentationml/2006/main">
+  <p:cSld>
+    <p:spTree>
+      <p:nvGrpSpPr>
+        <p:cNvPr id="1" name=""/>
+        <p:cNvGrpSpPr/>
+        <p:nvPr/>
+      </p:nvGrpSpPr>
+      <p:grpSpPr>
+        <a:xfrm>
+          <a:off x="0" y="0"/>
+          <a:ext cx="0" cy="0"/>
+          <a:chOff x="0" y="0"/>
+          <a:chExt cx="0" cy="0"/>
+        </a:xfrm>
+      </p:grpSpPr>
+      <p:sp>
+        <p:nvSpPr>
+          <p:cNvPr id="2" name="Title 1">
+            <a:extLst>
+              <a:ext uri="{FF2B5EF4-FFF2-40B4-BE49-F238E27FC236}">
+                <a16:creationId xmlns:a16="http://schemas.microsoft.com/office/drawing/2014/main" id="{9E4BDEA5-7527-8867-0FB2-301052A3E4FB}"/>
+              </a:ext>
+            </a:extLst>
+          </p:cNvPr>
+          <p:cNvSpPr>
+            <a:spLocks noGrp="1"/>
+          </p:cNvSpPr>
+          <p:nvPr>
+            <p:ph type="title"/>
+          </p:nvPr>
+        </p:nvSpPr>
+        <p:spPr/>
+        <p:txBody>
+          <a:bodyPr/>
+          <a:lstStyle/>
+          <a:p>
+            <a:r>
+              <a:rPr lang="en-US" dirty="0"/>
+              <a:t>Key Differences: </a:t>
+            </a:r>
+            <a:r>
+              <a:rPr lang="en-GB" dirty="0"/>
+              <a:t>Gradient vs. </a:t>
+            </a:r>
+            <a:r>
+              <a:rPr lang="en-GB" dirty="0" err="1"/>
+              <a:t>Autograd</a:t>
+            </a:r>
+            <a:endParaRPr lang="en-US" dirty="0"/>
+          </a:p>
+        </p:txBody>
+      </p:sp>
+      <p:sp>
+        <p:nvSpPr>
+          <p:cNvPr id="3" name="Content Placeholder 2">
+            <a:extLst>
+              <a:ext uri="{FF2B5EF4-FFF2-40B4-BE49-F238E27FC236}">
+                <a16:creationId xmlns:a16="http://schemas.microsoft.com/office/drawing/2014/main" id="{1650DC9D-4865-25C4-6403-52681E04FD9B}"/>
+              </a:ext>
+            </a:extLst>
+          </p:cNvPr>
+          <p:cNvSpPr>
+            <a:spLocks noGrp="1"/>
+          </p:cNvSpPr>
+          <p:nvPr>
+            <p:ph idx="1"/>
+          </p:nvPr>
+        </p:nvSpPr>
+        <p:spPr/>
+        <p:txBody>
+          <a:bodyPr/>
+          <a:lstStyle/>
+          <a:p>
+            <a:r>
+              <a:rPr lang="en-GB" dirty="0"/>
+              <a:t>Gradient is the mathematical concept (the result of differentiation).</a:t>
+            </a:r>
+          </a:p>
+          <a:p>
+            <a:r>
+              <a:rPr lang="en-GB" dirty="0" err="1"/>
+              <a:t>Autograd</a:t>
+            </a:r>
+            <a:r>
+              <a:rPr lang="en-GB" dirty="0"/>
+              <a:t> is the algorithmic tool that computes gradients automatically.</a:t>
+            </a:r>
+            <a:endParaRPr lang="en-US" dirty="0"/>
+          </a:p>
+        </p:txBody>
+      </p:sp>
+    </p:spTree>
+    <p:extLst>
+      <p:ext uri="{BB962C8B-B14F-4D97-AF65-F5344CB8AC3E}">
+        <p14:creationId xmlns:p14="http://schemas.microsoft.com/office/powerpoint/2010/main" val="909895920"/>
+      </p:ext>
+    </p:extLst>
+  </p:cSld>
+  <p:clrMapOvr>
+    <a:masterClrMapping/>
+  </p:clrMapOvr>
+</p:sld>
+</file>
+
+<file path=ppt/slides/slide12.xml><?xml version="1.0" encoding="utf-8"?>
+<p:sld xmlns:a="http://schemas.openxmlformats.org/drawingml/2006/main" xmlns:r="http://schemas.openxmlformats.org/officeDocument/2006/relationships" xmlns:p="http://schemas.openxmlformats.org/presentationml/2006/main">
+  <p:cSld>
+    <p:spTree>
+      <p:nvGrpSpPr>
+        <p:cNvPr id="1" name=""/>
+        <p:cNvGrpSpPr/>
+        <p:nvPr/>
+      </p:nvGrpSpPr>
+      <p:grpSpPr>
+        <a:xfrm>
+          <a:off x="0" y="0"/>
+          <a:ext cx="0" cy="0"/>
+          <a:chOff x="0" y="0"/>
+          <a:chExt cx="0" cy="0"/>
+        </a:xfrm>
+      </p:grpSpPr>
+      <p:sp>
+        <p:nvSpPr>
+          <p:cNvPr id="2" name="Title 1">
+            <a:extLst>
+              <a:ext uri="{FF2B5EF4-FFF2-40B4-BE49-F238E27FC236}">
+                <a16:creationId xmlns:a16="http://schemas.microsoft.com/office/drawing/2014/main" id="{C42F7C1E-7F3F-FD62-F92D-9320B2F1D10D}"/>
+              </a:ext>
+            </a:extLst>
+          </p:cNvPr>
+          <p:cNvSpPr>
+            <a:spLocks noGrp="1"/>
+          </p:cNvSpPr>
+          <p:nvPr>
+            <p:ph type="title"/>
+          </p:nvPr>
+        </p:nvSpPr>
+        <p:spPr/>
+        <p:txBody>
+          <a:bodyPr/>
+          <a:lstStyle/>
+          <a:p>
+            <a:r>
+              <a:rPr lang="en-US" dirty="0"/>
+              <a:t>Steps for computing gradient descent after </a:t>
+            </a:r>
+            <a:r>
+              <a:rPr lang="en-US" dirty="0" err="1">
+                <a:solidFill>
+                  <a:schemeClr val="accent5"/>
+                </a:solidFill>
+              </a:rPr>
+              <a:t>Autograd</a:t>
+            </a:r>
+            <a:endParaRPr lang="en-US" dirty="0">
+              <a:solidFill>
+                <a:schemeClr val="accent5"/>
+              </a:solidFill>
+            </a:endParaRPr>
+          </a:p>
+        </p:txBody>
+      </p:sp>
+      <p:sp>
+        <p:nvSpPr>
+          <p:cNvPr id="3" name="Content Placeholder 2">
+            <a:extLst>
+              <a:ext uri="{FF2B5EF4-FFF2-40B4-BE49-F238E27FC236}">
+                <a16:creationId xmlns:a16="http://schemas.microsoft.com/office/drawing/2014/main" id="{D8178449-0DEC-1DF6-C094-4E1D9A556DB1}"/>
+              </a:ext>
+            </a:extLst>
+          </p:cNvPr>
+          <p:cNvSpPr>
+            <a:spLocks noGrp="1"/>
+          </p:cNvSpPr>
+          <p:nvPr>
+            <p:ph idx="1"/>
+          </p:nvPr>
+        </p:nvSpPr>
+        <p:spPr/>
+        <p:txBody>
+          <a:bodyPr>
+            <a:normAutofit lnSpcReduction="10000"/>
+          </a:bodyPr>
+          <a:lstStyle/>
+          <a:p>
+            <a:r>
+              <a:rPr lang="en-GB" b="1" dirty="0"/>
+              <a:t>Initialize Parameters: </a:t>
+            </a:r>
+            <a:r>
+              <a:rPr lang="en-GB" dirty="0"/>
+              <a:t>Start with initial values for the parameters (e.g., random values for w0 and w1).</a:t>
+            </a:r>
+          </a:p>
+          <a:p>
+            <a:r>
+              <a:rPr lang="en-GB" b="1" dirty="0"/>
+              <a:t>Compute the Loss</a:t>
+            </a:r>
+            <a:r>
+              <a:rPr lang="en-GB" dirty="0"/>
+              <a:t>: Evaluate the loss function (e.g., loss = </a:t>
+            </a:r>
+            <a:r>
+              <a:rPr lang="en-GB" dirty="0" err="1"/>
+              <a:t>z.sum</a:t>
+            </a:r>
+            <a:r>
+              <a:rPr lang="en-GB" dirty="0"/>
+              <a:t>() ).</a:t>
+            </a:r>
+          </a:p>
+          <a:p>
+            <a:r>
+              <a:rPr lang="en-GB" b="1" dirty="0"/>
+              <a:t>Compute </a:t>
+            </a:r>
+            <a:r>
+              <a:rPr lang="en-GB" b="1" dirty="0" err="1"/>
+              <a:t>Autograd</a:t>
+            </a:r>
+            <a:r>
+              <a:rPr lang="en-GB" b="1" dirty="0"/>
+              <a:t>: </a:t>
+            </a:r>
+            <a:r>
+              <a:rPr lang="en-GB" dirty="0"/>
+              <a:t>Calculate the gradients of the loss with respect to each parameter (e.g., </a:t>
+            </a:r>
+            <a:r>
+              <a:rPr lang="en-GB" dirty="0">
+                <a:solidFill>
+                  <a:schemeClr val="accent5"/>
+                </a:solidFill>
+              </a:rPr>
+              <a:t>∂loss/</a:t>
+            </a:r>
+            <a:r>
+              <a:rPr lang="en-GB">
+                <a:solidFill>
+                  <a:schemeClr val="accent5"/>
+                </a:solidFill>
+              </a:rPr>
+              <a:t>∂w0 </a:t>
+            </a:r>
+            <a:r>
+              <a:rPr lang="en-GB" dirty="0"/>
+              <a:t>and </a:t>
+            </a:r>
+            <a:r>
+              <a:rPr lang="en-GB" dirty="0">
+                <a:solidFill>
+                  <a:schemeClr val="accent5"/>
+                </a:solidFill>
+              </a:rPr>
+              <a:t>∂loss</a:t>
+            </a:r>
+            <a:r>
+              <a:rPr lang="en-GB">
+                <a:solidFill>
+                  <a:schemeClr val="accent5"/>
+                </a:solidFill>
+              </a:rPr>
+              <a:t>/∂w1</a:t>
+            </a:r>
+            <a:r>
+              <a:rPr lang="en-GB"/>
+              <a:t>, </a:t>
+            </a:r>
+            <a:r>
+              <a:rPr lang="en-GB" dirty="0"/>
+              <a:t>stored in </a:t>
+            </a:r>
+            <a:r>
+              <a:rPr lang="en-GB" dirty="0">
+                <a:solidFill>
+                  <a:schemeClr val="accent2"/>
+                </a:solidFill>
+              </a:rPr>
+              <a:t>w0.grad </a:t>
+            </a:r>
+            <a:r>
+              <a:rPr lang="en-GB" dirty="0"/>
+              <a:t>and </a:t>
+            </a:r>
+            <a:r>
+              <a:rPr lang="en-GB" dirty="0">
+                <a:solidFill>
+                  <a:schemeClr val="accent2"/>
+                </a:solidFill>
+              </a:rPr>
+              <a:t>w1.grad </a:t>
+            </a:r>
+            <a:r>
+              <a:rPr lang="en-GB" dirty="0"/>
+              <a:t>after </a:t>
+            </a:r>
+            <a:r>
+              <a:rPr lang="en-GB" dirty="0" err="1">
+                <a:solidFill>
+                  <a:schemeClr val="accent2"/>
+                </a:solidFill>
+              </a:rPr>
+              <a:t>loss.backward</a:t>
+            </a:r>
+            <a:r>
+              <a:rPr lang="en-GB" dirty="0">
+                <a:solidFill>
+                  <a:schemeClr val="accent2"/>
+                </a:solidFill>
+              </a:rPr>
+              <a:t>() </a:t>
+            </a:r>
+            <a:r>
+              <a:rPr lang="en-GB" dirty="0"/>
+              <a:t>).</a:t>
+            </a:r>
+          </a:p>
+          <a:p>
+            <a:r>
+              <a:rPr lang="en-GB" b="1" dirty="0"/>
+              <a:t>Update Parameters</a:t>
+            </a:r>
+            <a:r>
+              <a:rPr lang="en-GB" dirty="0"/>
+              <a:t>: Adjust the parameters using the update rule</a:t>
+            </a:r>
+          </a:p>
+          <a:p>
+            <a:pPr lvl="1"/>
+            <a:r>
+              <a:rPr lang="en-GB" dirty="0"/>
+              <a:t>parameter = parameter - </a:t>
+            </a:r>
+            <a:r>
+              <a:rPr lang="en-GB" dirty="0" err="1"/>
+              <a:t>learning_rate</a:t>
+            </a:r>
+            <a:r>
+              <a:rPr lang="en-GB" dirty="0"/>
+              <a:t> * gradient</a:t>
+            </a:r>
+          </a:p>
+          <a:p>
+            <a:r>
+              <a:rPr lang="en-GB" b="1" dirty="0"/>
+              <a:t>Repeat</a:t>
+            </a:r>
+            <a:r>
+              <a:rPr lang="en-GB" dirty="0"/>
+              <a:t>: Iterate steps 2–4 until the loss converges (stops decreasing significantly) or a set number of iterations is reached.</a:t>
+            </a:r>
+          </a:p>
+          <a:p>
+            <a:endParaRPr lang="en-GB" dirty="0"/>
+          </a:p>
+          <a:p>
+            <a:endParaRPr lang="en-US" dirty="0"/>
+          </a:p>
+        </p:txBody>
+      </p:sp>
+    </p:spTree>
+    <p:extLst>
+      <p:ext uri="{BB962C8B-B14F-4D97-AF65-F5344CB8AC3E}">
+        <p14:creationId xmlns:p14="http://schemas.microsoft.com/office/powerpoint/2010/main" val="1010189504"/>
+      </p:ext>
+    </p:extLst>
+  </p:cSld>
+  <p:clrMapOvr>
+    <a:masterClrMapping/>
+  </p:clrMapOvr>
+</p:sld>
+</file>
+
+<file path=ppt/slides/slide13.xml><?xml version="1.0" encoding="utf-8"?>
+<p:sld xmlns:a="http://schemas.openxmlformats.org/drawingml/2006/main" xmlns:r="http://schemas.openxmlformats.org/officeDocument/2006/relationships" xmlns:p="http://schemas.openxmlformats.org/presentationml/2006/main">
+  <p:cSld>
+    <p:spTree>
+      <p:nvGrpSpPr>
+        <p:cNvPr id="1" name=""/>
+        <p:cNvGrpSpPr/>
+        <p:nvPr/>
+      </p:nvGrpSpPr>
+      <p:grpSpPr>
+        <a:xfrm>
+          <a:off x="0" y="0"/>
+          <a:ext cx="0" cy="0"/>
+          <a:chOff x="0" y="0"/>
+          <a:chExt cx="0" cy="0"/>
+        </a:xfrm>
+      </p:grpSpPr>
+      <p:sp>
+        <p:nvSpPr>
+          <p:cNvPr id="2" name="Title 1">
+            <a:extLst>
+              <a:ext uri="{FF2B5EF4-FFF2-40B4-BE49-F238E27FC236}">
+                <a16:creationId xmlns:a16="http://schemas.microsoft.com/office/drawing/2014/main" id="{D39F5A33-F02E-4707-A115-A500DE2671BE}"/>
+              </a:ext>
+            </a:extLst>
+          </p:cNvPr>
+          <p:cNvSpPr>
+            <a:spLocks noGrp="1"/>
+          </p:cNvSpPr>
+          <p:nvPr>
+            <p:ph type="title"/>
+          </p:nvPr>
+        </p:nvSpPr>
+        <p:spPr/>
+        <p:txBody>
+          <a:bodyPr/>
+          <a:lstStyle/>
+          <a:p>
+            <a:r>
+              <a:rPr lang="en-US" dirty="0"/>
+              <a:t>Goal</a:t>
+            </a:r>
+          </a:p>
+        </p:txBody>
+      </p:sp>
+      <p:sp>
+        <p:nvSpPr>
+          <p:cNvPr id="3" name="Content Placeholder 2">
+            <a:extLst>
+              <a:ext uri="{FF2B5EF4-FFF2-40B4-BE49-F238E27FC236}">
+                <a16:creationId xmlns:a16="http://schemas.microsoft.com/office/drawing/2014/main" id="{05B68788-0EDA-2356-BC1F-D7983C72A09D}"/>
+              </a:ext>
+            </a:extLst>
+          </p:cNvPr>
+          <p:cNvSpPr>
+            <a:spLocks noGrp="1"/>
+          </p:cNvSpPr>
+          <p:nvPr>
+            <p:ph idx="1"/>
+          </p:nvPr>
+        </p:nvSpPr>
+        <p:spPr>
+          <a:xfrm>
+            <a:off x="838200" y="1803140"/>
+            <a:ext cx="10515600" cy="4351338"/>
+          </a:xfrm>
+        </p:spPr>
+        <p:txBody>
+          <a:bodyPr/>
+          <a:lstStyle/>
+          <a:p>
+            <a:r>
+              <a:rPr lang="en-US" dirty="0" err="1"/>
+              <a:t>Pytorch</a:t>
+            </a:r>
+            <a:r>
+              <a:rPr lang="en-US" dirty="0"/>
+              <a:t> tutorial</a:t>
+            </a:r>
+          </a:p>
+          <a:p>
+            <a:r>
+              <a:rPr lang="en-US" dirty="0"/>
+              <a:t>Rewrite linear regression tutorial with </a:t>
+            </a:r>
+            <a:r>
+              <a:rPr lang="en-US" dirty="0" err="1"/>
+              <a:t>Pytorch</a:t>
+            </a:r>
+            <a:endParaRPr lang="en-US" dirty="0"/>
+          </a:p>
+          <a:p>
+            <a:endParaRPr lang="en-US" dirty="0"/>
+          </a:p>
+        </p:txBody>
+      </p:sp>
+    </p:spTree>
+    <p:extLst>
+      <p:ext uri="{BB962C8B-B14F-4D97-AF65-F5344CB8AC3E}">
+        <p14:creationId xmlns:p14="http://schemas.microsoft.com/office/powerpoint/2010/main" val="3375603492"/>
+      </p:ext>
+    </p:extLst>
+  </p:cSld>
+  <p:clrMapOvr>
+    <a:masterClrMapping/>
+  </p:clrMapOvr>
+</p:sld>
+</file>
+
 <file path=ppt/slides/slide2.xml><?xml version="1.0" encoding="utf-8"?>
+<p:sld xmlns:a="http://schemas.openxmlformats.org/drawingml/2006/main" xmlns:r="http://schemas.openxmlformats.org/officeDocument/2006/relationships" xmlns:p="http://schemas.openxmlformats.org/presentationml/2006/main">
+  <p:cSld>
+    <p:spTree>
+      <p:nvGrpSpPr>
+        <p:cNvPr id="1" name=""/>
+        <p:cNvGrpSpPr/>
+        <p:nvPr/>
+      </p:nvGrpSpPr>
+      <p:grpSpPr>
+        <a:xfrm>
+          <a:off x="0" y="0"/>
+          <a:ext cx="0" cy="0"/>
+          <a:chOff x="0" y="0"/>
+          <a:chExt cx="0" cy="0"/>
+        </a:xfrm>
+      </p:grpSpPr>
+      <p:sp>
+        <p:nvSpPr>
+          <p:cNvPr id="4" name="Title 3">
+            <a:extLst>
+              <a:ext uri="{FF2B5EF4-FFF2-40B4-BE49-F238E27FC236}">
+                <a16:creationId xmlns:a16="http://schemas.microsoft.com/office/drawing/2014/main" id="{CBEC9C1F-C842-4608-D699-0A09C6E024B2}"/>
+              </a:ext>
+            </a:extLst>
+          </p:cNvPr>
+          <p:cNvSpPr>
+            <a:spLocks noGrp="1"/>
+          </p:cNvSpPr>
+          <p:nvPr>
+            <p:ph type="title"/>
+          </p:nvPr>
+        </p:nvSpPr>
+        <p:spPr/>
+        <p:txBody>
+          <a:bodyPr/>
+          <a:lstStyle/>
+          <a:p>
+            <a:r>
+              <a:rPr lang="en-US" dirty="0"/>
+              <a:t>Review: How Humans Learn to Predict (observation)</a:t>
+            </a:r>
+          </a:p>
+        </p:txBody>
+      </p:sp>
+      <p:sp>
+        <p:nvSpPr>
+          <p:cNvPr id="5" name="Rectangle 4">
+            <a:extLst>
+              <a:ext uri="{FF2B5EF4-FFF2-40B4-BE49-F238E27FC236}">
+                <a16:creationId xmlns:a16="http://schemas.microsoft.com/office/drawing/2014/main" id="{97F3CA32-6E2D-23E5-C6BF-A03A3A58D94D}"/>
+              </a:ext>
+            </a:extLst>
+          </p:cNvPr>
+          <p:cNvSpPr/>
+          <p:nvPr/>
+        </p:nvSpPr>
+        <p:spPr>
+          <a:xfrm>
+            <a:off x="4981580" y="2692058"/>
+            <a:ext cx="2084173" cy="1103870"/>
+          </a:xfrm>
+          <a:prstGeom prst="rect">
+            <a:avLst/>
+          </a:prstGeom>
+          <a:noFill/>
+          <a:ln w="38100"/>
+        </p:spPr>
+        <p:style>
+          <a:lnRef idx="2">
+            <a:schemeClr val="accent1">
+              <a:shade val="15000"/>
+            </a:schemeClr>
+          </a:lnRef>
+          <a:fillRef idx="1">
+            <a:schemeClr val="accent1"/>
+          </a:fillRef>
+          <a:effectRef idx="0">
+            <a:schemeClr val="accent1"/>
+          </a:effectRef>
+          <a:fontRef idx="minor">
+            <a:schemeClr val="lt1"/>
+          </a:fontRef>
+        </p:style>
+        <p:txBody>
+          <a:bodyPr rtlCol="0" anchor="ctr"/>
+          <a:lstStyle/>
+          <a:p>
+            <a:pPr algn="ctr"/>
+            <a:endParaRPr lang="en-US"/>
+          </a:p>
+        </p:txBody>
+      </p:sp>
+      <p:cxnSp>
+        <p:nvCxnSpPr>
+          <p:cNvPr id="7" name="Straight Arrow Connector 6">
+            <a:extLst>
+              <a:ext uri="{FF2B5EF4-FFF2-40B4-BE49-F238E27FC236}">
+                <a16:creationId xmlns:a16="http://schemas.microsoft.com/office/drawing/2014/main" id="{56C58B2B-6C15-C9D4-6154-7AE5224BBA21}"/>
+              </a:ext>
+            </a:extLst>
+          </p:cNvPr>
+          <p:cNvCxnSpPr/>
+          <p:nvPr/>
+        </p:nvCxnSpPr>
+        <p:spPr>
+          <a:xfrm>
+            <a:off x="6036024" y="1925939"/>
+            <a:ext cx="0" cy="766119"/>
+          </a:xfrm>
+          <a:prstGeom prst="straightConnector1">
+            <a:avLst/>
+          </a:prstGeom>
+          <a:ln w="57150">
+            <a:solidFill>
+              <a:srgbClr val="002060"/>
+            </a:solidFill>
+            <a:tailEnd type="triangle"/>
+          </a:ln>
+        </p:spPr>
+        <p:style>
+          <a:lnRef idx="1">
+            <a:schemeClr val="accent1"/>
+          </a:lnRef>
+          <a:fillRef idx="0">
+            <a:schemeClr val="accent1"/>
+          </a:fillRef>
+          <a:effectRef idx="0">
+            <a:schemeClr val="accent1"/>
+          </a:effectRef>
+          <a:fontRef idx="minor">
+            <a:schemeClr val="tx1"/>
+          </a:fontRef>
+        </p:style>
+      </p:cxnSp>
+      <p:cxnSp>
+        <p:nvCxnSpPr>
+          <p:cNvPr id="8" name="Straight Arrow Connector 7">
+            <a:extLst>
+              <a:ext uri="{FF2B5EF4-FFF2-40B4-BE49-F238E27FC236}">
+                <a16:creationId xmlns:a16="http://schemas.microsoft.com/office/drawing/2014/main" id="{D54271A7-C383-63FE-D7D0-1D58BB7C766C}"/>
+              </a:ext>
+            </a:extLst>
+          </p:cNvPr>
+          <p:cNvCxnSpPr/>
+          <p:nvPr/>
+        </p:nvCxnSpPr>
+        <p:spPr>
+          <a:xfrm>
+            <a:off x="6036024" y="3795928"/>
+            <a:ext cx="0" cy="766119"/>
+          </a:xfrm>
+          <a:prstGeom prst="straightConnector1">
+            <a:avLst/>
+          </a:prstGeom>
+          <a:ln w="57150">
+            <a:solidFill>
+              <a:srgbClr val="002060"/>
+            </a:solidFill>
+            <a:tailEnd type="triangle"/>
+          </a:ln>
+        </p:spPr>
+        <p:style>
+          <a:lnRef idx="1">
+            <a:schemeClr val="accent1"/>
+          </a:lnRef>
+          <a:fillRef idx="0">
+            <a:schemeClr val="accent1"/>
+          </a:fillRef>
+          <a:effectRef idx="0">
+            <a:schemeClr val="accent1"/>
+          </a:effectRef>
+          <a:fontRef idx="minor">
+            <a:schemeClr val="tx1"/>
+          </a:fontRef>
+        </p:style>
+      </p:cxnSp>
+      <p:graphicFrame>
+        <p:nvGraphicFramePr>
+          <p:cNvPr id="9" name="Table 8">
+            <a:extLst>
+              <a:ext uri="{FF2B5EF4-FFF2-40B4-BE49-F238E27FC236}">
+                <a16:creationId xmlns:a16="http://schemas.microsoft.com/office/drawing/2014/main" id="{A942EFDC-0F13-CFA5-6551-0C93E8391E99}"/>
+              </a:ext>
+            </a:extLst>
+          </p:cNvPr>
+          <p:cNvGraphicFramePr>
+            <a:graphicFrameLocks noGrp="1"/>
+          </p:cNvGraphicFramePr>
+          <p:nvPr>
+            <p:extLst>
+              <p:ext uri="{D42A27DB-BD31-4B8C-83A1-F6EECF244321}">
+                <p14:modId xmlns:p14="http://schemas.microsoft.com/office/powerpoint/2010/main" val="3371702586"/>
+              </p:ext>
+            </p:extLst>
+          </p:nvPr>
+        </p:nvGraphicFramePr>
+        <p:xfrm>
+          <a:off x="1110049" y="1939667"/>
+          <a:ext cx="2877064" cy="2494280"/>
+        </p:xfrm>
+        <a:graphic>
+          <a:graphicData uri="http://schemas.openxmlformats.org/drawingml/2006/table">
+            <a:tbl>
+              <a:tblPr firstRow="1" bandRow="1">
+                <a:tableStyleId>{5C22544A-7EE6-4342-B048-85BDC9FD1C3A}</a:tableStyleId>
+              </a:tblPr>
+              <a:tblGrid>
+                <a:gridCol w="1468394">
+                  <a:extLst>
+                    <a:ext uri="{9D8B030D-6E8A-4147-A177-3AD203B41FA5}">
+                      <a16:colId xmlns:a16="http://schemas.microsoft.com/office/drawing/2014/main" val="700191108"/>
+                    </a:ext>
+                  </a:extLst>
+                </a:gridCol>
+                <a:gridCol w="1408670">
+                  <a:extLst>
+                    <a:ext uri="{9D8B030D-6E8A-4147-A177-3AD203B41FA5}">
+                      <a16:colId xmlns:a16="http://schemas.microsoft.com/office/drawing/2014/main" val="1929877975"/>
+                    </a:ext>
+                  </a:extLst>
+                </a:gridCol>
+              </a:tblGrid>
+              <a:tr h="370840">
+                <a:tc>
+                  <a:txBody>
+                    <a:bodyPr/>
+                    <a:lstStyle/>
+                    <a:p>
+                      <a:r>
+                        <a:rPr lang="en-US" dirty="0"/>
+                        <a:t># bedrooms</a:t>
+                      </a:r>
+                    </a:p>
+                    <a:p>
+                      <a:r>
+                        <a:rPr lang="en-US" dirty="0">
+                          <a:solidFill>
+                            <a:schemeClr val="accent1">
+                              <a:lumMod val="40000"/>
+                              <a:lumOff val="60000"/>
+                            </a:schemeClr>
+                          </a:solidFill>
+                        </a:rPr>
+                        <a:t>  </a:t>
+                      </a:r>
+                      <a:r>
+                        <a:rPr lang="en-US" dirty="0">
+                          <a:solidFill>
+                            <a:srgbClr val="7030A0"/>
+                          </a:solidFill>
+                        </a:rPr>
+                        <a:t>x</a:t>
+                      </a:r>
+                    </a:p>
+                  </a:txBody>
+                  <a:tcPr/>
+                </a:tc>
+                <a:tc>
+                  <a:txBody>
+                    <a:bodyPr/>
+                    <a:lstStyle/>
+                    <a:p>
+                      <a:r>
+                        <a:rPr lang="en-US" dirty="0"/>
+                        <a:t>House Price </a:t>
+                      </a:r>
+                      <a:r>
+                        <a:rPr lang="en-US" dirty="0">
+                          <a:solidFill>
+                            <a:srgbClr val="7030A0"/>
+                          </a:solidFill>
+                        </a:rPr>
+                        <a:t>y=f(x)</a:t>
+                      </a:r>
+                    </a:p>
+                  </a:txBody>
+                  <a:tcPr/>
+                </a:tc>
+                <a:extLst>
+                  <a:ext uri="{0D108BD9-81ED-4DB2-BD59-A6C34878D82A}">
+                    <a16:rowId xmlns:a16="http://schemas.microsoft.com/office/drawing/2014/main" val="2803893833"/>
+                  </a:ext>
+                </a:extLst>
+              </a:tr>
+              <a:tr h="370840">
+                <a:tc>
+                  <a:txBody>
+                    <a:bodyPr/>
+                    <a:lstStyle/>
+                    <a:p>
+                      <a:r>
+                        <a:rPr lang="en-US" dirty="0"/>
+                        <a:t>1</a:t>
+                      </a:r>
+                    </a:p>
+                  </a:txBody>
+                  <a:tcPr/>
+                </a:tc>
+                <a:tc>
+                  <a:txBody>
+                    <a:bodyPr/>
+                    <a:lstStyle/>
+                    <a:p>
+                      <a:r>
+                        <a:rPr lang="en-US" dirty="0"/>
+                        <a:t>2</a:t>
+                      </a:r>
+                    </a:p>
+                  </a:txBody>
+                  <a:tcPr/>
+                </a:tc>
+                <a:extLst>
+                  <a:ext uri="{0D108BD9-81ED-4DB2-BD59-A6C34878D82A}">
+                    <a16:rowId xmlns:a16="http://schemas.microsoft.com/office/drawing/2014/main" val="3802893698"/>
+                  </a:ext>
+                </a:extLst>
+              </a:tr>
+              <a:tr h="370840">
+                <a:tc>
+                  <a:txBody>
+                    <a:bodyPr/>
+                    <a:lstStyle/>
+                    <a:p>
+                      <a:r>
+                        <a:rPr lang="en-US" dirty="0"/>
+                        <a:t>2</a:t>
+                      </a:r>
+                    </a:p>
+                  </a:txBody>
+                  <a:tcPr/>
+                </a:tc>
+                <a:tc>
+                  <a:txBody>
+                    <a:bodyPr/>
+                    <a:lstStyle/>
+                    <a:p>
+                      <a:r>
+                        <a:rPr lang="en-US" dirty="0"/>
+                        <a:t>4</a:t>
+                      </a:r>
+                    </a:p>
+                  </a:txBody>
+                  <a:tcPr/>
+                </a:tc>
+                <a:extLst>
+                  <a:ext uri="{0D108BD9-81ED-4DB2-BD59-A6C34878D82A}">
+                    <a16:rowId xmlns:a16="http://schemas.microsoft.com/office/drawing/2014/main" val="3964648324"/>
+                  </a:ext>
+                </a:extLst>
+              </a:tr>
+              <a:tr h="370840">
+                <a:tc>
+                  <a:txBody>
+                    <a:bodyPr/>
+                    <a:lstStyle/>
+                    <a:p>
+                      <a:r>
+                        <a:rPr lang="en-US" dirty="0"/>
+                        <a:t>3</a:t>
+                      </a:r>
+                    </a:p>
+                  </a:txBody>
+                  <a:tcPr/>
+                </a:tc>
+                <a:tc>
+                  <a:txBody>
+                    <a:bodyPr/>
+                    <a:lstStyle/>
+                    <a:p>
+                      <a:r>
+                        <a:rPr lang="en-US" dirty="0"/>
+                        <a:t>6</a:t>
+                      </a:r>
+                    </a:p>
+                  </a:txBody>
+                  <a:tcPr/>
+                </a:tc>
+                <a:extLst>
+                  <a:ext uri="{0D108BD9-81ED-4DB2-BD59-A6C34878D82A}">
+                    <a16:rowId xmlns:a16="http://schemas.microsoft.com/office/drawing/2014/main" val="3538228135"/>
+                  </a:ext>
+                </a:extLst>
+              </a:tr>
+              <a:tr h="370840">
+                <a:tc>
+                  <a:txBody>
+                    <a:bodyPr/>
+                    <a:lstStyle/>
+                    <a:p>
+                      <a:r>
+                        <a:rPr lang="en-US" dirty="0"/>
+                        <a:t>4</a:t>
+                      </a:r>
+                    </a:p>
+                  </a:txBody>
+                  <a:tcPr/>
+                </a:tc>
+                <a:tc>
+                  <a:txBody>
+                    <a:bodyPr/>
+                    <a:lstStyle/>
+                    <a:p>
+                      <a:r>
+                        <a:rPr lang="en-US" dirty="0"/>
+                        <a:t>8</a:t>
+                      </a:r>
+                    </a:p>
+                  </a:txBody>
+                  <a:tcPr/>
+                </a:tc>
+                <a:extLst>
+                  <a:ext uri="{0D108BD9-81ED-4DB2-BD59-A6C34878D82A}">
+                    <a16:rowId xmlns:a16="http://schemas.microsoft.com/office/drawing/2014/main" val="1084802289"/>
+                  </a:ext>
+                </a:extLst>
+              </a:tr>
+              <a:tr h="370840">
+                <a:tc>
+                  <a:txBody>
+                    <a:bodyPr/>
+                    <a:lstStyle/>
+                    <a:p>
+                      <a:r>
+                        <a:rPr lang="en-US" b="1" dirty="0">
+                          <a:solidFill>
+                            <a:srgbClr val="FF0000"/>
+                          </a:solidFill>
+                        </a:rPr>
+                        <a:t>5</a:t>
+                      </a:r>
+                    </a:p>
+                  </a:txBody>
+                  <a:tcPr/>
+                </a:tc>
+                <a:tc>
+                  <a:txBody>
+                    <a:bodyPr/>
+                    <a:lstStyle/>
+                    <a:p>
+                      <a:r>
+                        <a:rPr lang="en-US" b="1" dirty="0">
+                          <a:solidFill>
+                            <a:srgbClr val="FF0000"/>
+                          </a:solidFill>
+                        </a:rPr>
+                        <a:t>?</a:t>
+                      </a:r>
+                    </a:p>
+                  </a:txBody>
+                  <a:tcPr/>
+                </a:tc>
+                <a:extLst>
+                  <a:ext uri="{0D108BD9-81ED-4DB2-BD59-A6C34878D82A}">
+                    <a16:rowId xmlns:a16="http://schemas.microsoft.com/office/drawing/2014/main" val="1804573333"/>
+                  </a:ext>
+                </a:extLst>
+              </a:tr>
+            </a:tbl>
+          </a:graphicData>
+        </a:graphic>
+      </p:graphicFrame>
+      <p:sp>
+        <p:nvSpPr>
+          <p:cNvPr id="11" name="TextBox 10">
+            <a:extLst>
+              <a:ext uri="{FF2B5EF4-FFF2-40B4-BE49-F238E27FC236}">
+                <a16:creationId xmlns:a16="http://schemas.microsoft.com/office/drawing/2014/main" id="{C2460D17-57FB-4044-1DFB-F28DA32C9057}"/>
+              </a:ext>
+            </a:extLst>
+          </p:cNvPr>
+          <p:cNvSpPr txBox="1"/>
+          <p:nvPr/>
+        </p:nvSpPr>
+        <p:spPr>
+          <a:xfrm>
+            <a:off x="6253297" y="1939667"/>
+            <a:ext cx="595184" cy="369332"/>
+          </a:xfrm>
+          <a:prstGeom prst="rect">
+            <a:avLst/>
+          </a:prstGeom>
+          <a:noFill/>
+        </p:spPr>
+        <p:txBody>
+          <a:bodyPr wrap="square">
+            <a:spAutoFit/>
+          </a:bodyPr>
+          <a:lstStyle/>
+          <a:p>
+            <a:r>
+              <a:rPr lang="en-US" b="1" dirty="0">
+                <a:solidFill>
+                  <a:srgbClr val="FF0000"/>
+                </a:solidFill>
+              </a:rPr>
+              <a:t>5</a:t>
+            </a:r>
+          </a:p>
+        </p:txBody>
+      </p:sp>
+      <p:sp>
+        <p:nvSpPr>
+          <p:cNvPr id="13" name="TextBox 12">
+            <a:extLst>
+              <a:ext uri="{FF2B5EF4-FFF2-40B4-BE49-F238E27FC236}">
+                <a16:creationId xmlns:a16="http://schemas.microsoft.com/office/drawing/2014/main" id="{14189C48-FB80-B08F-4371-45277C540040}"/>
+              </a:ext>
+            </a:extLst>
+          </p:cNvPr>
+          <p:cNvSpPr txBox="1"/>
+          <p:nvPr/>
+        </p:nvSpPr>
+        <p:spPr>
+          <a:xfrm>
+            <a:off x="6253297" y="4121803"/>
+            <a:ext cx="702275" cy="369332"/>
+          </a:xfrm>
+          <a:prstGeom prst="rect">
+            <a:avLst/>
+          </a:prstGeom>
+          <a:noFill/>
+        </p:spPr>
+        <p:txBody>
+          <a:bodyPr wrap="square">
+            <a:spAutoFit/>
+          </a:bodyPr>
+          <a:lstStyle/>
+          <a:p>
+            <a:r>
+              <a:rPr lang="en-US" b="1" dirty="0">
+                <a:solidFill>
+                  <a:srgbClr val="FF0000"/>
+                </a:solidFill>
+              </a:rPr>
+              <a:t>?</a:t>
+            </a:r>
+          </a:p>
+        </p:txBody>
+      </p:sp>
+    </p:spTree>
+    <p:extLst>
+      <p:ext uri="{BB962C8B-B14F-4D97-AF65-F5344CB8AC3E}">
+        <p14:creationId xmlns:p14="http://schemas.microsoft.com/office/powerpoint/2010/main" val="4216162331"/>
+      </p:ext>
+    </p:extLst>
+  </p:cSld>
+  <p:clrMapOvr>
+    <a:masterClrMapping/>
+  </p:clrMapOvr>
+</p:sld>
+</file>
+
+<file path=ppt/slides/slide3.xml><?xml version="1.0" encoding="utf-8"?>
+<p:sld xmlns:a="http://schemas.openxmlformats.org/drawingml/2006/main" xmlns:r="http://schemas.openxmlformats.org/officeDocument/2006/relationships" xmlns:p="http://schemas.openxmlformats.org/presentationml/2006/main">
+  <p:cSld>
+    <p:spTree>
+      <p:nvGrpSpPr>
+        <p:cNvPr id="1" name="">
+          <a:extLst>
+            <a:ext uri="{FF2B5EF4-FFF2-40B4-BE49-F238E27FC236}">
+              <a16:creationId xmlns:a16="http://schemas.microsoft.com/office/drawing/2014/main" id="{3180B7F5-73A7-6D02-41EF-F76E16B84826}"/>
+            </a:ext>
+          </a:extLst>
+        </p:cNvPr>
+        <p:cNvGrpSpPr/>
+        <p:nvPr/>
+      </p:nvGrpSpPr>
+      <p:grpSpPr>
+        <a:xfrm>
+          <a:off x="0" y="0"/>
+          <a:ext cx="0" cy="0"/>
+          <a:chOff x="0" y="0"/>
+          <a:chExt cx="0" cy="0"/>
+        </a:xfrm>
+      </p:grpSpPr>
+      <p:sp>
+        <p:nvSpPr>
+          <p:cNvPr id="4" name="Title 3">
+            <a:extLst>
+              <a:ext uri="{FF2B5EF4-FFF2-40B4-BE49-F238E27FC236}">
+                <a16:creationId xmlns:a16="http://schemas.microsoft.com/office/drawing/2014/main" id="{95275FE1-F572-09F4-AA14-899BFCB79A16}"/>
+              </a:ext>
+            </a:extLst>
+          </p:cNvPr>
+          <p:cNvSpPr>
+            <a:spLocks noGrp="1"/>
+          </p:cNvSpPr>
+          <p:nvPr>
+            <p:ph type="title"/>
+          </p:nvPr>
+        </p:nvSpPr>
+        <p:spPr/>
+        <p:txBody>
+          <a:bodyPr/>
+          <a:lstStyle/>
+          <a:p>
+            <a:r>
+              <a:rPr lang="en-US" dirty="0"/>
+              <a:t>Review: How Humans Learn to Predict (more formal)</a:t>
+            </a:r>
+          </a:p>
+        </p:txBody>
+      </p:sp>
+      <p:sp>
+        <p:nvSpPr>
+          <p:cNvPr id="2" name="Content Placeholder 1">
+            <a:extLst>
+              <a:ext uri="{FF2B5EF4-FFF2-40B4-BE49-F238E27FC236}">
+                <a16:creationId xmlns:a16="http://schemas.microsoft.com/office/drawing/2014/main" id="{23042EB2-B047-2077-FB59-A2F4EC2A0C9B}"/>
+              </a:ext>
+            </a:extLst>
+          </p:cNvPr>
+          <p:cNvSpPr>
+            <a:spLocks noGrp="1"/>
+          </p:cNvSpPr>
+          <p:nvPr>
+            <p:ph idx="1"/>
+          </p:nvPr>
+        </p:nvSpPr>
+        <p:spPr>
+          <a:xfrm>
+            <a:off x="7422292" y="1825625"/>
+            <a:ext cx="3931507" cy="4351338"/>
+          </a:xfrm>
+        </p:spPr>
+        <p:txBody>
+          <a:bodyPr/>
+          <a:lstStyle/>
+          <a:p>
+            <a:r>
+              <a:rPr lang="en-US" dirty="0"/>
+              <a:t>Step 1: linear?</a:t>
+            </a:r>
+          </a:p>
+          <a:p>
+            <a:pPr lvl="1"/>
+            <a:r>
+              <a:rPr lang="en-US" dirty="0"/>
+              <a:t>y=</a:t>
+            </a:r>
+            <a:r>
+              <a:rPr lang="en-US" dirty="0" err="1">
+                <a:solidFill>
+                  <a:srgbClr val="7030A0"/>
+                </a:solidFill>
+              </a:rPr>
+              <a:t>w</a:t>
+            </a:r>
+            <a:r>
+              <a:rPr lang="en-US" dirty="0" err="1"/>
+              <a:t>x</a:t>
+            </a:r>
+            <a:endParaRPr lang="en-US" dirty="0"/>
+          </a:p>
+          <a:p>
+            <a:r>
+              <a:rPr lang="en-US" dirty="0"/>
+              <a:t>Step 2: How to pick up </a:t>
+            </a:r>
+            <a:r>
+              <a:rPr lang="en-US" dirty="0">
+                <a:solidFill>
+                  <a:srgbClr val="7030A0"/>
+                </a:solidFill>
+              </a:rPr>
+              <a:t>w</a:t>
+            </a:r>
+          </a:p>
+          <a:p>
+            <a:pPr lvl="1"/>
+            <a:r>
+              <a:rPr lang="en-US" dirty="0"/>
+              <a:t>try a few values for </a:t>
+            </a:r>
+            <a:r>
+              <a:rPr lang="en-US" dirty="0">
+                <a:solidFill>
+                  <a:srgbClr val="7030A0"/>
+                </a:solidFill>
+              </a:rPr>
+              <a:t>w</a:t>
+            </a:r>
+          </a:p>
+          <a:p>
+            <a:endParaRPr lang="en-US" dirty="0"/>
+          </a:p>
+        </p:txBody>
+      </p:sp>
+      <p:sp>
+        <p:nvSpPr>
+          <p:cNvPr id="5" name="Rectangle 4">
+            <a:extLst>
+              <a:ext uri="{FF2B5EF4-FFF2-40B4-BE49-F238E27FC236}">
+                <a16:creationId xmlns:a16="http://schemas.microsoft.com/office/drawing/2014/main" id="{CE2498C9-524C-CE64-6221-BCFEE8C3DCB4}"/>
+              </a:ext>
+            </a:extLst>
+          </p:cNvPr>
+          <p:cNvSpPr/>
+          <p:nvPr/>
+        </p:nvSpPr>
+        <p:spPr>
+          <a:xfrm>
+            <a:off x="4981580" y="2692058"/>
+            <a:ext cx="2084173" cy="1103870"/>
+          </a:xfrm>
+          <a:prstGeom prst="rect">
+            <a:avLst/>
+          </a:prstGeom>
+          <a:noFill/>
+          <a:ln w="38100"/>
+        </p:spPr>
+        <p:style>
+          <a:lnRef idx="2">
+            <a:schemeClr val="accent1">
+              <a:shade val="15000"/>
+            </a:schemeClr>
+          </a:lnRef>
+          <a:fillRef idx="1">
+            <a:schemeClr val="accent1"/>
+          </a:fillRef>
+          <a:effectRef idx="0">
+            <a:schemeClr val="accent1"/>
+          </a:effectRef>
+          <a:fontRef idx="minor">
+            <a:schemeClr val="lt1"/>
+          </a:fontRef>
+        </p:style>
+        <p:txBody>
+          <a:bodyPr rtlCol="0" anchor="ctr"/>
+          <a:lstStyle/>
+          <a:p>
+            <a:pPr algn="ctr"/>
+            <a:endParaRPr lang="en-US"/>
+          </a:p>
+        </p:txBody>
+      </p:sp>
+      <p:cxnSp>
+        <p:nvCxnSpPr>
+          <p:cNvPr id="7" name="Straight Arrow Connector 6">
+            <a:extLst>
+              <a:ext uri="{FF2B5EF4-FFF2-40B4-BE49-F238E27FC236}">
+                <a16:creationId xmlns:a16="http://schemas.microsoft.com/office/drawing/2014/main" id="{93BD7991-4056-22F6-3F1F-FA6C8DCA371F}"/>
+              </a:ext>
+            </a:extLst>
+          </p:cNvPr>
+          <p:cNvCxnSpPr/>
+          <p:nvPr/>
+        </p:nvCxnSpPr>
+        <p:spPr>
+          <a:xfrm>
+            <a:off x="6036024" y="1925939"/>
+            <a:ext cx="0" cy="766119"/>
+          </a:xfrm>
+          <a:prstGeom prst="straightConnector1">
+            <a:avLst/>
+          </a:prstGeom>
+          <a:ln w="57150">
+            <a:solidFill>
+              <a:srgbClr val="002060"/>
+            </a:solidFill>
+            <a:tailEnd type="triangle"/>
+          </a:ln>
+        </p:spPr>
+        <p:style>
+          <a:lnRef idx="1">
+            <a:schemeClr val="accent1"/>
+          </a:lnRef>
+          <a:fillRef idx="0">
+            <a:schemeClr val="accent1"/>
+          </a:fillRef>
+          <a:effectRef idx="0">
+            <a:schemeClr val="accent1"/>
+          </a:effectRef>
+          <a:fontRef idx="minor">
+            <a:schemeClr val="tx1"/>
+          </a:fontRef>
+        </p:style>
+      </p:cxnSp>
+      <p:cxnSp>
+        <p:nvCxnSpPr>
+          <p:cNvPr id="8" name="Straight Arrow Connector 7">
+            <a:extLst>
+              <a:ext uri="{FF2B5EF4-FFF2-40B4-BE49-F238E27FC236}">
+                <a16:creationId xmlns:a16="http://schemas.microsoft.com/office/drawing/2014/main" id="{A3FF4387-0778-2536-99CE-3436EEC6A9BE}"/>
+              </a:ext>
+            </a:extLst>
+          </p:cNvPr>
+          <p:cNvCxnSpPr/>
+          <p:nvPr/>
+        </p:nvCxnSpPr>
+        <p:spPr>
+          <a:xfrm>
+            <a:off x="6036024" y="3795928"/>
+            <a:ext cx="0" cy="766119"/>
+          </a:xfrm>
+          <a:prstGeom prst="straightConnector1">
+            <a:avLst/>
+          </a:prstGeom>
+          <a:ln w="57150">
+            <a:solidFill>
+              <a:srgbClr val="002060"/>
+            </a:solidFill>
+            <a:tailEnd type="triangle"/>
+          </a:ln>
+        </p:spPr>
+        <p:style>
+          <a:lnRef idx="1">
+            <a:schemeClr val="accent1"/>
+          </a:lnRef>
+          <a:fillRef idx="0">
+            <a:schemeClr val="accent1"/>
+          </a:fillRef>
+          <a:effectRef idx="0">
+            <a:schemeClr val="accent1"/>
+          </a:effectRef>
+          <a:fontRef idx="minor">
+            <a:schemeClr val="tx1"/>
+          </a:fontRef>
+        </p:style>
+      </p:cxnSp>
+      <p:graphicFrame>
+        <p:nvGraphicFramePr>
+          <p:cNvPr id="9" name="Table 8">
+            <a:extLst>
+              <a:ext uri="{FF2B5EF4-FFF2-40B4-BE49-F238E27FC236}">
+                <a16:creationId xmlns:a16="http://schemas.microsoft.com/office/drawing/2014/main" id="{1E88BAD0-8D59-B0D4-AD10-D4E60E8429DC}"/>
+              </a:ext>
+            </a:extLst>
+          </p:cNvPr>
+          <p:cNvGraphicFramePr>
+            <a:graphicFrameLocks noGrp="1"/>
+          </p:cNvGraphicFramePr>
+          <p:nvPr/>
+        </p:nvGraphicFramePr>
+        <p:xfrm>
+          <a:off x="1110049" y="1939667"/>
+          <a:ext cx="2877064" cy="2494280"/>
+        </p:xfrm>
+        <a:graphic>
+          <a:graphicData uri="http://schemas.openxmlformats.org/drawingml/2006/table">
+            <a:tbl>
+              <a:tblPr firstRow="1" bandRow="1">
+                <a:tableStyleId>{5C22544A-7EE6-4342-B048-85BDC9FD1C3A}</a:tableStyleId>
+              </a:tblPr>
+              <a:tblGrid>
+                <a:gridCol w="1468394">
+                  <a:extLst>
+                    <a:ext uri="{9D8B030D-6E8A-4147-A177-3AD203B41FA5}">
+                      <a16:colId xmlns:a16="http://schemas.microsoft.com/office/drawing/2014/main" val="700191108"/>
+                    </a:ext>
+                  </a:extLst>
+                </a:gridCol>
+                <a:gridCol w="1408670">
+                  <a:extLst>
+                    <a:ext uri="{9D8B030D-6E8A-4147-A177-3AD203B41FA5}">
+                      <a16:colId xmlns:a16="http://schemas.microsoft.com/office/drawing/2014/main" val="1929877975"/>
+                    </a:ext>
+                  </a:extLst>
+                </a:gridCol>
+              </a:tblGrid>
+              <a:tr h="370840">
+                <a:tc>
+                  <a:txBody>
+                    <a:bodyPr/>
+                    <a:lstStyle/>
+                    <a:p>
+                      <a:r>
+                        <a:rPr lang="en-US" dirty="0"/>
+                        <a:t># bedrooms</a:t>
+                      </a:r>
+                    </a:p>
+                    <a:p>
+                      <a:r>
+                        <a:rPr lang="en-US" dirty="0">
+                          <a:solidFill>
+                            <a:schemeClr val="accent1">
+                              <a:lumMod val="40000"/>
+                              <a:lumOff val="60000"/>
+                            </a:schemeClr>
+                          </a:solidFill>
+                        </a:rPr>
+                        <a:t>  </a:t>
+                      </a:r>
+                      <a:r>
+                        <a:rPr lang="en-US" dirty="0">
+                          <a:solidFill>
+                            <a:srgbClr val="7030A0"/>
+                          </a:solidFill>
+                        </a:rPr>
+                        <a:t>x</a:t>
+                      </a:r>
+                    </a:p>
+                  </a:txBody>
+                  <a:tcPr/>
+                </a:tc>
+                <a:tc>
+                  <a:txBody>
+                    <a:bodyPr/>
+                    <a:lstStyle/>
+                    <a:p>
+                      <a:r>
+                        <a:rPr lang="en-US" dirty="0"/>
+                        <a:t>House Price </a:t>
+                      </a:r>
+                      <a:r>
+                        <a:rPr lang="en-US" dirty="0">
+                          <a:solidFill>
+                            <a:srgbClr val="7030A0"/>
+                          </a:solidFill>
+                        </a:rPr>
+                        <a:t>y=f(x)</a:t>
+                      </a:r>
+                    </a:p>
+                  </a:txBody>
+                  <a:tcPr/>
+                </a:tc>
+                <a:extLst>
+                  <a:ext uri="{0D108BD9-81ED-4DB2-BD59-A6C34878D82A}">
+                    <a16:rowId xmlns:a16="http://schemas.microsoft.com/office/drawing/2014/main" val="2803893833"/>
+                  </a:ext>
+                </a:extLst>
+              </a:tr>
+              <a:tr h="370840">
+                <a:tc>
+                  <a:txBody>
+                    <a:bodyPr/>
+                    <a:lstStyle/>
+                    <a:p>
+                      <a:r>
+                        <a:rPr lang="en-US" dirty="0"/>
+                        <a:t>1</a:t>
+                      </a:r>
+                    </a:p>
+                  </a:txBody>
+                  <a:tcPr/>
+                </a:tc>
+                <a:tc>
+                  <a:txBody>
+                    <a:bodyPr/>
+                    <a:lstStyle/>
+                    <a:p>
+                      <a:r>
+                        <a:rPr lang="en-US" dirty="0"/>
+                        <a:t>2</a:t>
+                      </a:r>
+                    </a:p>
+                  </a:txBody>
+                  <a:tcPr/>
+                </a:tc>
+                <a:extLst>
+                  <a:ext uri="{0D108BD9-81ED-4DB2-BD59-A6C34878D82A}">
+                    <a16:rowId xmlns:a16="http://schemas.microsoft.com/office/drawing/2014/main" val="3802893698"/>
+                  </a:ext>
+                </a:extLst>
+              </a:tr>
+              <a:tr h="370840">
+                <a:tc>
+                  <a:txBody>
+                    <a:bodyPr/>
+                    <a:lstStyle/>
+                    <a:p>
+                      <a:r>
+                        <a:rPr lang="en-US" dirty="0"/>
+                        <a:t>2</a:t>
+                      </a:r>
+                    </a:p>
+                  </a:txBody>
+                  <a:tcPr/>
+                </a:tc>
+                <a:tc>
+                  <a:txBody>
+                    <a:bodyPr/>
+                    <a:lstStyle/>
+                    <a:p>
+                      <a:r>
+                        <a:rPr lang="en-US" dirty="0"/>
+                        <a:t>4</a:t>
+                      </a:r>
+                    </a:p>
+                  </a:txBody>
+                  <a:tcPr/>
+                </a:tc>
+                <a:extLst>
+                  <a:ext uri="{0D108BD9-81ED-4DB2-BD59-A6C34878D82A}">
+                    <a16:rowId xmlns:a16="http://schemas.microsoft.com/office/drawing/2014/main" val="3964648324"/>
+                  </a:ext>
+                </a:extLst>
+              </a:tr>
+              <a:tr h="370840">
+                <a:tc>
+                  <a:txBody>
+                    <a:bodyPr/>
+                    <a:lstStyle/>
+                    <a:p>
+                      <a:r>
+                        <a:rPr lang="en-US" dirty="0"/>
+                        <a:t>3</a:t>
+                      </a:r>
+                    </a:p>
+                  </a:txBody>
+                  <a:tcPr/>
+                </a:tc>
+                <a:tc>
+                  <a:txBody>
+                    <a:bodyPr/>
+                    <a:lstStyle/>
+                    <a:p>
+                      <a:r>
+                        <a:rPr lang="en-US" dirty="0"/>
+                        <a:t>6</a:t>
+                      </a:r>
+                    </a:p>
+                  </a:txBody>
+                  <a:tcPr/>
+                </a:tc>
+                <a:extLst>
+                  <a:ext uri="{0D108BD9-81ED-4DB2-BD59-A6C34878D82A}">
+                    <a16:rowId xmlns:a16="http://schemas.microsoft.com/office/drawing/2014/main" val="3538228135"/>
+                  </a:ext>
+                </a:extLst>
+              </a:tr>
+              <a:tr h="370840">
+                <a:tc>
+                  <a:txBody>
+                    <a:bodyPr/>
+                    <a:lstStyle/>
+                    <a:p>
+                      <a:r>
+                        <a:rPr lang="en-US" dirty="0"/>
+                        <a:t>4</a:t>
+                      </a:r>
+                    </a:p>
+                  </a:txBody>
+                  <a:tcPr/>
+                </a:tc>
+                <a:tc>
+                  <a:txBody>
+                    <a:bodyPr/>
+                    <a:lstStyle/>
+                    <a:p>
+                      <a:r>
+                        <a:rPr lang="en-US" dirty="0"/>
+                        <a:t>8</a:t>
+                      </a:r>
+                    </a:p>
+                  </a:txBody>
+                  <a:tcPr/>
+                </a:tc>
+                <a:extLst>
+                  <a:ext uri="{0D108BD9-81ED-4DB2-BD59-A6C34878D82A}">
+                    <a16:rowId xmlns:a16="http://schemas.microsoft.com/office/drawing/2014/main" val="1084802289"/>
+                  </a:ext>
+                </a:extLst>
+              </a:tr>
+              <a:tr h="370840">
+                <a:tc>
+                  <a:txBody>
+                    <a:bodyPr/>
+                    <a:lstStyle/>
+                    <a:p>
+                      <a:r>
+                        <a:rPr lang="en-US" b="1" dirty="0">
+                          <a:solidFill>
+                            <a:srgbClr val="FF0000"/>
+                          </a:solidFill>
+                        </a:rPr>
+                        <a:t>5</a:t>
+                      </a:r>
+                    </a:p>
+                  </a:txBody>
+                  <a:tcPr/>
+                </a:tc>
+                <a:tc>
+                  <a:txBody>
+                    <a:bodyPr/>
+                    <a:lstStyle/>
+                    <a:p>
+                      <a:r>
+                        <a:rPr lang="en-US" b="1" dirty="0">
+                          <a:solidFill>
+                            <a:srgbClr val="FF0000"/>
+                          </a:solidFill>
+                        </a:rPr>
+                        <a:t>?</a:t>
+                      </a:r>
+                    </a:p>
+                  </a:txBody>
+                  <a:tcPr/>
+                </a:tc>
+                <a:extLst>
+                  <a:ext uri="{0D108BD9-81ED-4DB2-BD59-A6C34878D82A}">
+                    <a16:rowId xmlns:a16="http://schemas.microsoft.com/office/drawing/2014/main" val="1804573333"/>
+                  </a:ext>
+                </a:extLst>
+              </a:tr>
+            </a:tbl>
+          </a:graphicData>
+        </a:graphic>
+      </p:graphicFrame>
+      <p:sp>
+        <p:nvSpPr>
+          <p:cNvPr id="11" name="TextBox 10">
+            <a:extLst>
+              <a:ext uri="{FF2B5EF4-FFF2-40B4-BE49-F238E27FC236}">
+                <a16:creationId xmlns:a16="http://schemas.microsoft.com/office/drawing/2014/main" id="{A82E872F-CC8B-966E-FA13-69D05991FB92}"/>
+              </a:ext>
+            </a:extLst>
+          </p:cNvPr>
+          <p:cNvSpPr txBox="1"/>
+          <p:nvPr/>
+        </p:nvSpPr>
+        <p:spPr>
+          <a:xfrm>
+            <a:off x="6253297" y="1939667"/>
+            <a:ext cx="595184" cy="369332"/>
+          </a:xfrm>
+          <a:prstGeom prst="rect">
+            <a:avLst/>
+          </a:prstGeom>
+          <a:noFill/>
+        </p:spPr>
+        <p:txBody>
+          <a:bodyPr wrap="square">
+            <a:spAutoFit/>
+          </a:bodyPr>
+          <a:lstStyle/>
+          <a:p>
+            <a:r>
+              <a:rPr lang="en-US" b="1" dirty="0">
+                <a:solidFill>
+                  <a:srgbClr val="FF0000"/>
+                </a:solidFill>
+              </a:rPr>
+              <a:t>5</a:t>
+            </a:r>
+          </a:p>
+        </p:txBody>
+      </p:sp>
+      <p:sp>
+        <p:nvSpPr>
+          <p:cNvPr id="13" name="TextBox 12">
+            <a:extLst>
+              <a:ext uri="{FF2B5EF4-FFF2-40B4-BE49-F238E27FC236}">
+                <a16:creationId xmlns:a16="http://schemas.microsoft.com/office/drawing/2014/main" id="{F4C12B38-4219-861F-27C4-668C3A3A3D6F}"/>
+              </a:ext>
+            </a:extLst>
+          </p:cNvPr>
+          <p:cNvSpPr txBox="1"/>
+          <p:nvPr/>
+        </p:nvSpPr>
+        <p:spPr>
+          <a:xfrm>
+            <a:off x="6253297" y="4121803"/>
+            <a:ext cx="702275" cy="369332"/>
+          </a:xfrm>
+          <a:prstGeom prst="rect">
+            <a:avLst/>
+          </a:prstGeom>
+          <a:noFill/>
+        </p:spPr>
+        <p:txBody>
+          <a:bodyPr wrap="square">
+            <a:spAutoFit/>
+          </a:bodyPr>
+          <a:lstStyle/>
+          <a:p>
+            <a:r>
+              <a:rPr lang="en-US" b="1" dirty="0">
+                <a:solidFill>
+                  <a:srgbClr val="FF0000"/>
+                </a:solidFill>
+              </a:rPr>
+              <a:t>?</a:t>
+            </a:r>
+          </a:p>
+        </p:txBody>
+      </p:sp>
+    </p:spTree>
+    <p:extLst>
+      <p:ext uri="{BB962C8B-B14F-4D97-AF65-F5344CB8AC3E}">
+        <p14:creationId xmlns:p14="http://schemas.microsoft.com/office/powerpoint/2010/main" val="3688860533"/>
+      </p:ext>
+    </p:extLst>
+  </p:cSld>
+  <p:clrMapOvr>
+    <a:masterClrMapping/>
+  </p:clrMapOvr>
+</p:sld>
+</file>
+
+<file path=ppt/slides/slide4.xml><?xml version="1.0" encoding="utf-8"?>
+<p:sld xmlns:a="http://schemas.openxmlformats.org/drawingml/2006/main" xmlns:r="http://schemas.openxmlformats.org/officeDocument/2006/relationships" xmlns:p="http://schemas.openxmlformats.org/presentationml/2006/main">
+  <p:cSld>
+    <p:spTree>
+      <p:nvGrpSpPr>
+        <p:cNvPr id="1" name="">
+          <a:extLst>
+            <a:ext uri="{FF2B5EF4-FFF2-40B4-BE49-F238E27FC236}">
+              <a16:creationId xmlns:a16="http://schemas.microsoft.com/office/drawing/2014/main" id="{F395F75B-8EF1-92BA-D3E1-07C02A9A6412}"/>
+            </a:ext>
+          </a:extLst>
+        </p:cNvPr>
+        <p:cNvGrpSpPr/>
+        <p:nvPr/>
+      </p:nvGrpSpPr>
+      <p:grpSpPr>
+        <a:xfrm>
+          <a:off x="0" y="0"/>
+          <a:ext cx="0" cy="0"/>
+          <a:chOff x="0" y="0"/>
+          <a:chExt cx="0" cy="0"/>
+        </a:xfrm>
+      </p:grpSpPr>
+      <p:sp>
+        <p:nvSpPr>
+          <p:cNvPr id="4" name="Title 3">
+            <a:extLst>
+              <a:ext uri="{FF2B5EF4-FFF2-40B4-BE49-F238E27FC236}">
+                <a16:creationId xmlns:a16="http://schemas.microsoft.com/office/drawing/2014/main" id="{B21138C5-EC30-3023-1EFC-68785E6E66ED}"/>
+              </a:ext>
+            </a:extLst>
+          </p:cNvPr>
+          <p:cNvSpPr>
+            <a:spLocks noGrp="1"/>
+          </p:cNvSpPr>
+          <p:nvPr>
+            <p:ph type="title"/>
+          </p:nvPr>
+        </p:nvSpPr>
+        <p:spPr/>
+        <p:txBody>
+          <a:bodyPr/>
+          <a:lstStyle/>
+          <a:p>
+            <a:r>
+              <a:rPr lang="en-US" dirty="0"/>
+              <a:t>Review: How </a:t>
+            </a:r>
+            <a:r>
+              <a:rPr lang="en-US" dirty="0">
+                <a:solidFill>
+                  <a:srgbClr val="FF0000"/>
+                </a:solidFill>
+              </a:rPr>
+              <a:t>Machine</a:t>
+            </a:r>
+            <a:r>
+              <a:rPr lang="en-US" dirty="0"/>
+              <a:t> Learn to Predict (simple)</a:t>
+            </a:r>
+          </a:p>
+        </p:txBody>
+      </p:sp>
+      <p:sp>
+        <p:nvSpPr>
+          <p:cNvPr id="2" name="Content Placeholder 1">
+            <a:extLst>
+              <a:ext uri="{FF2B5EF4-FFF2-40B4-BE49-F238E27FC236}">
+                <a16:creationId xmlns:a16="http://schemas.microsoft.com/office/drawing/2014/main" id="{58581CC8-A0D2-5B72-EF05-CCD15B6AE94E}"/>
+              </a:ext>
+            </a:extLst>
+          </p:cNvPr>
+          <p:cNvSpPr>
+            <a:spLocks noGrp="1"/>
+          </p:cNvSpPr>
+          <p:nvPr>
+            <p:ph idx="1"/>
+          </p:nvPr>
+        </p:nvSpPr>
+        <p:spPr>
+          <a:xfrm>
+            <a:off x="3385312" y="1690688"/>
+            <a:ext cx="8124083" cy="4351338"/>
+          </a:xfrm>
+        </p:spPr>
+        <p:txBody>
+          <a:bodyPr>
+            <a:normAutofit/>
+          </a:bodyPr>
+          <a:lstStyle/>
+          <a:p>
+            <a:r>
+              <a:rPr lang="en-US" dirty="0"/>
+              <a:t>Step 1: need a function (model)</a:t>
+            </a:r>
+          </a:p>
+          <a:p>
+            <a:pPr lvl="1"/>
+            <a:r>
+              <a:rPr lang="en-US" dirty="0"/>
+              <a:t>mapping an input value </a:t>
+            </a:r>
+            <a:r>
+              <a:rPr lang="en-US" dirty="0">
+                <a:solidFill>
+                  <a:srgbClr val="FF0000"/>
+                </a:solidFill>
+              </a:rPr>
+              <a:t>x </a:t>
+            </a:r>
+            <a:r>
+              <a:rPr lang="en-US" dirty="0"/>
+              <a:t>to y=f(</a:t>
+            </a:r>
+            <a:r>
+              <a:rPr lang="en-US" dirty="0">
+                <a:solidFill>
+                  <a:srgbClr val="FF0000"/>
+                </a:solidFill>
+              </a:rPr>
+              <a:t>x</a:t>
+            </a:r>
+            <a:r>
+              <a:rPr lang="en-US" dirty="0"/>
+              <a:t>)</a:t>
+            </a:r>
+          </a:p>
+          <a:p>
+            <a:r>
+              <a:rPr lang="en-US" dirty="0"/>
+              <a:t>Step 2: </a:t>
+            </a:r>
+          </a:p>
+          <a:p>
+            <a:pPr lvl="1"/>
+            <a:r>
+              <a:rPr lang="en-US" dirty="0"/>
+              <a:t>humans will provide a model, y = </a:t>
+            </a:r>
+            <a:r>
+              <a:rPr lang="en-US" dirty="0" err="1">
+                <a:solidFill>
+                  <a:srgbClr val="7030A0"/>
+                </a:solidFill>
+              </a:rPr>
+              <a:t>w</a:t>
+            </a:r>
+            <a:r>
+              <a:rPr lang="en-US" dirty="0" err="1">
+                <a:solidFill>
+                  <a:srgbClr val="FF0000"/>
+                </a:solidFill>
+              </a:rPr>
+              <a:t>x</a:t>
+            </a:r>
+            <a:endParaRPr lang="en-US" dirty="0">
+              <a:solidFill>
+                <a:srgbClr val="FF0000"/>
+              </a:solidFill>
+            </a:endParaRPr>
+          </a:p>
+          <a:p>
+            <a:pPr lvl="1"/>
+            <a:r>
+              <a:rPr lang="en-US" dirty="0"/>
+              <a:t>humans provide evaluation criteria (</a:t>
+            </a:r>
+            <a:r>
+              <a:rPr lang="en-US" dirty="0">
+                <a:solidFill>
+                  <a:srgbClr val="FF0000"/>
+                </a:solidFill>
+              </a:rPr>
+              <a:t>loss function), </a:t>
+            </a:r>
+            <a:r>
+              <a:rPr lang="en-US" dirty="0"/>
+              <a:t>for what the best model is, MSE</a:t>
+            </a:r>
+          </a:p>
+          <a:p>
+            <a:r>
+              <a:rPr lang="en-US" dirty="0"/>
+              <a:t>Step 3: pick up many </a:t>
+            </a:r>
+            <a:r>
+              <a:rPr lang="en-US" dirty="0">
+                <a:solidFill>
+                  <a:srgbClr val="FF0000"/>
+                </a:solidFill>
+              </a:rPr>
+              <a:t>w</a:t>
+            </a:r>
+          </a:p>
+          <a:p>
+            <a:pPr lvl="1"/>
+            <a:r>
+              <a:rPr lang="en-US" dirty="0"/>
+              <a:t>for each </a:t>
+            </a:r>
+            <a:r>
+              <a:rPr lang="en-US" dirty="0">
+                <a:solidFill>
+                  <a:srgbClr val="FF0000"/>
+                </a:solidFill>
+              </a:rPr>
+              <a:t>w</a:t>
+            </a:r>
+            <a:r>
+              <a:rPr lang="en-US" dirty="0"/>
+              <a:t>, compute </a:t>
+            </a:r>
+            <a:r>
+              <a:rPr lang="en-US" dirty="0">
+                <a:solidFill>
+                  <a:srgbClr val="FF0000"/>
+                </a:solidFill>
+              </a:rPr>
+              <a:t>MSE  </a:t>
+            </a:r>
+            <a:r>
+              <a:rPr lang="en-US" dirty="0"/>
+              <a:t>using</a:t>
+            </a:r>
+            <a:r>
+              <a:rPr lang="en-US" dirty="0">
+                <a:solidFill>
+                  <a:srgbClr val="FF0000"/>
+                </a:solidFill>
+              </a:rPr>
+              <a:t> loss</a:t>
+            </a:r>
+            <a:r>
+              <a:rPr lang="en-US" dirty="0"/>
+              <a:t> function, </a:t>
+            </a:r>
+            <a:r>
+              <a:rPr lang="en-US" dirty="0">
+                <a:solidFill>
+                  <a:srgbClr val="FF0000"/>
+                </a:solidFill>
+              </a:rPr>
+              <a:t>J(w) </a:t>
+            </a:r>
+          </a:p>
+          <a:p>
+            <a:r>
+              <a:rPr lang="en-US" dirty="0"/>
+              <a:t>Step 4: pick the </a:t>
+            </a:r>
+            <a:r>
+              <a:rPr lang="en-US" dirty="0">
+                <a:solidFill>
+                  <a:srgbClr val="FF0000"/>
+                </a:solidFill>
+              </a:rPr>
+              <a:t>w</a:t>
+            </a:r>
+            <a:r>
+              <a:rPr lang="en-US" dirty="0"/>
+              <a:t> with the smallest </a:t>
+            </a:r>
+            <a:r>
+              <a:rPr lang="en-US" dirty="0">
+                <a:solidFill>
+                  <a:srgbClr val="FF0000"/>
+                </a:solidFill>
+              </a:rPr>
+              <a:t>MSE</a:t>
+            </a:r>
+          </a:p>
+        </p:txBody>
+      </p:sp>
+      <p:sp>
+        <p:nvSpPr>
+          <p:cNvPr id="5" name="Rectangle 4">
+            <a:extLst>
+              <a:ext uri="{FF2B5EF4-FFF2-40B4-BE49-F238E27FC236}">
+                <a16:creationId xmlns:a16="http://schemas.microsoft.com/office/drawing/2014/main" id="{3FA358C0-3F31-01AD-A087-B76884A4D788}"/>
+              </a:ext>
+            </a:extLst>
+          </p:cNvPr>
+          <p:cNvSpPr/>
+          <p:nvPr/>
+        </p:nvSpPr>
+        <p:spPr>
+          <a:xfrm>
+            <a:off x="838200" y="3062761"/>
+            <a:ext cx="2084173" cy="1103870"/>
+          </a:xfrm>
+          <a:prstGeom prst="rect">
+            <a:avLst/>
+          </a:prstGeom>
+          <a:noFill/>
+          <a:ln w="38100"/>
+        </p:spPr>
+        <p:style>
+          <a:lnRef idx="2">
+            <a:schemeClr val="accent1">
+              <a:shade val="15000"/>
+            </a:schemeClr>
+          </a:lnRef>
+          <a:fillRef idx="1">
+            <a:schemeClr val="accent1"/>
+          </a:fillRef>
+          <a:effectRef idx="0">
+            <a:schemeClr val="accent1"/>
+          </a:effectRef>
+          <a:fontRef idx="minor">
+            <a:schemeClr val="lt1"/>
+          </a:fontRef>
+        </p:style>
+        <p:txBody>
+          <a:bodyPr rtlCol="0" anchor="ctr"/>
+          <a:lstStyle/>
+          <a:p>
+            <a:pPr algn="ctr"/>
+            <a:endParaRPr lang="en-US"/>
+          </a:p>
+        </p:txBody>
+      </p:sp>
+      <p:cxnSp>
+        <p:nvCxnSpPr>
+          <p:cNvPr id="7" name="Straight Arrow Connector 6">
+            <a:extLst>
+              <a:ext uri="{FF2B5EF4-FFF2-40B4-BE49-F238E27FC236}">
+                <a16:creationId xmlns:a16="http://schemas.microsoft.com/office/drawing/2014/main" id="{F0464FBE-93F7-0034-2FBC-E6ABFA2B83B8}"/>
+              </a:ext>
+            </a:extLst>
+          </p:cNvPr>
+          <p:cNvCxnSpPr/>
+          <p:nvPr/>
+        </p:nvCxnSpPr>
+        <p:spPr>
+          <a:xfrm>
+            <a:off x="1892644" y="2296642"/>
+            <a:ext cx="0" cy="766119"/>
+          </a:xfrm>
+          <a:prstGeom prst="straightConnector1">
+            <a:avLst/>
+          </a:prstGeom>
+          <a:ln w="57150">
+            <a:solidFill>
+              <a:srgbClr val="002060"/>
+            </a:solidFill>
+            <a:tailEnd type="triangle"/>
+          </a:ln>
+        </p:spPr>
+        <p:style>
+          <a:lnRef idx="1">
+            <a:schemeClr val="accent1"/>
+          </a:lnRef>
+          <a:fillRef idx="0">
+            <a:schemeClr val="accent1"/>
+          </a:fillRef>
+          <a:effectRef idx="0">
+            <a:schemeClr val="accent1"/>
+          </a:effectRef>
+          <a:fontRef idx="minor">
+            <a:schemeClr val="tx1"/>
+          </a:fontRef>
+        </p:style>
+      </p:cxnSp>
+      <p:cxnSp>
+        <p:nvCxnSpPr>
+          <p:cNvPr id="8" name="Straight Arrow Connector 7">
+            <a:extLst>
+              <a:ext uri="{FF2B5EF4-FFF2-40B4-BE49-F238E27FC236}">
+                <a16:creationId xmlns:a16="http://schemas.microsoft.com/office/drawing/2014/main" id="{1A749FF8-321C-0D81-D44B-D80B023A7D1B}"/>
+              </a:ext>
+            </a:extLst>
+          </p:cNvPr>
+          <p:cNvCxnSpPr/>
+          <p:nvPr/>
+        </p:nvCxnSpPr>
+        <p:spPr>
+          <a:xfrm>
+            <a:off x="1892644" y="4166631"/>
+            <a:ext cx="0" cy="766119"/>
+          </a:xfrm>
+          <a:prstGeom prst="straightConnector1">
+            <a:avLst/>
+          </a:prstGeom>
+          <a:ln w="57150">
+            <a:solidFill>
+              <a:srgbClr val="002060"/>
+            </a:solidFill>
+            <a:tailEnd type="triangle"/>
+          </a:ln>
+        </p:spPr>
+        <p:style>
+          <a:lnRef idx="1">
+            <a:schemeClr val="accent1"/>
+          </a:lnRef>
+          <a:fillRef idx="0">
+            <a:schemeClr val="accent1"/>
+          </a:fillRef>
+          <a:effectRef idx="0">
+            <a:schemeClr val="accent1"/>
+          </a:effectRef>
+          <a:fontRef idx="minor">
+            <a:schemeClr val="tx1"/>
+          </a:fontRef>
+        </p:style>
+      </p:cxnSp>
+      <p:sp>
+        <p:nvSpPr>
+          <p:cNvPr id="11" name="TextBox 10">
+            <a:extLst>
+              <a:ext uri="{FF2B5EF4-FFF2-40B4-BE49-F238E27FC236}">
+                <a16:creationId xmlns:a16="http://schemas.microsoft.com/office/drawing/2014/main" id="{FCC9E77A-AA72-783E-F4D3-A062AD4663F8}"/>
+              </a:ext>
+            </a:extLst>
+          </p:cNvPr>
+          <p:cNvSpPr txBox="1"/>
+          <p:nvPr/>
+        </p:nvSpPr>
+        <p:spPr>
+          <a:xfrm>
+            <a:off x="2109917" y="2310370"/>
+            <a:ext cx="595184" cy="369332"/>
+          </a:xfrm>
+          <a:prstGeom prst="rect">
+            <a:avLst/>
+          </a:prstGeom>
+          <a:noFill/>
+        </p:spPr>
+        <p:txBody>
+          <a:bodyPr wrap="square">
+            <a:spAutoFit/>
+          </a:bodyPr>
+          <a:lstStyle/>
+          <a:p>
+            <a:r>
+              <a:rPr lang="en-US" b="1" dirty="0">
+                <a:solidFill>
+                  <a:srgbClr val="FF0000"/>
+                </a:solidFill>
+              </a:rPr>
+              <a:t>x=5</a:t>
+            </a:r>
+          </a:p>
+        </p:txBody>
+      </p:sp>
+      <p:sp>
+        <p:nvSpPr>
+          <p:cNvPr id="13" name="TextBox 12">
+            <a:extLst>
+              <a:ext uri="{FF2B5EF4-FFF2-40B4-BE49-F238E27FC236}">
+                <a16:creationId xmlns:a16="http://schemas.microsoft.com/office/drawing/2014/main" id="{24D0593C-BAE0-259B-082B-B11A10F525F0}"/>
+              </a:ext>
+            </a:extLst>
+          </p:cNvPr>
+          <p:cNvSpPr txBox="1"/>
+          <p:nvPr/>
+        </p:nvSpPr>
+        <p:spPr>
+          <a:xfrm>
+            <a:off x="2109917" y="4492506"/>
+            <a:ext cx="702275" cy="369332"/>
+          </a:xfrm>
+          <a:prstGeom prst="rect">
+            <a:avLst/>
+          </a:prstGeom>
+          <a:noFill/>
+        </p:spPr>
+        <p:txBody>
+          <a:bodyPr wrap="square">
+            <a:spAutoFit/>
+          </a:bodyPr>
+          <a:lstStyle/>
+          <a:p>
+            <a:r>
+              <a:rPr lang="en-US" b="1" dirty="0">
+                <a:solidFill>
+                  <a:srgbClr val="FF0000"/>
+                </a:solidFill>
+              </a:rPr>
+              <a:t>y=?</a:t>
+            </a:r>
+          </a:p>
+        </p:txBody>
+      </p:sp>
+      <p:sp>
+        <p:nvSpPr>
+          <p:cNvPr id="3" name="TextBox 2">
+            <a:extLst>
+              <a:ext uri="{FF2B5EF4-FFF2-40B4-BE49-F238E27FC236}">
+                <a16:creationId xmlns:a16="http://schemas.microsoft.com/office/drawing/2014/main" id="{F06451B2-7720-4CCD-0B3C-237FACD2219C}"/>
+              </a:ext>
+            </a:extLst>
+          </p:cNvPr>
+          <p:cNvSpPr txBox="1"/>
+          <p:nvPr/>
+        </p:nvSpPr>
+        <p:spPr>
+          <a:xfrm>
+            <a:off x="928270" y="3414240"/>
+            <a:ext cx="1829347" cy="369332"/>
+          </a:xfrm>
+          <a:prstGeom prst="rect">
+            <a:avLst/>
+          </a:prstGeom>
+          <a:noFill/>
+        </p:spPr>
+        <p:txBody>
+          <a:bodyPr wrap="none" rtlCol="0">
+            <a:spAutoFit/>
+          </a:bodyPr>
+          <a:lstStyle/>
+          <a:p>
+            <a:r>
+              <a:rPr lang="en-US" dirty="0"/>
+              <a:t>function(x) or f(x)</a:t>
+            </a:r>
+          </a:p>
+        </p:txBody>
+      </p:sp>
+      <p:sp>
+        <p:nvSpPr>
+          <p:cNvPr id="10" name="TextBox 9">
+            <a:extLst>
+              <a:ext uri="{FF2B5EF4-FFF2-40B4-BE49-F238E27FC236}">
+                <a16:creationId xmlns:a16="http://schemas.microsoft.com/office/drawing/2014/main" id="{94F2F6BD-AF25-092B-ED0A-0DE6BABDFF63}"/>
+              </a:ext>
+            </a:extLst>
+          </p:cNvPr>
+          <p:cNvSpPr txBox="1"/>
+          <p:nvPr/>
+        </p:nvSpPr>
+        <p:spPr>
+          <a:xfrm>
+            <a:off x="1391209" y="3673386"/>
+            <a:ext cx="978153" cy="461665"/>
+          </a:xfrm>
+          <a:prstGeom prst="rect">
+            <a:avLst/>
+          </a:prstGeom>
+          <a:noFill/>
+        </p:spPr>
+        <p:txBody>
+          <a:bodyPr wrap="none" rtlCol="0">
+            <a:spAutoFit/>
+          </a:bodyPr>
+          <a:lstStyle/>
+          <a:p>
+            <a:r>
+              <a:rPr lang="en-US" sz="2400" dirty="0">
+                <a:solidFill>
+                  <a:srgbClr val="7030A0"/>
+                </a:solidFill>
+              </a:rPr>
+              <a:t>model</a:t>
+            </a:r>
+          </a:p>
+        </p:txBody>
+      </p:sp>
+      <p:pic>
+        <p:nvPicPr>
+          <p:cNvPr id="12" name="Picture 11">
+            <a:extLst>
+              <a:ext uri="{FF2B5EF4-FFF2-40B4-BE49-F238E27FC236}">
+                <a16:creationId xmlns:a16="http://schemas.microsoft.com/office/drawing/2014/main" id="{C70514C1-0126-152A-9340-815EB564E223}"/>
+              </a:ext>
+            </a:extLst>
+          </p:cNvPr>
+          <p:cNvPicPr>
+            <a:picLocks noChangeAspect="1"/>
+          </p:cNvPicPr>
+          <p:nvPr/>
+        </p:nvPicPr>
+        <p:blipFill>
+          <a:blip r:embed="rId2"/>
+          <a:stretch>
+            <a:fillRect/>
+          </a:stretch>
+        </p:blipFill>
+        <p:spPr>
+          <a:xfrm>
+            <a:off x="9205277" y="1138753"/>
+            <a:ext cx="2904680" cy="1877498"/>
+          </a:xfrm>
+          <a:prstGeom prst="rect">
+            <a:avLst/>
+          </a:prstGeom>
+        </p:spPr>
+      </p:pic>
+      <p:cxnSp>
+        <p:nvCxnSpPr>
+          <p:cNvPr id="15" name="Straight Arrow Connector 14">
+            <a:extLst>
+              <a:ext uri="{FF2B5EF4-FFF2-40B4-BE49-F238E27FC236}">
+                <a16:creationId xmlns:a16="http://schemas.microsoft.com/office/drawing/2014/main" id="{3A6151DA-2473-ABC5-BE87-DE8991830A14}"/>
+              </a:ext>
+            </a:extLst>
+          </p:cNvPr>
+          <p:cNvCxnSpPr>
+            <a:cxnSpLocks/>
+          </p:cNvCxnSpPr>
+          <p:nvPr/>
+        </p:nvCxnSpPr>
+        <p:spPr>
+          <a:xfrm flipV="1">
+            <a:off x="10259722" y="2826307"/>
+            <a:ext cx="614224" cy="1877498"/>
+          </a:xfrm>
+          <a:prstGeom prst="straightConnector1">
+            <a:avLst/>
+          </a:prstGeom>
+          <a:ln>
+            <a:tailEnd type="triangle"/>
+          </a:ln>
+        </p:spPr>
+        <p:style>
+          <a:lnRef idx="1">
+            <a:schemeClr val="accent2"/>
+          </a:lnRef>
+          <a:fillRef idx="0">
+            <a:schemeClr val="accent2"/>
+          </a:fillRef>
+          <a:effectRef idx="0">
+            <a:schemeClr val="accent2"/>
+          </a:effectRef>
+          <a:fontRef idx="minor">
+            <a:schemeClr val="tx1"/>
+          </a:fontRef>
+        </p:style>
+      </p:cxnSp>
+    </p:spTree>
+    <p:extLst>
+      <p:ext uri="{BB962C8B-B14F-4D97-AF65-F5344CB8AC3E}">
+        <p14:creationId xmlns:p14="http://schemas.microsoft.com/office/powerpoint/2010/main" val="690970081"/>
+      </p:ext>
+    </p:extLst>
+  </p:cSld>
+  <p:clrMapOvr>
+    <a:masterClrMapping/>
+  </p:clrMapOvr>
+</p:sld>
+</file>
+
+<file path=ppt/slides/slide5.xml><?xml version="1.0" encoding="utf-8"?>
+<p:sld xmlns:a="http://schemas.openxmlformats.org/drawingml/2006/main" xmlns:r="http://schemas.openxmlformats.org/officeDocument/2006/relationships" xmlns:p="http://schemas.openxmlformats.org/presentationml/2006/main">
+  <p:cSld>
+    <p:spTree>
+      <p:nvGrpSpPr>
+        <p:cNvPr id="1" name="">
+          <a:extLst>
+            <a:ext uri="{FF2B5EF4-FFF2-40B4-BE49-F238E27FC236}">
+              <a16:creationId xmlns:a16="http://schemas.microsoft.com/office/drawing/2014/main" id="{9843E7CF-F1D8-8005-7EE4-251B2EFFF3A4}"/>
+            </a:ext>
+          </a:extLst>
+        </p:cNvPr>
+        <p:cNvGrpSpPr/>
+        <p:nvPr/>
+      </p:nvGrpSpPr>
+      <p:grpSpPr>
+        <a:xfrm>
+          <a:off x="0" y="0"/>
+          <a:ext cx="0" cy="0"/>
+          <a:chOff x="0" y="0"/>
+          <a:chExt cx="0" cy="0"/>
+        </a:xfrm>
+      </p:grpSpPr>
+      <p:sp>
+        <p:nvSpPr>
+          <p:cNvPr id="4" name="Title 3">
+            <a:extLst>
+              <a:ext uri="{FF2B5EF4-FFF2-40B4-BE49-F238E27FC236}">
+                <a16:creationId xmlns:a16="http://schemas.microsoft.com/office/drawing/2014/main" id="{D230779C-C8FA-19B1-C6E7-1AEA5134284E}"/>
+              </a:ext>
+            </a:extLst>
+          </p:cNvPr>
+          <p:cNvSpPr>
+            <a:spLocks noGrp="1"/>
+          </p:cNvSpPr>
+          <p:nvPr>
+            <p:ph type="title"/>
+          </p:nvPr>
+        </p:nvSpPr>
+        <p:spPr/>
+        <p:txBody>
+          <a:bodyPr/>
+          <a:lstStyle/>
+          <a:p>
+            <a:r>
+              <a:rPr lang="en-US" dirty="0"/>
+              <a:t>Review: How </a:t>
+            </a:r>
+            <a:r>
+              <a:rPr lang="en-US" dirty="0">
+                <a:solidFill>
+                  <a:srgbClr val="FF0000"/>
+                </a:solidFill>
+              </a:rPr>
+              <a:t>Machine</a:t>
+            </a:r>
+            <a:r>
+              <a:rPr lang="en-US" dirty="0"/>
+              <a:t> Learn to Predict (simple+)</a:t>
+            </a:r>
+          </a:p>
+        </p:txBody>
+      </p:sp>
+      <p:sp>
+        <p:nvSpPr>
+          <p:cNvPr id="2" name="Content Placeholder 1">
+            <a:extLst>
+              <a:ext uri="{FF2B5EF4-FFF2-40B4-BE49-F238E27FC236}">
+                <a16:creationId xmlns:a16="http://schemas.microsoft.com/office/drawing/2014/main" id="{805D6BD6-0EF2-112C-747A-CB505F7B1AE9}"/>
+              </a:ext>
+            </a:extLst>
+          </p:cNvPr>
+          <p:cNvSpPr>
+            <a:spLocks noGrp="1"/>
+          </p:cNvSpPr>
+          <p:nvPr>
+            <p:ph idx="1"/>
+          </p:nvPr>
+        </p:nvSpPr>
+        <p:spPr>
+          <a:xfrm>
+            <a:off x="3385312" y="1690688"/>
+            <a:ext cx="8124083" cy="4351338"/>
+          </a:xfrm>
+        </p:spPr>
+        <p:txBody>
+          <a:bodyPr>
+            <a:normAutofit/>
+          </a:bodyPr>
+          <a:lstStyle/>
+          <a:p>
+            <a:r>
+              <a:rPr lang="en-US" dirty="0">
+                <a:solidFill>
+                  <a:schemeClr val="bg1">
+                    <a:lumMod val="75000"/>
+                  </a:schemeClr>
+                </a:solidFill>
+              </a:rPr>
+              <a:t>Step 1: need a function (model)</a:t>
+            </a:r>
+          </a:p>
+          <a:p>
+            <a:pPr lvl="1"/>
+            <a:r>
+              <a:rPr lang="en-US" dirty="0">
+                <a:solidFill>
+                  <a:schemeClr val="bg1">
+                    <a:lumMod val="75000"/>
+                  </a:schemeClr>
+                </a:solidFill>
+              </a:rPr>
+              <a:t>mapping an input value x to y=f(x)</a:t>
+            </a:r>
+          </a:p>
+          <a:p>
+            <a:r>
+              <a:rPr lang="en-US" dirty="0">
+                <a:solidFill>
+                  <a:schemeClr val="bg1">
+                    <a:lumMod val="75000"/>
+                  </a:schemeClr>
+                </a:solidFill>
+              </a:rPr>
+              <a:t>Step 2: </a:t>
+            </a:r>
+          </a:p>
+          <a:p>
+            <a:pPr lvl="1"/>
+            <a:r>
+              <a:rPr lang="en-US" dirty="0">
+                <a:solidFill>
+                  <a:schemeClr val="bg1">
+                    <a:lumMod val="75000"/>
+                  </a:schemeClr>
+                </a:solidFill>
+              </a:rPr>
+              <a:t>humans will provide a model, y = </a:t>
+            </a:r>
+            <a:r>
+              <a:rPr lang="en-US" dirty="0" err="1">
+                <a:solidFill>
+                  <a:schemeClr val="bg1">
+                    <a:lumMod val="75000"/>
+                  </a:schemeClr>
+                </a:solidFill>
+              </a:rPr>
+              <a:t>wx</a:t>
+            </a:r>
+            <a:endParaRPr lang="en-US" dirty="0">
+              <a:solidFill>
+                <a:schemeClr val="bg1">
+                  <a:lumMod val="75000"/>
+                </a:schemeClr>
+              </a:solidFill>
+            </a:endParaRPr>
+          </a:p>
+          <a:p>
+            <a:pPr lvl="1"/>
+            <a:r>
+              <a:rPr lang="en-US" dirty="0">
+                <a:solidFill>
+                  <a:schemeClr val="bg1">
+                    <a:lumMod val="75000"/>
+                  </a:schemeClr>
+                </a:solidFill>
+              </a:rPr>
+              <a:t>humans provide evaluation criteria (loss function) for what the best model is, MSE</a:t>
+            </a:r>
+          </a:p>
+          <a:p>
+            <a:r>
+              <a:rPr lang="en-US" dirty="0"/>
+              <a:t>Step 3: pick up </a:t>
+            </a:r>
+            <a:r>
+              <a:rPr lang="en-US" sz="4000" dirty="0">
+                <a:solidFill>
+                  <a:schemeClr val="accent2"/>
+                </a:solidFill>
+              </a:rPr>
+              <a:t>some</a:t>
+            </a:r>
+            <a:r>
+              <a:rPr lang="en-US" dirty="0"/>
+              <a:t> </a:t>
+            </a:r>
+            <a:r>
+              <a:rPr lang="en-US" dirty="0">
+                <a:solidFill>
+                  <a:schemeClr val="bg2">
+                    <a:lumMod val="75000"/>
+                  </a:schemeClr>
+                </a:solidFill>
+              </a:rPr>
+              <a:t>w</a:t>
+            </a:r>
+          </a:p>
+          <a:p>
+            <a:pPr lvl="1"/>
+            <a:r>
+              <a:rPr lang="en-US" dirty="0">
+                <a:solidFill>
+                  <a:schemeClr val="tx2">
+                    <a:lumMod val="40000"/>
+                    <a:lumOff val="60000"/>
+                  </a:schemeClr>
+                </a:solidFill>
+              </a:rPr>
+              <a:t>for each w, compute MSE  using loss function, J(w) </a:t>
+            </a:r>
+          </a:p>
+          <a:p>
+            <a:r>
+              <a:rPr lang="en-US" dirty="0">
+                <a:solidFill>
+                  <a:schemeClr val="tx2">
+                    <a:lumMod val="40000"/>
+                    <a:lumOff val="60000"/>
+                  </a:schemeClr>
+                </a:solidFill>
+              </a:rPr>
+              <a:t>Step 4: pick the w with the smallest MSE</a:t>
+            </a:r>
+          </a:p>
+        </p:txBody>
+      </p:sp>
+      <p:sp>
+        <p:nvSpPr>
+          <p:cNvPr id="5" name="Rectangle 4">
+            <a:extLst>
+              <a:ext uri="{FF2B5EF4-FFF2-40B4-BE49-F238E27FC236}">
+                <a16:creationId xmlns:a16="http://schemas.microsoft.com/office/drawing/2014/main" id="{DBAAD67A-6A1B-9F2C-3243-6ED6E8554426}"/>
+              </a:ext>
+            </a:extLst>
+          </p:cNvPr>
+          <p:cNvSpPr/>
+          <p:nvPr/>
+        </p:nvSpPr>
+        <p:spPr>
+          <a:xfrm>
+            <a:off x="838200" y="3062761"/>
+            <a:ext cx="2084173" cy="1103870"/>
+          </a:xfrm>
+          <a:prstGeom prst="rect">
+            <a:avLst/>
+          </a:prstGeom>
+          <a:noFill/>
+          <a:ln w="38100"/>
+        </p:spPr>
+        <p:style>
+          <a:lnRef idx="2">
+            <a:schemeClr val="accent1">
+              <a:shade val="15000"/>
+            </a:schemeClr>
+          </a:lnRef>
+          <a:fillRef idx="1">
+            <a:schemeClr val="accent1"/>
+          </a:fillRef>
+          <a:effectRef idx="0">
+            <a:schemeClr val="accent1"/>
+          </a:effectRef>
+          <a:fontRef idx="minor">
+            <a:schemeClr val="lt1"/>
+          </a:fontRef>
+        </p:style>
+        <p:txBody>
+          <a:bodyPr rtlCol="0" anchor="ctr"/>
+          <a:lstStyle/>
+          <a:p>
+            <a:pPr algn="ctr"/>
+            <a:endParaRPr lang="en-US"/>
+          </a:p>
+        </p:txBody>
+      </p:sp>
+      <p:cxnSp>
+        <p:nvCxnSpPr>
+          <p:cNvPr id="7" name="Straight Arrow Connector 6">
+            <a:extLst>
+              <a:ext uri="{FF2B5EF4-FFF2-40B4-BE49-F238E27FC236}">
+                <a16:creationId xmlns:a16="http://schemas.microsoft.com/office/drawing/2014/main" id="{4B18BF39-1B22-56B5-6BD2-114F3F795C4E}"/>
+              </a:ext>
+            </a:extLst>
+          </p:cNvPr>
+          <p:cNvCxnSpPr/>
+          <p:nvPr/>
+        </p:nvCxnSpPr>
+        <p:spPr>
+          <a:xfrm>
+            <a:off x="1892644" y="2296642"/>
+            <a:ext cx="0" cy="766119"/>
+          </a:xfrm>
+          <a:prstGeom prst="straightConnector1">
+            <a:avLst/>
+          </a:prstGeom>
+          <a:ln w="57150">
+            <a:solidFill>
+              <a:srgbClr val="002060"/>
+            </a:solidFill>
+            <a:tailEnd type="triangle"/>
+          </a:ln>
+        </p:spPr>
+        <p:style>
+          <a:lnRef idx="1">
+            <a:schemeClr val="accent1"/>
+          </a:lnRef>
+          <a:fillRef idx="0">
+            <a:schemeClr val="accent1"/>
+          </a:fillRef>
+          <a:effectRef idx="0">
+            <a:schemeClr val="accent1"/>
+          </a:effectRef>
+          <a:fontRef idx="minor">
+            <a:schemeClr val="tx1"/>
+          </a:fontRef>
+        </p:style>
+      </p:cxnSp>
+      <p:cxnSp>
+        <p:nvCxnSpPr>
+          <p:cNvPr id="8" name="Straight Arrow Connector 7">
+            <a:extLst>
+              <a:ext uri="{FF2B5EF4-FFF2-40B4-BE49-F238E27FC236}">
+                <a16:creationId xmlns:a16="http://schemas.microsoft.com/office/drawing/2014/main" id="{2BAC09AD-4AE6-F2CD-B9AA-CE0A8B4A54CB}"/>
+              </a:ext>
+            </a:extLst>
+          </p:cNvPr>
+          <p:cNvCxnSpPr/>
+          <p:nvPr/>
+        </p:nvCxnSpPr>
+        <p:spPr>
+          <a:xfrm>
+            <a:off x="1892644" y="4166631"/>
+            <a:ext cx="0" cy="766119"/>
+          </a:xfrm>
+          <a:prstGeom prst="straightConnector1">
+            <a:avLst/>
+          </a:prstGeom>
+          <a:ln w="57150">
+            <a:solidFill>
+              <a:srgbClr val="002060"/>
+            </a:solidFill>
+            <a:tailEnd type="triangle"/>
+          </a:ln>
+        </p:spPr>
+        <p:style>
+          <a:lnRef idx="1">
+            <a:schemeClr val="accent1"/>
+          </a:lnRef>
+          <a:fillRef idx="0">
+            <a:schemeClr val="accent1"/>
+          </a:fillRef>
+          <a:effectRef idx="0">
+            <a:schemeClr val="accent1"/>
+          </a:effectRef>
+          <a:fontRef idx="minor">
+            <a:schemeClr val="tx1"/>
+          </a:fontRef>
+        </p:style>
+      </p:cxnSp>
+      <p:sp>
+        <p:nvSpPr>
+          <p:cNvPr id="11" name="TextBox 10">
+            <a:extLst>
+              <a:ext uri="{FF2B5EF4-FFF2-40B4-BE49-F238E27FC236}">
+                <a16:creationId xmlns:a16="http://schemas.microsoft.com/office/drawing/2014/main" id="{B0636283-3464-165D-0C91-1AC4048C4D16}"/>
+              </a:ext>
+            </a:extLst>
+          </p:cNvPr>
+          <p:cNvSpPr txBox="1"/>
+          <p:nvPr/>
+        </p:nvSpPr>
+        <p:spPr>
+          <a:xfrm>
+            <a:off x="2109917" y="2310370"/>
+            <a:ext cx="595184" cy="369332"/>
+          </a:xfrm>
+          <a:prstGeom prst="rect">
+            <a:avLst/>
+          </a:prstGeom>
+          <a:noFill/>
+        </p:spPr>
+        <p:txBody>
+          <a:bodyPr wrap="square">
+            <a:spAutoFit/>
+          </a:bodyPr>
+          <a:lstStyle/>
+          <a:p>
+            <a:r>
+              <a:rPr lang="en-US" b="1" dirty="0">
+                <a:solidFill>
+                  <a:srgbClr val="FF0000"/>
+                </a:solidFill>
+              </a:rPr>
+              <a:t>x=5</a:t>
+            </a:r>
+          </a:p>
+        </p:txBody>
+      </p:sp>
+      <p:sp>
+        <p:nvSpPr>
+          <p:cNvPr id="13" name="TextBox 12">
+            <a:extLst>
+              <a:ext uri="{FF2B5EF4-FFF2-40B4-BE49-F238E27FC236}">
+                <a16:creationId xmlns:a16="http://schemas.microsoft.com/office/drawing/2014/main" id="{639ED9F2-37E3-D783-ED55-E48105A903F0}"/>
+              </a:ext>
+            </a:extLst>
+          </p:cNvPr>
+          <p:cNvSpPr txBox="1"/>
+          <p:nvPr/>
+        </p:nvSpPr>
+        <p:spPr>
+          <a:xfrm>
+            <a:off x="2109917" y="4492506"/>
+            <a:ext cx="702275" cy="369332"/>
+          </a:xfrm>
+          <a:prstGeom prst="rect">
+            <a:avLst/>
+          </a:prstGeom>
+          <a:noFill/>
+        </p:spPr>
+        <p:txBody>
+          <a:bodyPr wrap="square">
+            <a:spAutoFit/>
+          </a:bodyPr>
+          <a:lstStyle/>
+          <a:p>
+            <a:r>
+              <a:rPr lang="en-US" b="1" dirty="0">
+                <a:solidFill>
+                  <a:srgbClr val="FF0000"/>
+                </a:solidFill>
+              </a:rPr>
+              <a:t>y=?</a:t>
+            </a:r>
+          </a:p>
+        </p:txBody>
+      </p:sp>
+      <p:sp>
+        <p:nvSpPr>
+          <p:cNvPr id="3" name="TextBox 2">
+            <a:extLst>
+              <a:ext uri="{FF2B5EF4-FFF2-40B4-BE49-F238E27FC236}">
+                <a16:creationId xmlns:a16="http://schemas.microsoft.com/office/drawing/2014/main" id="{F50F27CE-0CCE-8073-7F0C-B32E902AE713}"/>
+              </a:ext>
+            </a:extLst>
+          </p:cNvPr>
+          <p:cNvSpPr txBox="1"/>
+          <p:nvPr/>
+        </p:nvSpPr>
+        <p:spPr>
+          <a:xfrm>
+            <a:off x="928270" y="3414240"/>
+            <a:ext cx="1829347" cy="369332"/>
+          </a:xfrm>
+          <a:prstGeom prst="rect">
+            <a:avLst/>
+          </a:prstGeom>
+          <a:noFill/>
+        </p:spPr>
+        <p:txBody>
+          <a:bodyPr wrap="none" rtlCol="0">
+            <a:spAutoFit/>
+          </a:bodyPr>
+          <a:lstStyle/>
+          <a:p>
+            <a:r>
+              <a:rPr lang="en-US" dirty="0"/>
+              <a:t>function(x) or f(x)</a:t>
+            </a:r>
+          </a:p>
+        </p:txBody>
+      </p:sp>
+      <p:sp>
+        <p:nvSpPr>
+          <p:cNvPr id="10" name="TextBox 9">
+            <a:extLst>
+              <a:ext uri="{FF2B5EF4-FFF2-40B4-BE49-F238E27FC236}">
+                <a16:creationId xmlns:a16="http://schemas.microsoft.com/office/drawing/2014/main" id="{4975E421-916A-DB45-16CF-63D9F6396848}"/>
+              </a:ext>
+            </a:extLst>
+          </p:cNvPr>
+          <p:cNvSpPr txBox="1"/>
+          <p:nvPr/>
+        </p:nvSpPr>
+        <p:spPr>
+          <a:xfrm>
+            <a:off x="1391209" y="3673386"/>
+            <a:ext cx="978153" cy="461665"/>
+          </a:xfrm>
+          <a:prstGeom prst="rect">
+            <a:avLst/>
+          </a:prstGeom>
+          <a:noFill/>
+        </p:spPr>
+        <p:txBody>
+          <a:bodyPr wrap="none" rtlCol="0">
+            <a:spAutoFit/>
+          </a:bodyPr>
+          <a:lstStyle/>
+          <a:p>
+            <a:r>
+              <a:rPr lang="en-US" sz="2400" dirty="0">
+                <a:solidFill>
+                  <a:srgbClr val="7030A0"/>
+                </a:solidFill>
+              </a:rPr>
+              <a:t>model</a:t>
+            </a:r>
+          </a:p>
+        </p:txBody>
+      </p:sp>
+      <p:pic>
+        <p:nvPicPr>
+          <p:cNvPr id="12" name="Picture 11">
+            <a:extLst>
+              <a:ext uri="{FF2B5EF4-FFF2-40B4-BE49-F238E27FC236}">
+                <a16:creationId xmlns:a16="http://schemas.microsoft.com/office/drawing/2014/main" id="{9C7F2A9D-B9C5-8D25-FFF3-503FFEB76101}"/>
+              </a:ext>
+            </a:extLst>
+          </p:cNvPr>
+          <p:cNvPicPr>
+            <a:picLocks noChangeAspect="1"/>
+          </p:cNvPicPr>
+          <p:nvPr/>
+        </p:nvPicPr>
+        <p:blipFill>
+          <a:blip r:embed="rId2"/>
+          <a:stretch>
+            <a:fillRect/>
+          </a:stretch>
+        </p:blipFill>
+        <p:spPr>
+          <a:xfrm>
+            <a:off x="9205277" y="1138753"/>
+            <a:ext cx="2904680" cy="1877498"/>
+          </a:xfrm>
+          <a:prstGeom prst="rect">
+            <a:avLst/>
+          </a:prstGeom>
+        </p:spPr>
+      </p:pic>
+      <p:cxnSp>
+        <p:nvCxnSpPr>
+          <p:cNvPr id="15" name="Straight Arrow Connector 14">
+            <a:extLst>
+              <a:ext uri="{FF2B5EF4-FFF2-40B4-BE49-F238E27FC236}">
+                <a16:creationId xmlns:a16="http://schemas.microsoft.com/office/drawing/2014/main" id="{6A39844C-3AD8-80BF-5D09-02A20766A036}"/>
+              </a:ext>
+            </a:extLst>
+          </p:cNvPr>
+          <p:cNvCxnSpPr>
+            <a:cxnSpLocks/>
+          </p:cNvCxnSpPr>
+          <p:nvPr/>
+        </p:nvCxnSpPr>
+        <p:spPr>
+          <a:xfrm flipV="1">
+            <a:off x="10259722" y="2826307"/>
+            <a:ext cx="614224" cy="1877498"/>
+          </a:xfrm>
+          <a:prstGeom prst="straightConnector1">
+            <a:avLst/>
+          </a:prstGeom>
+          <a:ln>
+            <a:tailEnd type="triangle"/>
+          </a:ln>
+        </p:spPr>
+        <p:style>
+          <a:lnRef idx="1">
+            <a:schemeClr val="accent2"/>
+          </a:lnRef>
+          <a:fillRef idx="0">
+            <a:schemeClr val="accent2"/>
+          </a:fillRef>
+          <a:effectRef idx="0">
+            <a:schemeClr val="accent2"/>
+          </a:effectRef>
+          <a:fontRef idx="minor">
+            <a:schemeClr val="tx1"/>
+          </a:fontRef>
+        </p:style>
+      </p:cxnSp>
+    </p:spTree>
+    <p:extLst>
+      <p:ext uri="{BB962C8B-B14F-4D97-AF65-F5344CB8AC3E}">
+        <p14:creationId xmlns:p14="http://schemas.microsoft.com/office/powerpoint/2010/main" val="4066710227"/>
+      </p:ext>
+    </p:extLst>
+  </p:cSld>
+  <p:clrMapOvr>
+    <a:masterClrMapping/>
+  </p:clrMapOvr>
+</p:sld>
+</file>
+
+<file path=ppt/slides/slide6.xml><?xml version="1.0" encoding="utf-8"?>
+<p:sld xmlns:a="http://schemas.openxmlformats.org/drawingml/2006/main" xmlns:r="http://schemas.openxmlformats.org/officeDocument/2006/relationships" xmlns:p="http://schemas.openxmlformats.org/presentationml/2006/main">
+  <p:cSld>
+    <p:spTree>
+      <p:nvGrpSpPr>
+        <p:cNvPr id="1" name=""/>
+        <p:cNvGrpSpPr/>
+        <p:nvPr/>
+      </p:nvGrpSpPr>
+      <p:grpSpPr>
+        <a:xfrm>
+          <a:off x="0" y="0"/>
+          <a:ext cx="0" cy="0"/>
+          <a:chOff x="0" y="0"/>
+          <a:chExt cx="0" cy="0"/>
+        </a:xfrm>
+      </p:grpSpPr>
+      <p:pic>
+        <p:nvPicPr>
+          <p:cNvPr id="4" name="Picture 2" descr="Gradient Descent in Machine Learning">
+            <a:extLst>
+              <a:ext uri="{FF2B5EF4-FFF2-40B4-BE49-F238E27FC236}">
+                <a16:creationId xmlns:a16="http://schemas.microsoft.com/office/drawing/2014/main" id="{6D0F4DB3-BB8C-374B-FF0D-4D12FF0E81A3}"/>
+              </a:ext>
+            </a:extLst>
+          </p:cNvPr>
+          <p:cNvPicPr>
+            <a:picLocks noChangeAspect="1" noChangeArrowheads="1"/>
+          </p:cNvPicPr>
+          <p:nvPr/>
+        </p:nvPicPr>
+        <p:blipFill>
+          <a:blip r:embed="rId2">
+            <a:extLst>
+              <a:ext uri="{28A0092B-C50C-407E-A947-70E740481C1C}">
+                <a14:useLocalDpi xmlns:a14="http://schemas.microsoft.com/office/drawing/2010/main" val="0"/>
+              </a:ext>
+            </a:extLst>
+          </a:blip>
+          <a:srcRect/>
+          <a:stretch>
+            <a:fillRect/>
+          </a:stretch>
+        </p:blipFill>
+        <p:spPr bwMode="auto">
+          <a:xfrm>
+            <a:off x="1467887" y="1020942"/>
+            <a:ext cx="8412281" cy="5064193"/>
+          </a:xfrm>
+          <a:prstGeom prst="rect">
+            <a:avLst/>
+          </a:prstGeom>
+          <a:noFill/>
+          <a:extLst>
+            <a:ext uri="{909E8E84-426E-40DD-AFC4-6F175D3DCCD1}">
+              <a14:hiddenFill xmlns:a14="http://schemas.microsoft.com/office/drawing/2010/main">
+                <a:solidFill>
+                  <a:srgbClr val="FFFFFF"/>
+                </a:solidFill>
+              </a14:hiddenFill>
+            </a:ext>
+          </a:extLst>
+        </p:spPr>
+      </p:pic>
+    </p:spTree>
+    <p:extLst>
+      <p:ext uri="{BB962C8B-B14F-4D97-AF65-F5344CB8AC3E}">
+        <p14:creationId xmlns:p14="http://schemas.microsoft.com/office/powerpoint/2010/main" val="2841036666"/>
+      </p:ext>
+    </p:extLst>
+  </p:cSld>
+  <p:clrMapOvr>
+    <a:masterClrMapping/>
+  </p:clrMapOvr>
+</p:sld>
+</file>
+
+<file path=ppt/slides/slide7.xml><?xml version="1.0" encoding="utf-8"?>
+<p:sld xmlns:a="http://schemas.openxmlformats.org/drawingml/2006/main" xmlns:r="http://schemas.openxmlformats.org/officeDocument/2006/relationships" xmlns:p="http://schemas.openxmlformats.org/presentationml/2006/main">
+  <p:cSld>
+    <p:spTree>
+      <p:nvGrpSpPr>
+        <p:cNvPr id="1" name=""/>
+        <p:cNvGrpSpPr/>
+        <p:nvPr/>
+      </p:nvGrpSpPr>
+      <p:grpSpPr>
+        <a:xfrm>
+          <a:off x="0" y="0"/>
+          <a:ext cx="0" cy="0"/>
+          <a:chOff x="0" y="0"/>
+          <a:chExt cx="0" cy="0"/>
+        </a:xfrm>
+      </p:grpSpPr>
+      <p:sp>
+        <p:nvSpPr>
+          <p:cNvPr id="2" name="Title 1">
+            <a:extLst>
+              <a:ext uri="{FF2B5EF4-FFF2-40B4-BE49-F238E27FC236}">
+                <a16:creationId xmlns:a16="http://schemas.microsoft.com/office/drawing/2014/main" id="{91B5FA40-16D7-4BAB-FAF9-21490AD6D450}"/>
+              </a:ext>
+            </a:extLst>
+          </p:cNvPr>
+          <p:cNvSpPr>
+            <a:spLocks noGrp="1"/>
+          </p:cNvSpPr>
+          <p:nvPr>
+            <p:ph type="title"/>
+          </p:nvPr>
+        </p:nvSpPr>
+        <p:spPr/>
+        <p:txBody>
+          <a:bodyPr/>
+          <a:lstStyle/>
+          <a:p>
+            <a:r>
+              <a:rPr lang="en-US" dirty="0"/>
+              <a:t>Linear regression with two learning  parameters</a:t>
+            </a:r>
+          </a:p>
+        </p:txBody>
+      </p:sp>
+      <p:sp>
+        <p:nvSpPr>
+          <p:cNvPr id="3" name="Rectangle 2">
+            <a:extLst>
+              <a:ext uri="{FF2B5EF4-FFF2-40B4-BE49-F238E27FC236}">
+                <a16:creationId xmlns:a16="http://schemas.microsoft.com/office/drawing/2014/main" id="{411C4FEC-5744-4C2D-A5E9-98F4E977F625}"/>
+              </a:ext>
+            </a:extLst>
+          </p:cNvPr>
+          <p:cNvSpPr/>
+          <p:nvPr/>
+        </p:nvSpPr>
+        <p:spPr>
+          <a:xfrm>
+            <a:off x="4826598" y="2705702"/>
+            <a:ext cx="2084173" cy="1103870"/>
+          </a:xfrm>
+          <a:prstGeom prst="rect">
+            <a:avLst/>
+          </a:prstGeom>
+          <a:noFill/>
+          <a:ln w="38100"/>
+        </p:spPr>
+        <p:style>
+          <a:lnRef idx="2">
+            <a:schemeClr val="accent1">
+              <a:shade val="15000"/>
+            </a:schemeClr>
+          </a:lnRef>
+          <a:fillRef idx="1">
+            <a:schemeClr val="accent1"/>
+          </a:fillRef>
+          <a:effectRef idx="0">
+            <a:schemeClr val="accent1"/>
+          </a:effectRef>
+          <a:fontRef idx="minor">
+            <a:schemeClr val="lt1"/>
+          </a:fontRef>
+        </p:style>
+        <p:txBody>
+          <a:bodyPr rtlCol="0" anchor="ctr"/>
+          <a:lstStyle/>
+          <a:p>
+            <a:pPr algn="ctr"/>
+            <a:endParaRPr lang="en-US"/>
+          </a:p>
+        </p:txBody>
+      </p:sp>
+      <p:cxnSp>
+        <p:nvCxnSpPr>
+          <p:cNvPr id="4" name="Straight Arrow Connector 3">
+            <a:extLst>
+              <a:ext uri="{FF2B5EF4-FFF2-40B4-BE49-F238E27FC236}">
+                <a16:creationId xmlns:a16="http://schemas.microsoft.com/office/drawing/2014/main" id="{8C34FAD0-BF78-D9EE-E840-ADE5B6DD5CA4}"/>
+              </a:ext>
+            </a:extLst>
+          </p:cNvPr>
+          <p:cNvCxnSpPr/>
+          <p:nvPr/>
+        </p:nvCxnSpPr>
+        <p:spPr>
+          <a:xfrm>
+            <a:off x="5532330" y="1953311"/>
+            <a:ext cx="0" cy="766119"/>
+          </a:xfrm>
+          <a:prstGeom prst="straightConnector1">
+            <a:avLst/>
+          </a:prstGeom>
+          <a:ln w="57150">
+            <a:solidFill>
+              <a:srgbClr val="002060"/>
+            </a:solidFill>
+            <a:tailEnd type="triangle"/>
+          </a:ln>
+        </p:spPr>
+        <p:style>
+          <a:lnRef idx="1">
+            <a:schemeClr val="accent1"/>
+          </a:lnRef>
+          <a:fillRef idx="0">
+            <a:schemeClr val="accent1"/>
+          </a:fillRef>
+          <a:effectRef idx="0">
+            <a:schemeClr val="accent1"/>
+          </a:effectRef>
+          <a:fontRef idx="minor">
+            <a:schemeClr val="tx1"/>
+          </a:fontRef>
+        </p:style>
+      </p:cxnSp>
+      <p:cxnSp>
+        <p:nvCxnSpPr>
+          <p:cNvPr id="5" name="Straight Arrow Connector 4">
+            <a:extLst>
+              <a:ext uri="{FF2B5EF4-FFF2-40B4-BE49-F238E27FC236}">
+                <a16:creationId xmlns:a16="http://schemas.microsoft.com/office/drawing/2014/main" id="{0149CFFE-DD3A-74EA-CEC1-CA7C54AF0ACC}"/>
+              </a:ext>
+            </a:extLst>
+          </p:cNvPr>
+          <p:cNvCxnSpPr/>
+          <p:nvPr/>
+        </p:nvCxnSpPr>
+        <p:spPr>
+          <a:xfrm>
+            <a:off x="5881042" y="3809572"/>
+            <a:ext cx="0" cy="766119"/>
+          </a:xfrm>
+          <a:prstGeom prst="straightConnector1">
+            <a:avLst/>
+          </a:prstGeom>
+          <a:ln w="57150">
+            <a:solidFill>
+              <a:srgbClr val="002060"/>
+            </a:solidFill>
+            <a:tailEnd type="triangle"/>
+          </a:ln>
+        </p:spPr>
+        <p:style>
+          <a:lnRef idx="1">
+            <a:schemeClr val="accent1"/>
+          </a:lnRef>
+          <a:fillRef idx="0">
+            <a:schemeClr val="accent1"/>
+          </a:fillRef>
+          <a:effectRef idx="0">
+            <a:schemeClr val="accent1"/>
+          </a:effectRef>
+          <a:fontRef idx="minor">
+            <a:schemeClr val="tx1"/>
+          </a:fontRef>
+        </p:style>
+      </p:cxnSp>
+      <p:graphicFrame>
+        <p:nvGraphicFramePr>
+          <p:cNvPr id="6" name="Table 5">
+            <a:extLst>
+              <a:ext uri="{FF2B5EF4-FFF2-40B4-BE49-F238E27FC236}">
+                <a16:creationId xmlns:a16="http://schemas.microsoft.com/office/drawing/2014/main" id="{48FE0B6F-6DAF-2978-3D5E-93A8215388C9}"/>
+              </a:ext>
+            </a:extLst>
+          </p:cNvPr>
+          <p:cNvGraphicFramePr>
+            <a:graphicFrameLocks noGrp="1"/>
+          </p:cNvGraphicFramePr>
+          <p:nvPr>
+            <p:extLst>
+              <p:ext uri="{D42A27DB-BD31-4B8C-83A1-F6EECF244321}">
+                <p14:modId xmlns:p14="http://schemas.microsoft.com/office/powerpoint/2010/main" val="3150926690"/>
+              </p:ext>
+            </p:extLst>
+          </p:nvPr>
+        </p:nvGraphicFramePr>
+        <p:xfrm>
+          <a:off x="849436" y="1815415"/>
+          <a:ext cx="3653163" cy="2812215"/>
+        </p:xfrm>
+        <a:graphic>
+          <a:graphicData uri="http://schemas.openxmlformats.org/drawingml/2006/table">
+            <a:tbl>
+              <a:tblPr firstRow="1" bandRow="1">
+                <a:tableStyleId>{5C22544A-7EE6-4342-B048-85BDC9FD1C3A}</a:tableStyleId>
+              </a:tblPr>
+              <a:tblGrid>
+                <a:gridCol w="1298145">
+                  <a:extLst>
+                    <a:ext uri="{9D8B030D-6E8A-4147-A177-3AD203B41FA5}">
+                      <a16:colId xmlns:a16="http://schemas.microsoft.com/office/drawing/2014/main" val="700191108"/>
+                    </a:ext>
+                  </a:extLst>
+                </a:gridCol>
+                <a:gridCol w="1177509">
+                  <a:extLst>
+                    <a:ext uri="{9D8B030D-6E8A-4147-A177-3AD203B41FA5}">
+                      <a16:colId xmlns:a16="http://schemas.microsoft.com/office/drawing/2014/main" val="2110552916"/>
+                    </a:ext>
+                  </a:extLst>
+                </a:gridCol>
+                <a:gridCol w="1177509">
+                  <a:extLst>
+                    <a:ext uri="{9D8B030D-6E8A-4147-A177-3AD203B41FA5}">
+                      <a16:colId xmlns:a16="http://schemas.microsoft.com/office/drawing/2014/main" val="1929877975"/>
+                    </a:ext>
+                  </a:extLst>
+                </a:gridCol>
+              </a:tblGrid>
+              <a:tr h="370840">
+                <a:tc>
+                  <a:txBody>
+                    <a:bodyPr/>
+                    <a:lstStyle/>
+                    <a:p>
+                      <a:r>
+                        <a:rPr lang="en-US" dirty="0"/>
+                        <a:t># bedrooms</a:t>
+                      </a:r>
+                    </a:p>
+                    <a:p>
+                      <a:r>
+                        <a:rPr lang="en-US" dirty="0">
+                          <a:solidFill>
+                            <a:schemeClr val="accent1">
+                              <a:lumMod val="40000"/>
+                              <a:lumOff val="60000"/>
+                            </a:schemeClr>
+                          </a:solidFill>
+                        </a:rPr>
+                        <a:t>  </a:t>
+                      </a:r>
+                      <a:r>
+                        <a:rPr lang="en-US" dirty="0">
+                          <a:solidFill>
+                            <a:srgbClr val="7030A0"/>
+                          </a:solidFill>
+                        </a:rPr>
+                        <a:t>x0</a:t>
+                      </a:r>
+                    </a:p>
+                  </a:txBody>
+                  <a:tcPr/>
+                </a:tc>
+                <a:tc>
+                  <a:txBody>
+                    <a:bodyPr/>
+                    <a:lstStyle/>
+                    <a:p>
+                      <a:r>
+                        <a:rPr lang="en-US" sz="1800" b="1" kern="1200" dirty="0">
+                          <a:solidFill>
+                            <a:schemeClr val="lt1"/>
+                          </a:solidFill>
+                          <a:latin typeface="+mn-lt"/>
+                          <a:ea typeface="+mn-ea"/>
+                          <a:cs typeface="+mn-cs"/>
+                        </a:rPr>
+                        <a:t>Total sq k ft</a:t>
+                      </a:r>
+                    </a:p>
+                    <a:p>
+                      <a:r>
+                        <a:rPr lang="en-US" sz="1800" b="1" kern="1200" dirty="0">
+                          <a:solidFill>
+                            <a:srgbClr val="7030A0"/>
+                          </a:solidFill>
+                          <a:latin typeface="+mn-lt"/>
+                          <a:ea typeface="+mn-ea"/>
+                          <a:cs typeface="+mn-cs"/>
+                        </a:rPr>
+                        <a:t>x1</a:t>
+                      </a:r>
+                    </a:p>
+                  </a:txBody>
+                  <a:tcPr/>
+                </a:tc>
+                <a:tc>
+                  <a:txBody>
+                    <a:bodyPr/>
+                    <a:lstStyle/>
+                    <a:p>
+                      <a:r>
+                        <a:rPr lang="en-US" dirty="0"/>
+                        <a:t>House Price </a:t>
+                      </a:r>
+                      <a:r>
+                        <a:rPr lang="en-US" dirty="0">
+                          <a:solidFill>
+                            <a:srgbClr val="7030A0"/>
+                          </a:solidFill>
+                        </a:rPr>
+                        <a:t>y=f(x0,x1)</a:t>
+                      </a:r>
+                    </a:p>
+                  </a:txBody>
+                  <a:tcPr/>
+                </a:tc>
+                <a:extLst>
+                  <a:ext uri="{0D108BD9-81ED-4DB2-BD59-A6C34878D82A}">
+                    <a16:rowId xmlns:a16="http://schemas.microsoft.com/office/drawing/2014/main" val="2803893833"/>
+                  </a:ext>
+                </a:extLst>
+              </a:tr>
+              <a:tr h="414455">
+                <a:tc>
+                  <a:txBody>
+                    <a:bodyPr/>
+                    <a:lstStyle/>
+                    <a:p>
+                      <a:r>
+                        <a:rPr lang="en-US" dirty="0"/>
+                        <a:t>1</a:t>
+                      </a:r>
+                    </a:p>
+                  </a:txBody>
+                  <a:tcPr/>
+                </a:tc>
+                <a:tc>
+                  <a:txBody>
+                    <a:bodyPr/>
+                    <a:lstStyle/>
+                    <a:p>
+                      <a:r>
+                        <a:rPr lang="en-US" dirty="0"/>
+                        <a:t>0.2</a:t>
+                      </a:r>
+                    </a:p>
+                  </a:txBody>
+                  <a:tcPr/>
+                </a:tc>
+                <a:tc>
+                  <a:txBody>
+                    <a:bodyPr/>
+                    <a:lstStyle/>
+                    <a:p>
+                      <a:r>
+                        <a:rPr lang="en-US" dirty="0"/>
+                        <a:t>2</a:t>
+                      </a:r>
+                    </a:p>
+                  </a:txBody>
+                  <a:tcPr/>
+                </a:tc>
+                <a:extLst>
+                  <a:ext uri="{0D108BD9-81ED-4DB2-BD59-A6C34878D82A}">
+                    <a16:rowId xmlns:a16="http://schemas.microsoft.com/office/drawing/2014/main" val="3802893698"/>
+                  </a:ext>
+                </a:extLst>
+              </a:tr>
+              <a:tr h="370840">
+                <a:tc>
+                  <a:txBody>
+                    <a:bodyPr/>
+                    <a:lstStyle/>
+                    <a:p>
+                      <a:r>
+                        <a:rPr lang="en-US" dirty="0"/>
+                        <a:t>2</a:t>
+                      </a:r>
+                    </a:p>
+                  </a:txBody>
+                  <a:tcPr/>
+                </a:tc>
+                <a:tc>
+                  <a:txBody>
+                    <a:bodyPr/>
+                    <a:lstStyle/>
+                    <a:p>
+                      <a:r>
+                        <a:rPr lang="en-US" dirty="0"/>
+                        <a:t>0.5</a:t>
+                      </a:r>
+                    </a:p>
+                  </a:txBody>
+                  <a:tcPr/>
+                </a:tc>
+                <a:tc>
+                  <a:txBody>
+                    <a:bodyPr/>
+                    <a:lstStyle/>
+                    <a:p>
+                      <a:r>
+                        <a:rPr lang="en-US" dirty="0"/>
+                        <a:t>4</a:t>
+                      </a:r>
+                    </a:p>
+                  </a:txBody>
+                  <a:tcPr/>
+                </a:tc>
+                <a:extLst>
+                  <a:ext uri="{0D108BD9-81ED-4DB2-BD59-A6C34878D82A}">
+                    <a16:rowId xmlns:a16="http://schemas.microsoft.com/office/drawing/2014/main" val="3964648324"/>
+                  </a:ext>
+                </a:extLst>
+              </a:tr>
+              <a:tr h="370840">
+                <a:tc>
+                  <a:txBody>
+                    <a:bodyPr/>
+                    <a:lstStyle/>
+                    <a:p>
+                      <a:r>
+                        <a:rPr lang="en-US" dirty="0"/>
+                        <a:t>3</a:t>
+                      </a:r>
+                    </a:p>
+                  </a:txBody>
+                  <a:tcPr/>
+                </a:tc>
+                <a:tc>
+                  <a:txBody>
+                    <a:bodyPr/>
+                    <a:lstStyle/>
+                    <a:p>
+                      <a:r>
+                        <a:rPr lang="en-US" dirty="0"/>
+                        <a:t>0.5</a:t>
+                      </a:r>
+                    </a:p>
+                  </a:txBody>
+                  <a:tcPr/>
+                </a:tc>
+                <a:tc>
+                  <a:txBody>
+                    <a:bodyPr/>
+                    <a:lstStyle/>
+                    <a:p>
+                      <a:r>
+                        <a:rPr lang="en-US" dirty="0"/>
+                        <a:t>6</a:t>
+                      </a:r>
+                    </a:p>
+                  </a:txBody>
+                  <a:tcPr/>
+                </a:tc>
+                <a:extLst>
+                  <a:ext uri="{0D108BD9-81ED-4DB2-BD59-A6C34878D82A}">
+                    <a16:rowId xmlns:a16="http://schemas.microsoft.com/office/drawing/2014/main" val="3538228135"/>
+                  </a:ext>
+                </a:extLst>
+              </a:tr>
+              <a:tr h="370840">
+                <a:tc>
+                  <a:txBody>
+                    <a:bodyPr/>
+                    <a:lstStyle/>
+                    <a:p>
+                      <a:r>
+                        <a:rPr lang="en-US" dirty="0"/>
+                        <a:t>4</a:t>
+                      </a:r>
+                    </a:p>
+                  </a:txBody>
+                  <a:tcPr/>
+                </a:tc>
+                <a:tc>
+                  <a:txBody>
+                    <a:bodyPr/>
+                    <a:lstStyle/>
+                    <a:p>
+                      <a:r>
+                        <a:rPr lang="en-US" dirty="0"/>
+                        <a:t>0.7</a:t>
+                      </a:r>
+                    </a:p>
+                  </a:txBody>
+                  <a:tcPr/>
+                </a:tc>
+                <a:tc>
+                  <a:txBody>
+                    <a:bodyPr/>
+                    <a:lstStyle/>
+                    <a:p>
+                      <a:r>
+                        <a:rPr lang="en-US" dirty="0"/>
+                        <a:t>8</a:t>
+                      </a:r>
+                    </a:p>
+                  </a:txBody>
+                  <a:tcPr/>
+                </a:tc>
+                <a:extLst>
+                  <a:ext uri="{0D108BD9-81ED-4DB2-BD59-A6C34878D82A}">
+                    <a16:rowId xmlns:a16="http://schemas.microsoft.com/office/drawing/2014/main" val="1084802289"/>
+                  </a:ext>
+                </a:extLst>
+              </a:tr>
+              <a:tr h="370840">
+                <a:tc>
+                  <a:txBody>
+                    <a:bodyPr/>
+                    <a:lstStyle/>
+                    <a:p>
+                      <a:r>
+                        <a:rPr lang="en-US" b="1" dirty="0">
+                          <a:solidFill>
+                            <a:srgbClr val="FF0000"/>
+                          </a:solidFill>
+                        </a:rPr>
+                        <a:t>5</a:t>
+                      </a:r>
+                    </a:p>
+                  </a:txBody>
+                  <a:tcPr/>
+                </a:tc>
+                <a:tc>
+                  <a:txBody>
+                    <a:bodyPr/>
+                    <a:lstStyle/>
+                    <a:p>
+                      <a:r>
+                        <a:rPr lang="en-US" b="1" dirty="0">
+                          <a:solidFill>
+                            <a:srgbClr val="FF0000"/>
+                          </a:solidFill>
+                        </a:rPr>
+                        <a:t>0.8</a:t>
+                      </a:r>
+                    </a:p>
+                  </a:txBody>
+                  <a:tcPr/>
+                </a:tc>
+                <a:tc>
+                  <a:txBody>
+                    <a:bodyPr/>
+                    <a:lstStyle/>
+                    <a:p>
+                      <a:r>
+                        <a:rPr lang="en-US" b="1" dirty="0">
+                          <a:solidFill>
+                            <a:srgbClr val="FF0000"/>
+                          </a:solidFill>
+                        </a:rPr>
+                        <a:t>?</a:t>
+                      </a:r>
+                    </a:p>
+                  </a:txBody>
+                  <a:tcPr/>
+                </a:tc>
+                <a:extLst>
+                  <a:ext uri="{0D108BD9-81ED-4DB2-BD59-A6C34878D82A}">
+                    <a16:rowId xmlns:a16="http://schemas.microsoft.com/office/drawing/2014/main" val="1804573333"/>
+                  </a:ext>
+                </a:extLst>
+              </a:tr>
+            </a:tbl>
+          </a:graphicData>
+        </a:graphic>
+      </p:graphicFrame>
+      <p:sp>
+        <p:nvSpPr>
+          <p:cNvPr id="7" name="TextBox 6">
+            <a:extLst>
+              <a:ext uri="{FF2B5EF4-FFF2-40B4-BE49-F238E27FC236}">
+                <a16:creationId xmlns:a16="http://schemas.microsoft.com/office/drawing/2014/main" id="{D1DD2DC7-A255-399D-8819-A64FF5AA5396}"/>
+              </a:ext>
+            </a:extLst>
+          </p:cNvPr>
+          <p:cNvSpPr txBox="1"/>
+          <p:nvPr/>
+        </p:nvSpPr>
+        <p:spPr>
+          <a:xfrm>
+            <a:off x="5016916" y="2144841"/>
+            <a:ext cx="595184" cy="369332"/>
+          </a:xfrm>
+          <a:prstGeom prst="rect">
+            <a:avLst/>
+          </a:prstGeom>
+          <a:noFill/>
+        </p:spPr>
+        <p:txBody>
+          <a:bodyPr wrap="square">
+            <a:spAutoFit/>
+          </a:bodyPr>
+          <a:lstStyle/>
+          <a:p>
+            <a:r>
+              <a:rPr lang="en-US" b="1" dirty="0">
+                <a:solidFill>
+                  <a:srgbClr val="FF0000"/>
+                </a:solidFill>
+              </a:rPr>
+              <a:t>#bd</a:t>
+            </a:r>
+          </a:p>
+        </p:txBody>
+      </p:sp>
+      <p:sp>
+        <p:nvSpPr>
+          <p:cNvPr id="8" name="TextBox 7">
+            <a:extLst>
+              <a:ext uri="{FF2B5EF4-FFF2-40B4-BE49-F238E27FC236}">
+                <a16:creationId xmlns:a16="http://schemas.microsoft.com/office/drawing/2014/main" id="{37485775-ED5E-30FB-515A-8EF82C19C14C}"/>
+              </a:ext>
+            </a:extLst>
+          </p:cNvPr>
+          <p:cNvSpPr txBox="1"/>
+          <p:nvPr/>
+        </p:nvSpPr>
+        <p:spPr>
+          <a:xfrm>
+            <a:off x="6098315" y="4135447"/>
+            <a:ext cx="702275" cy="369332"/>
+          </a:xfrm>
+          <a:prstGeom prst="rect">
+            <a:avLst/>
+          </a:prstGeom>
+          <a:noFill/>
+        </p:spPr>
+        <p:txBody>
+          <a:bodyPr wrap="square">
+            <a:spAutoFit/>
+          </a:bodyPr>
+          <a:lstStyle/>
+          <a:p>
+            <a:r>
+              <a:rPr lang="en-US" b="1" dirty="0">
+                <a:solidFill>
+                  <a:srgbClr val="FF0000"/>
+                </a:solidFill>
+              </a:rPr>
+              <a:t>price</a:t>
+            </a:r>
+          </a:p>
+        </p:txBody>
+      </p:sp>
+      <p:cxnSp>
+        <p:nvCxnSpPr>
+          <p:cNvPr id="9" name="Straight Arrow Connector 8">
+            <a:extLst>
+              <a:ext uri="{FF2B5EF4-FFF2-40B4-BE49-F238E27FC236}">
+                <a16:creationId xmlns:a16="http://schemas.microsoft.com/office/drawing/2014/main" id="{BBB1FA5D-3C59-EA6B-E543-BBD2C6AD6EEA}"/>
+              </a:ext>
+            </a:extLst>
+          </p:cNvPr>
+          <p:cNvCxnSpPr/>
+          <p:nvPr/>
+        </p:nvCxnSpPr>
+        <p:spPr>
+          <a:xfrm>
+            <a:off x="6335658" y="1953311"/>
+            <a:ext cx="0" cy="766119"/>
+          </a:xfrm>
+          <a:prstGeom prst="straightConnector1">
+            <a:avLst/>
+          </a:prstGeom>
+          <a:ln w="57150">
+            <a:solidFill>
+              <a:srgbClr val="002060"/>
+            </a:solidFill>
+            <a:tailEnd type="triangle"/>
+          </a:ln>
+        </p:spPr>
+        <p:style>
+          <a:lnRef idx="1">
+            <a:schemeClr val="accent1"/>
+          </a:lnRef>
+          <a:fillRef idx="0">
+            <a:schemeClr val="accent1"/>
+          </a:fillRef>
+          <a:effectRef idx="0">
+            <a:schemeClr val="accent1"/>
+          </a:effectRef>
+          <a:fontRef idx="minor">
+            <a:schemeClr val="tx1"/>
+          </a:fontRef>
+        </p:style>
+      </p:cxnSp>
+      <p:sp>
+        <p:nvSpPr>
+          <p:cNvPr id="10" name="TextBox 9">
+            <a:extLst>
+              <a:ext uri="{FF2B5EF4-FFF2-40B4-BE49-F238E27FC236}">
+                <a16:creationId xmlns:a16="http://schemas.microsoft.com/office/drawing/2014/main" id="{1704557E-EA88-E854-DBB3-2CB5F5222409}"/>
+              </a:ext>
+            </a:extLst>
+          </p:cNvPr>
+          <p:cNvSpPr txBox="1"/>
+          <p:nvPr/>
+        </p:nvSpPr>
+        <p:spPr>
+          <a:xfrm>
+            <a:off x="6415427" y="2144841"/>
+            <a:ext cx="718720" cy="369332"/>
+          </a:xfrm>
+          <a:prstGeom prst="rect">
+            <a:avLst/>
+          </a:prstGeom>
+          <a:noFill/>
+        </p:spPr>
+        <p:txBody>
+          <a:bodyPr wrap="square">
+            <a:spAutoFit/>
+          </a:bodyPr>
+          <a:lstStyle/>
+          <a:p>
+            <a:r>
+              <a:rPr lang="en-US" b="1" dirty="0">
+                <a:solidFill>
+                  <a:srgbClr val="FF0000"/>
+                </a:solidFill>
+              </a:rPr>
+              <a:t>#sqft</a:t>
+            </a:r>
+          </a:p>
+        </p:txBody>
+      </p:sp>
+      <p:sp>
+        <p:nvSpPr>
+          <p:cNvPr id="12" name="TextBox 11">
+            <a:extLst>
+              <a:ext uri="{FF2B5EF4-FFF2-40B4-BE49-F238E27FC236}">
+                <a16:creationId xmlns:a16="http://schemas.microsoft.com/office/drawing/2014/main" id="{CBCE4A05-7DCA-35DF-CB8B-B95CE02FCDFA}"/>
+              </a:ext>
+            </a:extLst>
+          </p:cNvPr>
+          <p:cNvSpPr txBox="1"/>
+          <p:nvPr/>
+        </p:nvSpPr>
+        <p:spPr>
+          <a:xfrm>
+            <a:off x="4961984" y="3000303"/>
+            <a:ext cx="1640194" cy="646331"/>
+          </a:xfrm>
+          <a:prstGeom prst="rect">
+            <a:avLst/>
+          </a:prstGeom>
+          <a:noFill/>
+        </p:spPr>
+        <p:txBody>
+          <a:bodyPr wrap="none" rtlCol="0">
+            <a:spAutoFit/>
+          </a:bodyPr>
+          <a:lstStyle/>
+          <a:p>
+            <a:pPr algn="ctr"/>
+            <a:r>
+              <a:rPr lang="en-US" dirty="0"/>
+              <a:t>f(x0, x1) =</a:t>
+            </a:r>
+          </a:p>
+          <a:p>
+            <a:pPr algn="ctr"/>
+            <a:r>
+              <a:rPr lang="en-US" dirty="0">
+                <a:solidFill>
+                  <a:srgbClr val="7030A0"/>
+                </a:solidFill>
+              </a:rPr>
+              <a:t>w0</a:t>
+            </a:r>
+            <a:r>
+              <a:rPr lang="en-US" dirty="0"/>
+              <a:t> x0+</a:t>
+            </a:r>
+            <a:r>
+              <a:rPr lang="en-US" dirty="0">
+                <a:solidFill>
+                  <a:srgbClr val="7030A0"/>
+                </a:solidFill>
+              </a:rPr>
+              <a:t>w1</a:t>
+            </a:r>
+            <a:r>
+              <a:rPr lang="en-US" dirty="0"/>
+              <a:t> x1+b</a:t>
+            </a:r>
+          </a:p>
+        </p:txBody>
+      </p:sp>
+      <p:pic>
+        <p:nvPicPr>
+          <p:cNvPr id="15" name="Picture 14">
+            <a:extLst>
+              <a:ext uri="{FF2B5EF4-FFF2-40B4-BE49-F238E27FC236}">
+                <a16:creationId xmlns:a16="http://schemas.microsoft.com/office/drawing/2014/main" id="{852E2A09-4F04-30C7-942E-2E52F597E8FA}"/>
+              </a:ext>
+            </a:extLst>
+          </p:cNvPr>
+          <p:cNvPicPr>
+            <a:picLocks noChangeAspect="1"/>
+          </p:cNvPicPr>
+          <p:nvPr/>
+        </p:nvPicPr>
+        <p:blipFill>
+          <a:blip r:embed="rId2"/>
+          <a:stretch>
+            <a:fillRect/>
+          </a:stretch>
+        </p:blipFill>
+        <p:spPr>
+          <a:xfrm>
+            <a:off x="7314071" y="1613323"/>
+            <a:ext cx="4448384" cy="3288627"/>
+          </a:xfrm>
+          <a:prstGeom prst="rect">
+            <a:avLst/>
+          </a:prstGeom>
+        </p:spPr>
+      </p:pic>
+    </p:spTree>
+    <p:extLst>
+      <p:ext uri="{BB962C8B-B14F-4D97-AF65-F5344CB8AC3E}">
+        <p14:creationId xmlns:p14="http://schemas.microsoft.com/office/powerpoint/2010/main" val="3085520332"/>
+      </p:ext>
+    </p:extLst>
+  </p:cSld>
+  <p:clrMapOvr>
+    <a:masterClrMapping/>
+  </p:clrMapOvr>
+</p:sld>
+</file>
+
+<file path=ppt/slides/slide8.xml><?xml version="1.0" encoding="utf-8"?>
 <p:sld xmlns:a="http://schemas.openxmlformats.org/drawingml/2006/main" xmlns:r="http://schemas.openxmlformats.org/officeDocument/2006/relationships" xmlns:p="http://schemas.openxmlformats.org/presentationml/2006/main">
   <p:cSld>
     <p:spTree>
@@ -4460,7 +8880,7 @@
 </p:sld>
 </file>
 
-<file path=ppt/slides/slide3.xml><?xml version="1.0" encoding="utf-8"?>
+<file path=ppt/slides/slide9.xml><?xml version="1.0" encoding="utf-8"?>
 <p:sld xmlns:a="http://schemas.openxmlformats.org/drawingml/2006/main" xmlns:r="http://schemas.openxmlformats.org/officeDocument/2006/relationships" xmlns:p="http://schemas.openxmlformats.org/presentationml/2006/main">
   <p:cSld>
     <p:spTree>
@@ -4628,694 +9048,6 @@
     <p:extLst>
       <p:ext uri="{BB962C8B-B14F-4D97-AF65-F5344CB8AC3E}">
         <p14:creationId xmlns:p14="http://schemas.microsoft.com/office/powerpoint/2010/main" val="3100494254"/>
-      </p:ext>
-    </p:extLst>
-  </p:cSld>
-  <p:clrMapOvr>
-    <a:masterClrMapping/>
-  </p:clrMapOvr>
-</p:sld>
-</file>
-
-<file path=ppt/slides/slide4.xml><?xml version="1.0" encoding="utf-8"?>
-<p:sld xmlns:a="http://schemas.openxmlformats.org/drawingml/2006/main" xmlns:r="http://schemas.openxmlformats.org/officeDocument/2006/relationships" xmlns:p="http://schemas.openxmlformats.org/presentationml/2006/main">
-  <p:cSld>
-    <p:spTree>
-      <p:nvGrpSpPr>
-        <p:cNvPr id="1" name=""/>
-        <p:cNvGrpSpPr/>
-        <p:nvPr/>
-      </p:nvGrpSpPr>
-      <p:grpSpPr>
-        <a:xfrm>
-          <a:off x="0" y="0"/>
-          <a:ext cx="0" cy="0"/>
-          <a:chOff x="0" y="0"/>
-          <a:chExt cx="0" cy="0"/>
-        </a:xfrm>
-      </p:grpSpPr>
-      <p:sp>
-        <p:nvSpPr>
-          <p:cNvPr id="2" name="Title 1">
-            <a:extLst>
-              <a:ext uri="{FF2B5EF4-FFF2-40B4-BE49-F238E27FC236}">
-                <a16:creationId xmlns:a16="http://schemas.microsoft.com/office/drawing/2014/main" id="{21EA945C-7F49-37BC-FEE2-E004DF17AAB7}"/>
-              </a:ext>
-            </a:extLst>
-          </p:cNvPr>
-          <p:cNvSpPr>
-            <a:spLocks noGrp="1"/>
-          </p:cNvSpPr>
-          <p:nvPr>
-            <p:ph type="title"/>
-          </p:nvPr>
-        </p:nvSpPr>
-        <p:spPr/>
-        <p:txBody>
-          <a:bodyPr/>
-          <a:lstStyle/>
-          <a:p>
-            <a:r>
-              <a:rPr lang="en-US" dirty="0" err="1"/>
-              <a:t>Autogradient</a:t>
-            </a:r>
-            <a:endParaRPr lang="en-US" dirty="0"/>
-          </a:p>
-        </p:txBody>
-      </p:sp>
-      <p:sp>
-        <p:nvSpPr>
-          <p:cNvPr id="3" name="Content Placeholder 2">
-            <a:extLst>
-              <a:ext uri="{FF2B5EF4-FFF2-40B4-BE49-F238E27FC236}">
-                <a16:creationId xmlns:a16="http://schemas.microsoft.com/office/drawing/2014/main" id="{142D855F-0BA8-F668-558E-2DC24B2E6718}"/>
-              </a:ext>
-            </a:extLst>
-          </p:cNvPr>
-          <p:cNvSpPr>
-            <a:spLocks noGrp="1"/>
-          </p:cNvSpPr>
-          <p:nvPr>
-            <p:ph idx="1"/>
-          </p:nvPr>
-        </p:nvSpPr>
-        <p:spPr/>
-        <p:txBody>
-          <a:bodyPr/>
-          <a:lstStyle/>
-          <a:p>
-            <a:r>
-              <a:rPr lang="en-GB" b="1" dirty="0"/>
-              <a:t>Definition</a:t>
-            </a:r>
-            <a:r>
-              <a:rPr lang="en-GB" dirty="0"/>
-              <a:t>: </a:t>
-            </a:r>
-            <a:r>
-              <a:rPr lang="en-GB" dirty="0" err="1"/>
-              <a:t>Autogradient</a:t>
-            </a:r>
-            <a:r>
-              <a:rPr lang="en-GB" dirty="0"/>
-              <a:t>, often called </a:t>
-            </a:r>
-            <a:r>
-              <a:rPr lang="en-GB" b="1" dirty="0" err="1"/>
-              <a:t>autograd</a:t>
-            </a:r>
-            <a:r>
-              <a:rPr lang="en-GB" dirty="0"/>
-              <a:t>, is a computational technique used by ML frameworks (e.g., </a:t>
-            </a:r>
-            <a:r>
-              <a:rPr lang="en-GB" dirty="0" err="1"/>
-              <a:t>PyTorch</a:t>
-            </a:r>
-            <a:r>
-              <a:rPr lang="en-GB" dirty="0"/>
-              <a:t>, TensorFlow, JAX) to automatically compute gradients of functions. </a:t>
-            </a:r>
-          </a:p>
-          <a:p>
-            <a:pPr lvl="1"/>
-            <a:r>
-              <a:rPr lang="en-GB" dirty="0"/>
-              <a:t>It applies the chain rule to differentiate complex operations in a model's computational graph.</a:t>
-            </a:r>
-          </a:p>
-          <a:p>
-            <a:r>
-              <a:rPr lang="en-GB" b="1" dirty="0"/>
-              <a:t>Purpose</a:t>
-            </a:r>
-            <a:r>
-              <a:rPr lang="en-GB" dirty="0"/>
-              <a:t>: It eliminates the need to manually derive and code gradients, making it easier to implement complex models.</a:t>
-            </a:r>
-          </a:p>
-          <a:p>
-            <a:r>
-              <a:rPr lang="en-GB" b="1" dirty="0"/>
-              <a:t>Example</a:t>
-            </a:r>
-            <a:r>
-              <a:rPr lang="en-GB" dirty="0"/>
-              <a:t>: In </a:t>
-            </a:r>
-            <a:r>
-              <a:rPr lang="en-GB" dirty="0" err="1"/>
-              <a:t>PyTorch</a:t>
-            </a:r>
-            <a:r>
-              <a:rPr lang="en-GB" dirty="0"/>
-              <a:t>, if you define a loss function and call </a:t>
-            </a:r>
-            <a:r>
-              <a:rPr lang="en-GB" dirty="0" err="1">
-                <a:solidFill>
-                  <a:schemeClr val="accent2"/>
-                </a:solidFill>
-              </a:rPr>
-              <a:t>loss.backward</a:t>
-            </a:r>
-            <a:r>
-              <a:rPr lang="en-GB" dirty="0">
-                <a:solidFill>
-                  <a:schemeClr val="accent2"/>
-                </a:solidFill>
-              </a:rPr>
-              <a:t>(), </a:t>
-            </a:r>
-            <a:r>
-              <a:rPr lang="en-GB" dirty="0" err="1"/>
-              <a:t>autograd</a:t>
-            </a:r>
-            <a:r>
-              <a:rPr lang="en-GB" dirty="0"/>
-              <a:t> computes the gradients of the loss with respect to all parameters marked as </a:t>
-            </a:r>
-            <a:r>
-              <a:rPr lang="en-GB" dirty="0" err="1">
-                <a:solidFill>
-                  <a:schemeClr val="accent2"/>
-                </a:solidFill>
-              </a:rPr>
-              <a:t>requires_grad</a:t>
-            </a:r>
-            <a:r>
-              <a:rPr lang="en-GB" dirty="0">
-                <a:solidFill>
-                  <a:schemeClr val="accent2"/>
-                </a:solidFill>
-              </a:rPr>
-              <a:t>=True</a:t>
-            </a:r>
-            <a:r>
-              <a:rPr lang="en-GB" dirty="0"/>
-              <a:t>.</a:t>
-            </a:r>
-          </a:p>
-          <a:p>
-            <a:endParaRPr lang="en-GB" dirty="0"/>
-          </a:p>
-          <a:p>
-            <a:endParaRPr lang="en-GB" dirty="0"/>
-          </a:p>
-          <a:p>
-            <a:endParaRPr lang="en-US" dirty="0"/>
-          </a:p>
-        </p:txBody>
-      </p:sp>
-    </p:spTree>
-    <p:extLst>
-      <p:ext uri="{BB962C8B-B14F-4D97-AF65-F5344CB8AC3E}">
-        <p14:creationId xmlns:p14="http://schemas.microsoft.com/office/powerpoint/2010/main" val="1655253961"/>
-      </p:ext>
-    </p:extLst>
-  </p:cSld>
-  <p:clrMapOvr>
-    <a:masterClrMapping/>
-  </p:clrMapOvr>
-</p:sld>
-</file>
-
-<file path=ppt/slides/slide5.xml><?xml version="1.0" encoding="utf-8"?>
-<p:sld xmlns:a="http://schemas.openxmlformats.org/drawingml/2006/main" xmlns:r="http://schemas.openxmlformats.org/officeDocument/2006/relationships" xmlns:p="http://schemas.openxmlformats.org/presentationml/2006/main">
-  <p:cSld>
-    <p:spTree>
-      <p:nvGrpSpPr>
-        <p:cNvPr id="1" name=""/>
-        <p:cNvGrpSpPr/>
-        <p:nvPr/>
-      </p:nvGrpSpPr>
-      <p:grpSpPr>
-        <a:xfrm>
-          <a:off x="0" y="0"/>
-          <a:ext cx="0" cy="0"/>
-          <a:chOff x="0" y="0"/>
-          <a:chExt cx="0" cy="0"/>
-        </a:xfrm>
-      </p:grpSpPr>
-      <p:sp>
-        <p:nvSpPr>
-          <p:cNvPr id="2" name="Title 1">
-            <a:extLst>
-              <a:ext uri="{FF2B5EF4-FFF2-40B4-BE49-F238E27FC236}">
-                <a16:creationId xmlns:a16="http://schemas.microsoft.com/office/drawing/2014/main" id="{9E4BDEA5-7527-8867-0FB2-301052A3E4FB}"/>
-              </a:ext>
-            </a:extLst>
-          </p:cNvPr>
-          <p:cNvSpPr>
-            <a:spLocks noGrp="1"/>
-          </p:cNvSpPr>
-          <p:nvPr>
-            <p:ph type="title"/>
-          </p:nvPr>
-        </p:nvSpPr>
-        <p:spPr/>
-        <p:txBody>
-          <a:bodyPr/>
-          <a:lstStyle/>
-          <a:p>
-            <a:r>
-              <a:rPr lang="en-US" dirty="0"/>
-              <a:t>Key Differences: </a:t>
-            </a:r>
-            <a:r>
-              <a:rPr lang="en-GB" dirty="0"/>
-              <a:t>Gradient vs. </a:t>
-            </a:r>
-            <a:r>
-              <a:rPr lang="en-GB" dirty="0" err="1"/>
-              <a:t>Autograd</a:t>
-            </a:r>
-            <a:endParaRPr lang="en-US" dirty="0"/>
-          </a:p>
-        </p:txBody>
-      </p:sp>
-      <p:sp>
-        <p:nvSpPr>
-          <p:cNvPr id="3" name="Content Placeholder 2">
-            <a:extLst>
-              <a:ext uri="{FF2B5EF4-FFF2-40B4-BE49-F238E27FC236}">
-                <a16:creationId xmlns:a16="http://schemas.microsoft.com/office/drawing/2014/main" id="{1650DC9D-4865-25C4-6403-52681E04FD9B}"/>
-              </a:ext>
-            </a:extLst>
-          </p:cNvPr>
-          <p:cNvSpPr>
-            <a:spLocks noGrp="1"/>
-          </p:cNvSpPr>
-          <p:nvPr>
-            <p:ph idx="1"/>
-          </p:nvPr>
-        </p:nvSpPr>
-        <p:spPr/>
-        <p:txBody>
-          <a:bodyPr/>
-          <a:lstStyle/>
-          <a:p>
-            <a:r>
-              <a:rPr lang="en-GB" dirty="0"/>
-              <a:t>Gradient is the mathematical concept (the result of differentiation).</a:t>
-            </a:r>
-          </a:p>
-          <a:p>
-            <a:r>
-              <a:rPr lang="en-GB" dirty="0" err="1"/>
-              <a:t>Autograd</a:t>
-            </a:r>
-            <a:r>
-              <a:rPr lang="en-GB" dirty="0"/>
-              <a:t> is the algorithmic tool that computes gradients automatically.</a:t>
-            </a:r>
-            <a:endParaRPr lang="en-US" dirty="0"/>
-          </a:p>
-        </p:txBody>
-      </p:sp>
-    </p:spTree>
-    <p:extLst>
-      <p:ext uri="{BB962C8B-B14F-4D97-AF65-F5344CB8AC3E}">
-        <p14:creationId xmlns:p14="http://schemas.microsoft.com/office/powerpoint/2010/main" val="909895920"/>
-      </p:ext>
-    </p:extLst>
-  </p:cSld>
-  <p:clrMapOvr>
-    <a:masterClrMapping/>
-  </p:clrMapOvr>
-</p:sld>
-</file>
-
-<file path=ppt/slides/slide6.xml><?xml version="1.0" encoding="utf-8"?>
-<p:sld xmlns:a="http://schemas.openxmlformats.org/drawingml/2006/main" xmlns:r="http://schemas.openxmlformats.org/officeDocument/2006/relationships" xmlns:p="http://schemas.openxmlformats.org/presentationml/2006/main">
-  <p:cSld>
-    <p:spTree>
-      <p:nvGrpSpPr>
-        <p:cNvPr id="1" name=""/>
-        <p:cNvGrpSpPr/>
-        <p:nvPr/>
-      </p:nvGrpSpPr>
-      <p:grpSpPr>
-        <a:xfrm>
-          <a:off x="0" y="0"/>
-          <a:ext cx="0" cy="0"/>
-          <a:chOff x="0" y="0"/>
-          <a:chExt cx="0" cy="0"/>
-        </a:xfrm>
-      </p:grpSpPr>
-      <p:sp>
-        <p:nvSpPr>
-          <p:cNvPr id="2" name="Title 1">
-            <a:extLst>
-              <a:ext uri="{FF2B5EF4-FFF2-40B4-BE49-F238E27FC236}">
-                <a16:creationId xmlns:a16="http://schemas.microsoft.com/office/drawing/2014/main" id="{C42F7C1E-7F3F-FD62-F92D-9320B2F1D10D}"/>
-              </a:ext>
-            </a:extLst>
-          </p:cNvPr>
-          <p:cNvSpPr>
-            <a:spLocks noGrp="1"/>
-          </p:cNvSpPr>
-          <p:nvPr>
-            <p:ph type="title"/>
-          </p:nvPr>
-        </p:nvSpPr>
-        <p:spPr/>
-        <p:txBody>
-          <a:bodyPr/>
-          <a:lstStyle/>
-          <a:p>
-            <a:r>
-              <a:rPr lang="en-US" dirty="0"/>
-              <a:t>Steps for computing gradient descent after </a:t>
-            </a:r>
-            <a:r>
-              <a:rPr lang="en-US" dirty="0" err="1">
-                <a:solidFill>
-                  <a:schemeClr val="accent5"/>
-                </a:solidFill>
-              </a:rPr>
-              <a:t>Autograd</a:t>
-            </a:r>
-            <a:endParaRPr lang="en-US" dirty="0">
-              <a:solidFill>
-                <a:schemeClr val="accent5"/>
-              </a:solidFill>
-            </a:endParaRPr>
-          </a:p>
-        </p:txBody>
-      </p:sp>
-      <p:sp>
-        <p:nvSpPr>
-          <p:cNvPr id="3" name="Content Placeholder 2">
-            <a:extLst>
-              <a:ext uri="{FF2B5EF4-FFF2-40B4-BE49-F238E27FC236}">
-                <a16:creationId xmlns:a16="http://schemas.microsoft.com/office/drawing/2014/main" id="{D8178449-0DEC-1DF6-C094-4E1D9A556DB1}"/>
-              </a:ext>
-            </a:extLst>
-          </p:cNvPr>
-          <p:cNvSpPr>
-            <a:spLocks noGrp="1"/>
-          </p:cNvSpPr>
-          <p:nvPr>
-            <p:ph idx="1"/>
-          </p:nvPr>
-        </p:nvSpPr>
-        <p:spPr/>
-        <p:txBody>
-          <a:bodyPr>
-            <a:normAutofit lnSpcReduction="10000"/>
-          </a:bodyPr>
-          <a:lstStyle/>
-          <a:p>
-            <a:r>
-              <a:rPr lang="en-GB" b="1" dirty="0"/>
-              <a:t>Initialize Parameters: </a:t>
-            </a:r>
-            <a:r>
-              <a:rPr lang="en-GB" dirty="0"/>
-              <a:t>Start with initial values for the parameters (e.g., random values for w0 and w1).</a:t>
-            </a:r>
-          </a:p>
-          <a:p>
-            <a:r>
-              <a:rPr lang="en-GB" b="1" dirty="0"/>
-              <a:t>Compute the Loss</a:t>
-            </a:r>
-            <a:r>
-              <a:rPr lang="en-GB" dirty="0"/>
-              <a:t>: Evaluate the loss function (e.g., loss = </a:t>
-            </a:r>
-            <a:r>
-              <a:rPr lang="en-GB" dirty="0" err="1"/>
-              <a:t>z.sum</a:t>
-            </a:r>
-            <a:r>
-              <a:rPr lang="en-GB" dirty="0"/>
-              <a:t>() ).</a:t>
-            </a:r>
-          </a:p>
-          <a:p>
-            <a:r>
-              <a:rPr lang="en-GB" b="1" dirty="0"/>
-              <a:t>Compute </a:t>
-            </a:r>
-            <a:r>
-              <a:rPr lang="en-GB" b="1" dirty="0" err="1"/>
-              <a:t>Autograd</a:t>
-            </a:r>
-            <a:r>
-              <a:rPr lang="en-GB" b="1" dirty="0"/>
-              <a:t>: </a:t>
-            </a:r>
-            <a:r>
-              <a:rPr lang="en-GB" dirty="0"/>
-              <a:t>Calculate the gradients of the loss with respect to each parameter (e.g., </a:t>
-            </a:r>
-            <a:r>
-              <a:rPr lang="en-GB" dirty="0">
-                <a:solidFill>
-                  <a:schemeClr val="accent5"/>
-                </a:solidFill>
-              </a:rPr>
-              <a:t>∂loss/</a:t>
-            </a:r>
-            <a:r>
-              <a:rPr lang="en-GB">
-                <a:solidFill>
-                  <a:schemeClr val="accent5"/>
-                </a:solidFill>
-              </a:rPr>
-              <a:t>∂w0 </a:t>
-            </a:r>
-            <a:r>
-              <a:rPr lang="en-GB" dirty="0"/>
-              <a:t>and </a:t>
-            </a:r>
-            <a:r>
-              <a:rPr lang="en-GB" dirty="0">
-                <a:solidFill>
-                  <a:schemeClr val="accent5"/>
-                </a:solidFill>
-              </a:rPr>
-              <a:t>∂loss</a:t>
-            </a:r>
-            <a:r>
-              <a:rPr lang="en-GB">
-                <a:solidFill>
-                  <a:schemeClr val="accent5"/>
-                </a:solidFill>
-              </a:rPr>
-              <a:t>/∂w1</a:t>
-            </a:r>
-            <a:r>
-              <a:rPr lang="en-GB"/>
-              <a:t>, </a:t>
-            </a:r>
-            <a:r>
-              <a:rPr lang="en-GB" dirty="0"/>
-              <a:t>stored in </a:t>
-            </a:r>
-            <a:r>
-              <a:rPr lang="en-GB" dirty="0">
-                <a:solidFill>
-                  <a:schemeClr val="accent2"/>
-                </a:solidFill>
-              </a:rPr>
-              <a:t>w0.grad </a:t>
-            </a:r>
-            <a:r>
-              <a:rPr lang="en-GB" dirty="0"/>
-              <a:t>and </a:t>
-            </a:r>
-            <a:r>
-              <a:rPr lang="en-GB" dirty="0">
-                <a:solidFill>
-                  <a:schemeClr val="accent2"/>
-                </a:solidFill>
-              </a:rPr>
-              <a:t>w1.grad </a:t>
-            </a:r>
-            <a:r>
-              <a:rPr lang="en-GB" dirty="0"/>
-              <a:t>after </a:t>
-            </a:r>
-            <a:r>
-              <a:rPr lang="en-GB" dirty="0" err="1">
-                <a:solidFill>
-                  <a:schemeClr val="accent2"/>
-                </a:solidFill>
-              </a:rPr>
-              <a:t>loss.backward</a:t>
-            </a:r>
-            <a:r>
-              <a:rPr lang="en-GB" dirty="0">
-                <a:solidFill>
-                  <a:schemeClr val="accent2"/>
-                </a:solidFill>
-              </a:rPr>
-              <a:t>() </a:t>
-            </a:r>
-            <a:r>
-              <a:rPr lang="en-GB" dirty="0"/>
-              <a:t>).</a:t>
-            </a:r>
-          </a:p>
-          <a:p>
-            <a:r>
-              <a:rPr lang="en-GB" b="1" dirty="0"/>
-              <a:t>Update Parameters</a:t>
-            </a:r>
-            <a:r>
-              <a:rPr lang="en-GB" dirty="0"/>
-              <a:t>: Adjust the parameters using the update rule</a:t>
-            </a:r>
-          </a:p>
-          <a:p>
-            <a:pPr lvl="1"/>
-            <a:r>
-              <a:rPr lang="en-GB" dirty="0"/>
-              <a:t>parameter = parameter - </a:t>
-            </a:r>
-            <a:r>
-              <a:rPr lang="en-GB" dirty="0" err="1"/>
-              <a:t>learning_rate</a:t>
-            </a:r>
-            <a:r>
-              <a:rPr lang="en-GB" dirty="0"/>
-              <a:t> * gradient</a:t>
-            </a:r>
-          </a:p>
-          <a:p>
-            <a:r>
-              <a:rPr lang="en-GB" b="1" dirty="0"/>
-              <a:t>Repeat</a:t>
-            </a:r>
-            <a:r>
-              <a:rPr lang="en-GB" dirty="0"/>
-              <a:t>: Iterate steps 2–4 until the loss converges (stops decreasing significantly) or a set number of iterations is reached.</a:t>
-            </a:r>
-          </a:p>
-          <a:p>
-            <a:endParaRPr lang="en-GB" dirty="0"/>
-          </a:p>
-          <a:p>
-            <a:endParaRPr lang="en-US" dirty="0"/>
-          </a:p>
-        </p:txBody>
-      </p:sp>
-    </p:spTree>
-    <p:extLst>
-      <p:ext uri="{BB962C8B-B14F-4D97-AF65-F5344CB8AC3E}">
-        <p14:creationId xmlns:p14="http://schemas.microsoft.com/office/powerpoint/2010/main" val="1010189504"/>
-      </p:ext>
-    </p:extLst>
-  </p:cSld>
-  <p:clrMapOvr>
-    <a:masterClrMapping/>
-  </p:clrMapOvr>
-</p:sld>
-</file>
-
-<file path=ppt/slides/slide7.xml><?xml version="1.0" encoding="utf-8"?>
-<p:sld xmlns:a="http://schemas.openxmlformats.org/drawingml/2006/main" xmlns:r="http://schemas.openxmlformats.org/officeDocument/2006/relationships" xmlns:p="http://schemas.openxmlformats.org/presentationml/2006/main">
-  <p:cSld>
-    <p:spTree>
-      <p:nvGrpSpPr>
-        <p:cNvPr id="1" name=""/>
-        <p:cNvGrpSpPr/>
-        <p:nvPr/>
-      </p:nvGrpSpPr>
-      <p:grpSpPr>
-        <a:xfrm>
-          <a:off x="0" y="0"/>
-          <a:ext cx="0" cy="0"/>
-          <a:chOff x="0" y="0"/>
-          <a:chExt cx="0" cy="0"/>
-        </a:xfrm>
-      </p:grpSpPr>
-      <p:sp>
-        <p:nvSpPr>
-          <p:cNvPr id="2" name="Title 1">
-            <a:extLst>
-              <a:ext uri="{FF2B5EF4-FFF2-40B4-BE49-F238E27FC236}">
-                <a16:creationId xmlns:a16="http://schemas.microsoft.com/office/drawing/2014/main" id="{D39F5A33-F02E-4707-A115-A500DE2671BE}"/>
-              </a:ext>
-            </a:extLst>
-          </p:cNvPr>
-          <p:cNvSpPr>
-            <a:spLocks noGrp="1"/>
-          </p:cNvSpPr>
-          <p:nvPr>
-            <p:ph type="title"/>
-          </p:nvPr>
-        </p:nvSpPr>
-        <p:spPr/>
-        <p:txBody>
-          <a:bodyPr/>
-          <a:lstStyle/>
-          <a:p>
-            <a:r>
-              <a:rPr lang="en-US" dirty="0"/>
-              <a:t>Goal</a:t>
-            </a:r>
-          </a:p>
-        </p:txBody>
-      </p:sp>
-      <p:sp>
-        <p:nvSpPr>
-          <p:cNvPr id="3" name="Content Placeholder 2">
-            <a:extLst>
-              <a:ext uri="{FF2B5EF4-FFF2-40B4-BE49-F238E27FC236}">
-                <a16:creationId xmlns:a16="http://schemas.microsoft.com/office/drawing/2014/main" id="{05B68788-0EDA-2356-BC1F-D7983C72A09D}"/>
-              </a:ext>
-            </a:extLst>
-          </p:cNvPr>
-          <p:cNvSpPr>
-            <a:spLocks noGrp="1"/>
-          </p:cNvSpPr>
-          <p:nvPr>
-            <p:ph idx="1"/>
-          </p:nvPr>
-        </p:nvSpPr>
-        <p:spPr>
-          <a:xfrm>
-            <a:off x="838200" y="1803140"/>
-            <a:ext cx="10515600" cy="4351338"/>
-          </a:xfrm>
-        </p:spPr>
-        <p:txBody>
-          <a:bodyPr/>
-          <a:lstStyle/>
-          <a:p>
-            <a:r>
-              <a:rPr lang="en-US" dirty="0" err="1"/>
-              <a:t>Pytorch</a:t>
-            </a:r>
-            <a:r>
-              <a:rPr lang="en-US" dirty="0"/>
-              <a:t> tutorial</a:t>
-            </a:r>
-          </a:p>
-          <a:p>
-            <a:r>
-              <a:rPr lang="en-US" dirty="0"/>
-              <a:t>Rewrite linear regression tutorial with </a:t>
-            </a:r>
-            <a:r>
-              <a:rPr lang="en-US" dirty="0" err="1"/>
-              <a:t>Pytorch</a:t>
-            </a:r>
-            <a:endParaRPr lang="en-US" dirty="0"/>
-          </a:p>
-          <a:p>
-            <a:endParaRPr lang="en-US" dirty="0"/>
-          </a:p>
-        </p:txBody>
-      </p:sp>
-    </p:spTree>
-    <p:extLst>
-      <p:ext uri="{BB962C8B-B14F-4D97-AF65-F5344CB8AC3E}">
-        <p14:creationId xmlns:p14="http://schemas.microsoft.com/office/powerpoint/2010/main" val="3375603492"/>
       </p:ext>
     </p:extLst>
   </p:cSld>
